--- a/etat_avancement_manuscript_these.pptx
+++ b/etat_avancement_manuscript_these.pptx
@@ -347,7 +347,7 @@
             <a:fld id="{D680E798-53FF-4C51-A981-953463752515}" type="datetimeFigureOut">
               <a:rPr lang="fr-FR" smtClean="0"/>
               <a:pPr/>
-              <a:t>24/03/2021</a:t>
+              <a:t>05/04/2021</a:t>
             </a:fld>
             <a:endParaRPr lang="fr-FR" dirty="0"/>
           </a:p>
@@ -18981,35 +18981,71 @@
           <a:p>
             <a:r>
               <a:rPr lang="fr-FR" sz="700" dirty="0" smtClean="0"/>
-              <a:t>  3.2 </a:t>
-            </a:r>
-            <a:r>
-              <a:rPr lang="fr-FR" sz="700" dirty="0"/>
+              <a:t>  </a:t>
+            </a:r>
+            <a:r>
+              <a:rPr lang="fr-FR" sz="700" dirty="0" smtClean="0">
+                <a:solidFill>
+                  <a:srgbClr val="00B0F0"/>
+                </a:solidFill>
+              </a:rPr>
+              <a:t>3.2 </a:t>
+            </a:r>
+            <a:r>
+              <a:rPr lang="fr-FR" sz="700" dirty="0">
+                <a:solidFill>
+                  <a:srgbClr val="00B0F0"/>
+                </a:solidFill>
+              </a:rPr>
               <a:t>Lagrangian </a:t>
             </a:r>
             <a:r>
-              <a:rPr lang="fr-FR" sz="700" dirty="0" err="1"/>
+              <a:rPr lang="fr-FR" sz="700" dirty="0" err="1">
+                <a:solidFill>
+                  <a:srgbClr val="00B0F0"/>
+                </a:solidFill>
+              </a:rPr>
               <a:t>formalisms</a:t>
             </a:r>
             <a:r>
-              <a:rPr lang="fr-FR" sz="700" dirty="0"/>
+              <a:rPr lang="fr-FR" sz="700" dirty="0">
+                <a:solidFill>
+                  <a:srgbClr val="00B0F0"/>
+                </a:solidFill>
+              </a:rPr>
               <a:t> for spray transport . . . . . . . . . . . . . . . . . . . . . . . . . . . . . 6</a:t>
             </a:r>
           </a:p>
           <a:p>
             <a:r>
-              <a:rPr lang="en-US" sz="700" dirty="0" smtClean="0"/>
+              <a:rPr lang="en-US" sz="700" dirty="0" smtClean="0">
+                <a:solidFill>
+                  <a:srgbClr val="00B0F0"/>
+                </a:solidFill>
+              </a:rPr>
               <a:t> 3.3 </a:t>
             </a:r>
             <a:r>
-              <a:rPr lang="en-US" sz="700" dirty="0"/>
+              <a:rPr lang="en-US" sz="700" dirty="0">
+                <a:solidFill>
+                  <a:srgbClr val="00B0F0"/>
+                </a:solidFill>
+              </a:rPr>
               <a:t>Models for injection of lagrangian droplets . . . . . . . . . . . . . . . . . . . . . . . . . . . . . </a:t>
             </a:r>
             <a:r>
-              <a:rPr lang="en-US" sz="700" dirty="0" smtClean="0"/>
+              <a:rPr lang="en-US" sz="700" dirty="0" smtClean="0">
+                <a:solidFill>
+                  <a:srgbClr val="00B0F0"/>
+                </a:solidFill>
+              </a:rPr>
               <a:t>7 </a:t>
             </a:r>
-            <a:endParaRPr lang="fr-FR" sz="100" dirty="0"/>
+            <a:endParaRPr lang="fr-FR" sz="100" dirty="0">
+              <a:solidFill>
+                <a:srgbClr val="00B0F0"/>
+              </a:solidFill>
+            </a:endParaRPr>
           </a:p>
         </p:txBody>
       </p:sp>
@@ -20167,7 +20203,7 @@
         <p:spPr>
           <a:xfrm>
             <a:off x="333159" y="3680166"/>
-            <a:ext cx="340158" cy="200055"/>
+            <a:ext cx="389850" cy="200055"/>
           </a:xfrm>
           <a:prstGeom prst="rect">
             <a:avLst/>
@@ -20182,7 +20218,11 @@
           <a:p>
             <a:r>
               <a:rPr lang="fr-FR" sz="700" b="1" dirty="0" smtClean="0"/>
-              <a:t>0 %</a:t>
+              <a:t>10 </a:t>
+            </a:r>
+            <a:r>
+              <a:rPr lang="fr-FR" sz="700" b="1" dirty="0" smtClean="0"/>
+              <a:t>%</a:t>
             </a:r>
             <a:endParaRPr lang="fr-FR" sz="100" dirty="0"/>
           </a:p>
@@ -20259,7 +20299,7 @@
           <p:spPr>
             <a:xfrm>
               <a:off x="1115616" y="1300690"/>
-              <a:ext cx="67055" cy="216024"/>
+              <a:ext cx="138557" cy="216024"/>
             </a:xfrm>
             <a:prstGeom prst="rect">
               <a:avLst/>
@@ -20368,7 +20408,7 @@
           <p:spPr>
             <a:xfrm>
               <a:off x="1087456" y="1300690"/>
-              <a:ext cx="244184" cy="216024"/>
+              <a:ext cx="302591" cy="216024"/>
             </a:xfrm>
             <a:prstGeom prst="rect">
               <a:avLst/>
@@ -20429,12 +20469,12 @@
           <a:lstStyle/>
           <a:p>
             <a:r>
-              <a:rPr lang="fr-FR" sz="700" b="1" dirty="0"/>
-              <a:t>1</a:t>
-            </a:r>
-            <a:r>
               <a:rPr lang="fr-FR" sz="700" b="1" dirty="0" smtClean="0"/>
-              <a:t>0 %</a:t>
+              <a:t>15 </a:t>
+            </a:r>
+            <a:r>
+              <a:rPr lang="fr-FR" sz="700" b="1" dirty="0" smtClean="0"/>
+              <a:t>%</a:t>
             </a:r>
             <a:endParaRPr lang="fr-FR" sz="100" dirty="0"/>
           </a:p>
@@ -21007,51 +21047,27 @@
           </a:p>
           <a:p>
             <a:r>
-              <a:rPr lang="fr-FR" sz="800" dirty="0">
-                <a:solidFill>
-                  <a:srgbClr val="00B0F0"/>
-                </a:solidFill>
-              </a:rPr>
+              <a:rPr lang="fr-FR" sz="800" dirty="0"/>
               <a:t>  </a:t>
             </a:r>
             <a:r>
-              <a:rPr lang="fr-FR" sz="800" dirty="0" smtClean="0">
-                <a:solidFill>
-                  <a:srgbClr val="00B0F0"/>
-                </a:solidFill>
-              </a:rPr>
+              <a:rPr lang="fr-FR" sz="800" dirty="0" smtClean="0"/>
               <a:t>7.3 </a:t>
             </a:r>
             <a:r>
-              <a:rPr lang="fr-FR" sz="800" dirty="0" err="1" smtClean="0">
-                <a:solidFill>
-                  <a:srgbClr val="00B0F0"/>
-                </a:solidFill>
-              </a:rPr>
+              <a:rPr lang="fr-FR" sz="800" dirty="0" err="1" smtClean="0"/>
               <a:t>Choice</a:t>
             </a:r>
             <a:r>
-              <a:rPr lang="fr-FR" sz="800" dirty="0" smtClean="0">
-                <a:solidFill>
-                  <a:srgbClr val="00B0F0"/>
-                </a:solidFill>
-              </a:rPr>
+              <a:rPr lang="fr-FR" sz="800" dirty="0" smtClean="0"/>
               <a:t> of operating conditions. </a:t>
             </a:r>
             <a:r>
-              <a:rPr lang="fr-FR" sz="800" dirty="0">
-                <a:solidFill>
-                  <a:srgbClr val="00B0F0"/>
-                </a:solidFill>
-              </a:rPr>
+              <a:rPr lang="fr-FR" sz="800" dirty="0"/>
               <a:t>. . . . . . . . . . . . . . . . . . . . . . . . . . . . . . . . . . . . . . . . . </a:t>
             </a:r>
             <a:r>
-              <a:rPr lang="fr-FR" sz="800" dirty="0" smtClean="0">
-                <a:solidFill>
-                  <a:srgbClr val="00B0F0"/>
-                </a:solidFill>
-              </a:rPr>
+              <a:rPr lang="fr-FR" sz="800" dirty="0" smtClean="0"/>
               <a:t>23</a:t>
             </a:r>
           </a:p>
@@ -23098,20 +23114,6 @@
 </file>
 
 <file path=customXml/item1.xml><?xml version="1.0" encoding="utf-8"?>
-<?mso-contentType ?>
-<SharedContentType xmlns="Microsoft.SharePoint.Taxonomy.ContentTypeSync" SourceId="45132351-61c7-4947-8fdd-28b295696121" ContentTypeId="0x010100D21E0D47AF3242459E2F63E44FCC089100777D7FF5B336497A8022BDD96D52F206" PreviousValue="false"/>
-</file>
-
-<file path=customXml/item2.xml><?xml version="1.0" encoding="utf-8"?>
-<?mso-contentType ?>
-<FormTemplates xmlns="http://schemas.microsoft.com/sharepoint/v3/contenttype/forms">
-  <Display>DocumentLibraryForm</Display>
-  <Edit>DocumentLibraryForm</Edit>
-  <New>DocumentLibraryForm</New>
-</FormTemplates>
-</file>
-
-<file path=customXml/item3.xml><?xml version="1.0" encoding="utf-8"?>
 <p:properties xmlns:p="http://schemas.microsoft.com/office/2006/metadata/properties" xmlns:xsi="http://www.w3.org/2001/XMLSchema-instance" xmlns:pc="http://schemas.microsoft.com/office/infopath/2007/PartnerControls">
   <documentManagement>
     <TaxCatchAllLabel xmlns="594212a7-a8eb-497d-bd6b-0e3a174923ee"/>
@@ -23181,6 +23183,20 @@
     <SharePoint_Item_Language xmlns="594212a7-a8eb-497d-bd6b-0e3a174923ee">FR</SharePoint_Item_Language>
   </documentManagement>
 </p:properties>
+</file>
+
+<file path=customXml/item2.xml><?xml version="1.0" encoding="utf-8"?>
+<?mso-contentType ?>
+<FormTemplates xmlns="http://schemas.microsoft.com/sharepoint/v3/contenttype/forms">
+  <Display>DocumentLibraryForm</Display>
+  <Edit>DocumentLibraryForm</Edit>
+  <New>DocumentLibraryForm</New>
+</FormTemplates>
+</file>
+
+<file path=customXml/item3.xml><?xml version="1.0" encoding="utf-8"?>
+<?mso-contentType ?>
+<SharedContentType xmlns="Microsoft.SharePoint.Taxonomy.ContentTypeSync" SourceId="45132351-61c7-4947-8fdd-28b295696121" ContentTypeId="0x010100D21E0D47AF3242459E2F63E44FCC089100777D7FF5B336497A8022BDD96D52F206" PreviousValue="false"/>
 </file>
 
 <file path=customXml/item4.xml><?xml version="1.0" encoding="utf-8"?>
@@ -23485,9 +23501,18 @@
 </file>
 
 <file path=customXml/itemProps1.xml><?xml version="1.0" encoding="utf-8"?>
-<ds:datastoreItem xmlns:ds="http://schemas.openxmlformats.org/officeDocument/2006/customXml" ds:itemID="{0A838253-757E-43D6-95F9-1423CFF29EBD}">
+<ds:datastoreItem xmlns:ds="http://schemas.openxmlformats.org/officeDocument/2006/customXml" ds:itemID="{D49C4E90-7152-457B-8ABA-0A464531BBF0}">
   <ds:schemaRefs>
-    <ds:schemaRef ds:uri="Microsoft.SharePoint.Taxonomy.ContentTypeSync"/>
+    <ds:schemaRef ds:uri="http://schemas.microsoft.com/office/infopath/2007/PartnerControls"/>
+    <ds:schemaRef ds:uri="http://purl.org/dc/elements/1.1/"/>
+    <ds:schemaRef ds:uri="http://schemas.microsoft.com/sharepoint/v3"/>
+    <ds:schemaRef ds:uri="http://schemas.microsoft.com/office/2006/documentManagement/types"/>
+    <ds:schemaRef ds:uri="594212a7-a8eb-497d-bd6b-0e3a174923ee"/>
+    <ds:schemaRef ds:uri="http://purl.org/dc/dcmitype/"/>
+    <ds:schemaRef ds:uri="http://schemas.openxmlformats.org/package/2006/metadata/core-properties"/>
+    <ds:schemaRef ds:uri="http://schemas.microsoft.com/office/2006/metadata/properties"/>
+    <ds:schemaRef ds:uri="http://www.w3.org/XML/1998/namespace"/>
+    <ds:schemaRef ds:uri="http://purl.org/dc/terms/"/>
   </ds:schemaRefs>
 </ds:datastoreItem>
 </file>
@@ -23501,18 +23526,9 @@
 </file>
 
 <file path=customXml/itemProps3.xml><?xml version="1.0" encoding="utf-8"?>
-<ds:datastoreItem xmlns:ds="http://schemas.openxmlformats.org/officeDocument/2006/customXml" ds:itemID="{D49C4E90-7152-457B-8ABA-0A464531BBF0}">
+<ds:datastoreItem xmlns:ds="http://schemas.openxmlformats.org/officeDocument/2006/customXml" ds:itemID="{0A838253-757E-43D6-95F9-1423CFF29EBD}">
   <ds:schemaRefs>
-    <ds:schemaRef ds:uri="http://schemas.microsoft.com/office/infopath/2007/PartnerControls"/>
-    <ds:schemaRef ds:uri="http://purl.org/dc/elements/1.1/"/>
-    <ds:schemaRef ds:uri="http://schemas.microsoft.com/sharepoint/v3"/>
-    <ds:schemaRef ds:uri="http://schemas.microsoft.com/office/2006/documentManagement/types"/>
-    <ds:schemaRef ds:uri="594212a7-a8eb-497d-bd6b-0e3a174923ee"/>
-    <ds:schemaRef ds:uri="http://purl.org/dc/dcmitype/"/>
-    <ds:schemaRef ds:uri="http://schemas.openxmlformats.org/package/2006/metadata/core-properties"/>
-    <ds:schemaRef ds:uri="http://schemas.microsoft.com/office/2006/metadata/properties"/>
-    <ds:schemaRef ds:uri="http://www.w3.org/XML/1998/namespace"/>
-    <ds:schemaRef ds:uri="http://purl.org/dc/terms/"/>
+    <ds:schemaRef ds:uri="Microsoft.SharePoint.Taxonomy.ContentTypeSync"/>
   </ds:schemaRefs>
 </ds:datastoreItem>
 </file>

--- a/etat_avancement_manuscript_these.pptx
+++ b/etat_avancement_manuscript_these.pptx
@@ -347,7 +347,7 @@
             <a:fld id="{D680E798-53FF-4C51-A981-953463752515}" type="datetimeFigureOut">
               <a:rPr lang="fr-FR" smtClean="0"/>
               <a:pPr/>
-              <a:t>05/04/2021</a:t>
+              <a:t>18/04/2021</a:t>
             </a:fld>
             <a:endParaRPr lang="fr-FR" dirty="0"/>
           </a:p>
@@ -18464,23 +18464,43 @@
           </a:p>
           <a:p>
             <a:r>
-              <a:rPr lang="fr-FR" sz="700" dirty="0" smtClean="0"/>
+              <a:rPr lang="fr-FR" sz="700" dirty="0" smtClean="0">
+                <a:solidFill>
+                  <a:srgbClr val="00B050"/>
+                </a:solidFill>
+              </a:rPr>
               <a:t>  1.1 </a:t>
             </a:r>
             <a:r>
-              <a:rPr lang="fr-FR" sz="700" dirty="0"/>
+              <a:rPr lang="fr-FR" sz="700" dirty="0">
+                <a:solidFill>
+                  <a:srgbClr val="00B050"/>
+                </a:solidFill>
+              </a:rPr>
               <a:t>General </a:t>
             </a:r>
             <a:r>
-              <a:rPr lang="fr-FR" sz="700" dirty="0" err="1"/>
+              <a:rPr lang="fr-FR" sz="700" dirty="0" err="1">
+                <a:solidFill>
+                  <a:srgbClr val="00B050"/>
+                </a:solidFill>
+              </a:rPr>
               <a:t>context</a:t>
             </a:r>
             <a:r>
-              <a:rPr lang="fr-FR" sz="700" dirty="0"/>
+              <a:rPr lang="fr-FR" sz="700" dirty="0">
+                <a:solidFill>
+                  <a:srgbClr val="00B050"/>
+                </a:solidFill>
+              </a:rPr>
               <a:t> . . . . . . . . . . . . . . . . . . . . . . . . </a:t>
             </a:r>
             <a:r>
-              <a:rPr lang="fr-FR" sz="700" dirty="0" smtClean="0"/>
+              <a:rPr lang="fr-FR" sz="700" dirty="0" smtClean="0">
+                <a:solidFill>
+                  <a:srgbClr val="00B050"/>
+                </a:solidFill>
+              </a:rPr>
               <a:t>. . . . . . . . . . . . . . . . . . . . 1</a:t>
             </a:r>
           </a:p>
@@ -20218,11 +20238,7 @@
           <a:p>
             <a:r>
               <a:rPr lang="fr-FR" sz="700" b="1" dirty="0" smtClean="0"/>
-              <a:t>10 </a:t>
-            </a:r>
-            <a:r>
-              <a:rPr lang="fr-FR" sz="700" b="1" dirty="0" smtClean="0"/>
-              <a:t>%</a:t>
+              <a:t>10 %</a:t>
             </a:r>
             <a:endParaRPr lang="fr-FR" sz="100" dirty="0"/>
           </a:p>
@@ -20470,11 +20486,7 @@
           <a:p>
             <a:r>
               <a:rPr lang="fr-FR" sz="700" b="1" dirty="0" smtClean="0"/>
-              <a:t>15 </a:t>
-            </a:r>
-            <a:r>
-              <a:rPr lang="fr-FR" sz="700" b="1" dirty="0" smtClean="0"/>
-              <a:t>%</a:t>
+              <a:t>15 %</a:t>
             </a:r>
             <a:endParaRPr lang="fr-FR" sz="100" dirty="0"/>
           </a:p>
@@ -23114,6 +23126,20 @@
 </file>
 
 <file path=customXml/item1.xml><?xml version="1.0" encoding="utf-8"?>
+<?mso-contentType ?>
+<SharedContentType xmlns="Microsoft.SharePoint.Taxonomy.ContentTypeSync" SourceId="45132351-61c7-4947-8fdd-28b295696121" ContentTypeId="0x010100D21E0D47AF3242459E2F63E44FCC089100777D7FF5B336497A8022BDD96D52F206" PreviousValue="false"/>
+</file>
+
+<file path=customXml/item2.xml><?xml version="1.0" encoding="utf-8"?>
+<?mso-contentType ?>
+<FormTemplates xmlns="http://schemas.microsoft.com/sharepoint/v3/contenttype/forms">
+  <Display>DocumentLibraryForm</Display>
+  <Edit>DocumentLibraryForm</Edit>
+  <New>DocumentLibraryForm</New>
+</FormTemplates>
+</file>
+
+<file path=customXml/item3.xml><?xml version="1.0" encoding="utf-8"?>
 <p:properties xmlns:p="http://schemas.microsoft.com/office/2006/metadata/properties" xmlns:xsi="http://www.w3.org/2001/XMLSchema-instance" xmlns:pc="http://schemas.microsoft.com/office/infopath/2007/PartnerControls">
   <documentManagement>
     <TaxCatchAllLabel xmlns="594212a7-a8eb-497d-bd6b-0e3a174923ee"/>
@@ -23183,20 +23209,6 @@
     <SharePoint_Item_Language xmlns="594212a7-a8eb-497d-bd6b-0e3a174923ee">FR</SharePoint_Item_Language>
   </documentManagement>
 </p:properties>
-</file>
-
-<file path=customXml/item2.xml><?xml version="1.0" encoding="utf-8"?>
-<?mso-contentType ?>
-<FormTemplates xmlns="http://schemas.microsoft.com/sharepoint/v3/contenttype/forms">
-  <Display>DocumentLibraryForm</Display>
-  <Edit>DocumentLibraryForm</Edit>
-  <New>DocumentLibraryForm</New>
-</FormTemplates>
-</file>
-
-<file path=customXml/item3.xml><?xml version="1.0" encoding="utf-8"?>
-<?mso-contentType ?>
-<SharedContentType xmlns="Microsoft.SharePoint.Taxonomy.ContentTypeSync" SourceId="45132351-61c7-4947-8fdd-28b295696121" ContentTypeId="0x010100D21E0D47AF3242459E2F63E44FCC089100777D7FF5B336497A8022BDD96D52F206" PreviousValue="false"/>
 </file>
 
 <file path=customXml/item4.xml><?xml version="1.0" encoding="utf-8"?>
@@ -23501,18 +23513,9 @@
 </file>
 
 <file path=customXml/itemProps1.xml><?xml version="1.0" encoding="utf-8"?>
-<ds:datastoreItem xmlns:ds="http://schemas.openxmlformats.org/officeDocument/2006/customXml" ds:itemID="{D49C4E90-7152-457B-8ABA-0A464531BBF0}">
+<ds:datastoreItem xmlns:ds="http://schemas.openxmlformats.org/officeDocument/2006/customXml" ds:itemID="{0A838253-757E-43D6-95F9-1423CFF29EBD}">
   <ds:schemaRefs>
-    <ds:schemaRef ds:uri="http://schemas.microsoft.com/office/infopath/2007/PartnerControls"/>
-    <ds:schemaRef ds:uri="http://purl.org/dc/elements/1.1/"/>
-    <ds:schemaRef ds:uri="http://schemas.microsoft.com/sharepoint/v3"/>
-    <ds:schemaRef ds:uri="http://schemas.microsoft.com/office/2006/documentManagement/types"/>
-    <ds:schemaRef ds:uri="594212a7-a8eb-497d-bd6b-0e3a174923ee"/>
-    <ds:schemaRef ds:uri="http://purl.org/dc/dcmitype/"/>
-    <ds:schemaRef ds:uri="http://schemas.openxmlformats.org/package/2006/metadata/core-properties"/>
-    <ds:schemaRef ds:uri="http://schemas.microsoft.com/office/2006/metadata/properties"/>
-    <ds:schemaRef ds:uri="http://www.w3.org/XML/1998/namespace"/>
-    <ds:schemaRef ds:uri="http://purl.org/dc/terms/"/>
+    <ds:schemaRef ds:uri="Microsoft.SharePoint.Taxonomy.ContentTypeSync"/>
   </ds:schemaRefs>
 </ds:datastoreItem>
 </file>
@@ -23526,9 +23529,18 @@
 </file>
 
 <file path=customXml/itemProps3.xml><?xml version="1.0" encoding="utf-8"?>
-<ds:datastoreItem xmlns:ds="http://schemas.openxmlformats.org/officeDocument/2006/customXml" ds:itemID="{0A838253-757E-43D6-95F9-1423CFF29EBD}">
+<ds:datastoreItem xmlns:ds="http://schemas.openxmlformats.org/officeDocument/2006/customXml" ds:itemID="{D49C4E90-7152-457B-8ABA-0A464531BBF0}">
   <ds:schemaRefs>
-    <ds:schemaRef ds:uri="Microsoft.SharePoint.Taxonomy.ContentTypeSync"/>
+    <ds:schemaRef ds:uri="http://schemas.microsoft.com/office/infopath/2007/PartnerControls"/>
+    <ds:schemaRef ds:uri="http://purl.org/dc/elements/1.1/"/>
+    <ds:schemaRef ds:uri="http://schemas.microsoft.com/sharepoint/v3"/>
+    <ds:schemaRef ds:uri="http://schemas.microsoft.com/office/2006/documentManagement/types"/>
+    <ds:schemaRef ds:uri="594212a7-a8eb-497d-bd6b-0e3a174923ee"/>
+    <ds:schemaRef ds:uri="http://purl.org/dc/dcmitype/"/>
+    <ds:schemaRef ds:uri="http://schemas.openxmlformats.org/package/2006/metadata/core-properties"/>
+    <ds:schemaRef ds:uri="http://schemas.microsoft.com/office/2006/metadata/properties"/>
+    <ds:schemaRef ds:uri="http://www.w3.org/XML/1998/namespace"/>
+    <ds:schemaRef ds:uri="http://purl.org/dc/terms/"/>
   </ds:schemaRefs>
 </ds:datastoreItem>
 </file>

--- a/etat_avancement_manuscript_these.pptx
+++ b/etat_avancement_manuscript_these.pptx
@@ -347,7 +347,7 @@
             <a:fld id="{D680E798-53FF-4C51-A981-953463752515}" type="datetimeFigureOut">
               <a:rPr lang="fr-FR" smtClean="0"/>
               <a:pPr/>
-              <a:t>18/04/2021</a:t>
+              <a:t>23/04/2021</a:t>
             </a:fld>
             <a:endParaRPr lang="fr-FR" dirty="0"/>
           </a:p>
@@ -18507,7 +18507,15 @@
           <a:p>
             <a:r>
               <a:rPr lang="en-US" sz="700" dirty="0" smtClean="0"/>
-              <a:t>  1.2 Lean combustion in gas turbines . . . . . . . . . . . . . . . . . . . . . . . . . . . . . . . . . . 1</a:t>
+              <a:t>  </a:t>
+            </a:r>
+            <a:r>
+              <a:rPr lang="en-US" sz="700" dirty="0" smtClean="0">
+                <a:solidFill>
+                  <a:schemeClr val="accent6"/>
+                </a:solidFill>
+              </a:rPr>
+              <a:t>1.2 Lean combustion in gas turbines . . . . . . . . . . . . . . . . . . . . . . . . . . . . . . . . . . 1</a:t>
             </a:r>
           </a:p>
           <a:p>
@@ -23126,20 +23134,6 @@
 </file>
 
 <file path=customXml/item1.xml><?xml version="1.0" encoding="utf-8"?>
-<?mso-contentType ?>
-<SharedContentType xmlns="Microsoft.SharePoint.Taxonomy.ContentTypeSync" SourceId="45132351-61c7-4947-8fdd-28b295696121" ContentTypeId="0x010100D21E0D47AF3242459E2F63E44FCC089100777D7FF5B336497A8022BDD96D52F206" PreviousValue="false"/>
-</file>
-
-<file path=customXml/item2.xml><?xml version="1.0" encoding="utf-8"?>
-<?mso-contentType ?>
-<FormTemplates xmlns="http://schemas.microsoft.com/sharepoint/v3/contenttype/forms">
-  <Display>DocumentLibraryForm</Display>
-  <Edit>DocumentLibraryForm</Edit>
-  <New>DocumentLibraryForm</New>
-</FormTemplates>
-</file>
-
-<file path=customXml/item3.xml><?xml version="1.0" encoding="utf-8"?>
 <p:properties xmlns:p="http://schemas.microsoft.com/office/2006/metadata/properties" xmlns:xsi="http://www.w3.org/2001/XMLSchema-instance" xmlns:pc="http://schemas.microsoft.com/office/infopath/2007/PartnerControls">
   <documentManagement>
     <TaxCatchAllLabel xmlns="594212a7-a8eb-497d-bd6b-0e3a174923ee"/>
@@ -23209,6 +23203,20 @@
     <SharePoint_Item_Language xmlns="594212a7-a8eb-497d-bd6b-0e3a174923ee">FR</SharePoint_Item_Language>
   </documentManagement>
 </p:properties>
+</file>
+
+<file path=customXml/item2.xml><?xml version="1.0" encoding="utf-8"?>
+<?mso-contentType ?>
+<FormTemplates xmlns="http://schemas.microsoft.com/sharepoint/v3/contenttype/forms">
+  <Display>DocumentLibraryForm</Display>
+  <Edit>DocumentLibraryForm</Edit>
+  <New>DocumentLibraryForm</New>
+</FormTemplates>
+</file>
+
+<file path=customXml/item3.xml><?xml version="1.0" encoding="utf-8"?>
+<?mso-contentType ?>
+<SharedContentType xmlns="Microsoft.SharePoint.Taxonomy.ContentTypeSync" SourceId="45132351-61c7-4947-8fdd-28b295696121" ContentTypeId="0x010100D21E0D47AF3242459E2F63E44FCC089100777D7FF5B336497A8022BDD96D52F206" PreviousValue="false"/>
 </file>
 
 <file path=customXml/item4.xml><?xml version="1.0" encoding="utf-8"?>
@@ -23513,9 +23521,18 @@
 </file>
 
 <file path=customXml/itemProps1.xml><?xml version="1.0" encoding="utf-8"?>
-<ds:datastoreItem xmlns:ds="http://schemas.openxmlformats.org/officeDocument/2006/customXml" ds:itemID="{0A838253-757E-43D6-95F9-1423CFF29EBD}">
+<ds:datastoreItem xmlns:ds="http://schemas.openxmlformats.org/officeDocument/2006/customXml" ds:itemID="{D49C4E90-7152-457B-8ABA-0A464531BBF0}">
   <ds:schemaRefs>
-    <ds:schemaRef ds:uri="Microsoft.SharePoint.Taxonomy.ContentTypeSync"/>
+    <ds:schemaRef ds:uri="http://schemas.microsoft.com/office/infopath/2007/PartnerControls"/>
+    <ds:schemaRef ds:uri="http://purl.org/dc/elements/1.1/"/>
+    <ds:schemaRef ds:uri="http://schemas.microsoft.com/sharepoint/v3"/>
+    <ds:schemaRef ds:uri="http://schemas.microsoft.com/office/2006/documentManagement/types"/>
+    <ds:schemaRef ds:uri="594212a7-a8eb-497d-bd6b-0e3a174923ee"/>
+    <ds:schemaRef ds:uri="http://purl.org/dc/dcmitype/"/>
+    <ds:schemaRef ds:uri="http://schemas.openxmlformats.org/package/2006/metadata/core-properties"/>
+    <ds:schemaRef ds:uri="http://schemas.microsoft.com/office/2006/metadata/properties"/>
+    <ds:schemaRef ds:uri="http://www.w3.org/XML/1998/namespace"/>
+    <ds:schemaRef ds:uri="http://purl.org/dc/terms/"/>
   </ds:schemaRefs>
 </ds:datastoreItem>
 </file>
@@ -23529,18 +23546,9 @@
 </file>
 
 <file path=customXml/itemProps3.xml><?xml version="1.0" encoding="utf-8"?>
-<ds:datastoreItem xmlns:ds="http://schemas.openxmlformats.org/officeDocument/2006/customXml" ds:itemID="{D49C4E90-7152-457B-8ABA-0A464531BBF0}">
+<ds:datastoreItem xmlns:ds="http://schemas.openxmlformats.org/officeDocument/2006/customXml" ds:itemID="{0A838253-757E-43D6-95F9-1423CFF29EBD}">
   <ds:schemaRefs>
-    <ds:schemaRef ds:uri="http://schemas.microsoft.com/office/infopath/2007/PartnerControls"/>
-    <ds:schemaRef ds:uri="http://purl.org/dc/elements/1.1/"/>
-    <ds:schemaRef ds:uri="http://schemas.microsoft.com/sharepoint/v3"/>
-    <ds:schemaRef ds:uri="http://schemas.microsoft.com/office/2006/documentManagement/types"/>
-    <ds:schemaRef ds:uri="594212a7-a8eb-497d-bd6b-0e3a174923ee"/>
-    <ds:schemaRef ds:uri="http://purl.org/dc/dcmitype/"/>
-    <ds:schemaRef ds:uri="http://schemas.openxmlformats.org/package/2006/metadata/core-properties"/>
-    <ds:schemaRef ds:uri="http://schemas.microsoft.com/office/2006/metadata/properties"/>
-    <ds:schemaRef ds:uri="http://www.w3.org/XML/1998/namespace"/>
-    <ds:schemaRef ds:uri="http://purl.org/dc/terms/"/>
+    <ds:schemaRef ds:uri="Microsoft.SharePoint.Taxonomy.ContentTypeSync"/>
   </ds:schemaRefs>
 </ds:datastoreItem>
 </file>

--- a/etat_avancement_manuscript_these.pptx
+++ b/etat_avancement_manuscript_these.pptx
@@ -347,7 +347,7 @@
             <a:fld id="{D680E798-53FF-4C51-A981-953463752515}" type="datetimeFigureOut">
               <a:rPr lang="fr-FR" smtClean="0"/>
               <a:pPr/>
-              <a:t>23/04/2021</a:t>
+              <a:t>27/04/2021</a:t>
             </a:fld>
             <a:endParaRPr lang="fr-FR" dirty="0"/>
           </a:p>
@@ -18512,7 +18512,7 @@
             <a:r>
               <a:rPr lang="en-US" sz="700" dirty="0" smtClean="0">
                 <a:solidFill>
-                  <a:schemeClr val="accent6"/>
+                  <a:srgbClr val="00B050"/>
                 </a:solidFill>
               </a:rPr>
               <a:t>1.2 Lean combustion in gas turbines . . . . . . . . . . . . . . . . . . . . . . . . . . . . . . . . . . 1</a:t>
@@ -18520,32 +18520,60 @@
           </a:p>
           <a:p>
             <a:r>
-              <a:rPr lang="fr-FR" sz="700" dirty="0" smtClean="0"/>
+              <a:rPr lang="fr-FR" sz="700" dirty="0" smtClean="0">
+                <a:solidFill>
+                  <a:srgbClr val="00B0F0"/>
+                </a:solidFill>
+              </a:rPr>
               <a:t>  1.3 </a:t>
             </a:r>
             <a:r>
-              <a:rPr lang="fr-FR" sz="700" dirty="0"/>
+              <a:rPr lang="fr-FR" sz="700" dirty="0">
+                <a:solidFill>
+                  <a:srgbClr val="00B0F0"/>
+                </a:solidFill>
+              </a:rPr>
               <a:t>Fuel injection </a:t>
             </a:r>
             <a:r>
-              <a:rPr lang="fr-FR" sz="700" dirty="0" err="1"/>
+              <a:rPr lang="fr-FR" sz="700" dirty="0" err="1">
+                <a:solidFill>
+                  <a:srgbClr val="00B0F0"/>
+                </a:solidFill>
+              </a:rPr>
               <a:t>technology</a:t>
             </a:r>
             <a:r>
-              <a:rPr lang="fr-FR" sz="700" dirty="0"/>
+              <a:rPr lang="fr-FR" sz="700" dirty="0">
+                <a:solidFill>
+                  <a:srgbClr val="00B0F0"/>
+                </a:solidFill>
+              </a:rPr>
               <a:t> . . . . . . . . . . . . . . . . . . . . . . . . . . . . . . . . . . . . . . . 1</a:t>
             </a:r>
           </a:p>
           <a:p>
             <a:r>
-              <a:rPr lang="en-US" sz="700" dirty="0" smtClean="0"/>
+              <a:rPr lang="en-US" sz="700" dirty="0" smtClean="0">
+                <a:solidFill>
+                  <a:srgbClr val="00B0F0"/>
+                </a:solidFill>
+              </a:rPr>
               <a:t>  1.4 </a:t>
             </a:r>
             <a:r>
-              <a:rPr lang="en-US" sz="700" dirty="0"/>
+              <a:rPr lang="en-US" sz="700" dirty="0">
+                <a:solidFill>
+                  <a:srgbClr val="00B0F0"/>
+                </a:solidFill>
+              </a:rPr>
               <a:t>Objective and thesis outline . . . . . . . . . . . . . . . . . . . . . . . . . . . . . . . . . . . . . 1</a:t>
             </a:r>
-            <a:endParaRPr lang="fr-FR" sz="700" dirty="0"/>
+            <a:endParaRPr lang="fr-FR" sz="700" dirty="0">
+              <a:solidFill>
+                <a:srgbClr val="00B0F0"/>
+              </a:solidFill>
+            </a:endParaRPr>
           </a:p>
         </p:txBody>
       </p:sp>
@@ -20032,7 +20060,7 @@
         <p:spPr>
           <a:xfrm>
             <a:off x="503238" y="764397"/>
-            <a:ext cx="340158" cy="200055"/>
+            <a:ext cx="389850" cy="200055"/>
           </a:xfrm>
           <a:prstGeom prst="rect">
             <a:avLst/>
@@ -20047,7 +20075,11 @@
           <a:p>
             <a:r>
               <a:rPr lang="fr-FR" sz="700" b="1" dirty="0" smtClean="0"/>
-              <a:t>0 %</a:t>
+              <a:t>60 </a:t>
+            </a:r>
+            <a:r>
+              <a:rPr lang="fr-FR" sz="700" b="1" dirty="0" smtClean="0"/>
+              <a:t>%</a:t>
             </a:r>
             <a:endParaRPr lang="fr-FR" sz="100" dirty="0"/>
           </a:p>
@@ -20091,10 +20123,10 @@
         </p:nvGrpSpPr>
         <p:grpSpPr>
           <a:xfrm>
-            <a:off x="627199" y="973335"/>
-            <a:ext cx="1080120" cy="147289"/>
+            <a:off x="627199" y="973334"/>
+            <a:ext cx="1080120" cy="164335"/>
             <a:chOff x="1115616" y="1300690"/>
-            <a:chExt cx="1584176" cy="216024"/>
+            <a:chExt cx="1584176" cy="241025"/>
           </a:xfrm>
         </p:grpSpPr>
         <p:sp>
@@ -20154,7 +20186,7 @@
           <p:spPr>
             <a:xfrm>
               <a:off x="1115616" y="1300690"/>
-              <a:ext cx="67055" cy="216024"/>
+              <a:ext cx="927568" cy="241025"/>
             </a:xfrm>
             <a:prstGeom prst="rect">
               <a:avLst/>
@@ -20246,7 +20278,7 @@
           <a:p>
             <a:r>
               <a:rPr lang="fr-FR" sz="700" b="1" dirty="0" smtClean="0"/>
-              <a:t>10 %</a:t>
+              <a:t>20 %</a:t>
             </a:r>
             <a:endParaRPr lang="fr-FR" sz="100" dirty="0"/>
           </a:p>
@@ -20323,7 +20355,7 @@
           <p:spPr>
             <a:xfrm>
               <a:off x="1115616" y="1300690"/>
-              <a:ext cx="138557" cy="216024"/>
+              <a:ext cx="389971" cy="216024"/>
             </a:xfrm>
             <a:prstGeom prst="rect">
               <a:avLst/>
@@ -20494,7 +20526,11 @@
           <a:p>
             <a:r>
               <a:rPr lang="fr-FR" sz="700" b="1" dirty="0" smtClean="0"/>
-              <a:t>15 %</a:t>
+              <a:t>25 </a:t>
+            </a:r>
+            <a:r>
+              <a:rPr lang="fr-FR" sz="700" b="1" dirty="0" smtClean="0"/>
+              <a:t>%</a:t>
             </a:r>
             <a:endParaRPr lang="fr-FR" sz="100" dirty="0"/>
           </a:p>
@@ -21071,43 +21107,79 @@
               <a:t>  </a:t>
             </a:r>
             <a:r>
-              <a:rPr lang="fr-FR" sz="800" dirty="0" smtClean="0"/>
+              <a:rPr lang="fr-FR" sz="800" dirty="0" smtClean="0">
+                <a:solidFill>
+                  <a:srgbClr val="00B0F0"/>
+                </a:solidFill>
+              </a:rPr>
               <a:t>7.3 </a:t>
             </a:r>
             <a:r>
-              <a:rPr lang="fr-FR" sz="800" dirty="0" err="1" smtClean="0"/>
+              <a:rPr lang="fr-FR" sz="800" dirty="0" err="1" smtClean="0">
+                <a:solidFill>
+                  <a:srgbClr val="00B0F0"/>
+                </a:solidFill>
+              </a:rPr>
               <a:t>Choice</a:t>
             </a:r>
             <a:r>
-              <a:rPr lang="fr-FR" sz="800" dirty="0" smtClean="0"/>
+              <a:rPr lang="fr-FR" sz="800" dirty="0" smtClean="0">
+                <a:solidFill>
+                  <a:srgbClr val="00B0F0"/>
+                </a:solidFill>
+              </a:rPr>
               <a:t> of operating conditions. </a:t>
             </a:r>
             <a:r>
-              <a:rPr lang="fr-FR" sz="800" dirty="0"/>
+              <a:rPr lang="fr-FR" sz="800" dirty="0">
+                <a:solidFill>
+                  <a:srgbClr val="00B0F0"/>
+                </a:solidFill>
+              </a:rPr>
               <a:t>. . . . . . . . . . . . . . . . . . . . . . . . . . . . . . . . . . . . . . . . . </a:t>
             </a:r>
             <a:r>
-              <a:rPr lang="fr-FR" sz="800" dirty="0" smtClean="0"/>
+              <a:rPr lang="fr-FR" sz="800" dirty="0" smtClean="0">
+                <a:solidFill>
+                  <a:srgbClr val="00B0F0"/>
+                </a:solidFill>
+              </a:rPr>
               <a:t>23</a:t>
             </a:r>
           </a:p>
           <a:p>
             <a:r>
-              <a:rPr lang="fr-FR" sz="800" dirty="0" smtClean="0"/>
+              <a:rPr lang="fr-FR" sz="800" dirty="0" smtClean="0">
+                <a:solidFill>
+                  <a:srgbClr val="00B0F0"/>
+                </a:solidFill>
+              </a:rPr>
               <a:t>  7.4 </a:t>
             </a:r>
             <a:r>
-              <a:rPr lang="fr-FR" sz="800" dirty="0" err="1" smtClean="0"/>
+              <a:rPr lang="fr-FR" sz="800" dirty="0" err="1" smtClean="0">
+                <a:solidFill>
+                  <a:srgbClr val="00B0F0"/>
+                </a:solidFill>
+              </a:rPr>
               <a:t>Numerical</a:t>
             </a:r>
             <a:r>
-              <a:rPr lang="fr-FR" sz="800" dirty="0" smtClean="0"/>
+              <a:rPr lang="fr-FR" sz="800" dirty="0" smtClean="0">
+                <a:solidFill>
+                  <a:srgbClr val="00B0F0"/>
+                </a:solidFill>
+              </a:rPr>
               <a:t> setup . . . . . . . . . . . . . . . . . . . . . . . . . . . . . . . . . . . . . . . . . . . 23</a:t>
             </a:r>
           </a:p>
           <a:p>
             <a:r>
-              <a:rPr lang="en-US" sz="800" dirty="0" smtClean="0"/>
+              <a:rPr lang="en-US" sz="800" dirty="0" smtClean="0">
+                <a:solidFill>
+                  <a:srgbClr val="00B0F0"/>
+                </a:solidFill>
+              </a:rPr>
               <a:t>  7.5 Validation of gaseous field . . . . . . . . . . . . . . . . . . . . . . . . . . . . . . . . . . . . . . 23</a:t>
             </a:r>
           </a:p>
@@ -21498,7 +21570,7 @@
         <p:spPr>
           <a:xfrm>
             <a:off x="259041" y="2371258"/>
-            <a:ext cx="340158" cy="200055"/>
+            <a:ext cx="389850" cy="200055"/>
           </a:xfrm>
           <a:prstGeom prst="rect">
             <a:avLst/>
@@ -21513,7 +21585,11 @@
           <a:p>
             <a:r>
               <a:rPr lang="fr-FR" sz="700" b="1" dirty="0" smtClean="0"/>
-              <a:t>5 %</a:t>
+              <a:t>10 </a:t>
+            </a:r>
+            <a:r>
+              <a:rPr lang="fr-FR" sz="700" b="1" dirty="0" smtClean="0"/>
+              <a:t>%</a:t>
             </a:r>
             <a:endParaRPr lang="fr-FR" sz="100" dirty="0"/>
           </a:p>
@@ -23134,92 +23210,6 @@
 </file>
 
 <file path=customXml/item1.xml><?xml version="1.0" encoding="utf-8"?>
-<p:properties xmlns:p="http://schemas.microsoft.com/office/2006/metadata/properties" xmlns:xsi="http://www.w3.org/2001/XMLSchema-instance" xmlns:pc="http://schemas.microsoft.com/office/infopath/2007/PartnerControls">
-  <documentManagement>
-    <TaxCatchAllLabel xmlns="594212a7-a8eb-497d-bd6b-0e3a174923ee"/>
-    <hbb7c253cca74a7eb37893d2c784478e xmlns="594212a7-a8eb-497d-bd6b-0e3a174923ee">
-      <Terms xmlns="http://schemas.microsoft.com/office/infopath/2007/PartnerControls">
-        <TermInfo xmlns="http://schemas.microsoft.com/office/infopath/2007/PartnerControls">
-          <TermName xmlns="http://schemas.microsoft.com/office/infopath/2007/PartnerControls">Société de rang 1</TermName>
-          <TermId xmlns="http://schemas.microsoft.com/office/infopath/2007/PartnerControls">153bb90e-11c3-427f-ad6a-31f0311df60b</TermId>
-        </TermInfo>
-      </Terms>
-    </hbb7c253cca74a7eb37893d2c784478e>
-    <PublishingRollupImage xmlns="http://schemas.microsoft.com/sharepoint/v3" xsi:nil="true"/>
-    <j0d00d49c94f4a41889fe0a90686fcf3 xmlns="594212a7-a8eb-497d-bd6b-0e3a174923ee">
-      <Terms xmlns="http://schemas.microsoft.com/office/infopath/2007/PartnerControls">
-        <TermInfo xmlns="http://schemas.microsoft.com/office/infopath/2007/PartnerControls">
-          <TermName xmlns="http://schemas.microsoft.com/office/infopath/2007/PartnerControls">Modèle de PowerPoint</TermName>
-          <TermId xmlns="http://schemas.microsoft.com/office/infopath/2007/PartnerControls">80c833d3-038d-45cb-b65f-a8d2234b6314</TermId>
-        </TermInfo>
-      </Terms>
-    </j0d00d49c94f4a41889fe0a90686fcf3>
-    <bf182a5ee3d048a18e411565aa2e2f45 xmlns="594212a7-a8eb-497d-bd6b-0e3a174923ee">
-      <Terms xmlns="http://schemas.microsoft.com/office/infopath/2007/PartnerControls"/>
-    </bf182a5ee3d048a18e411565aa2e2f45>
-    <e52db41c680243efb0b30a61ab228ec7 xmlns="594212a7-a8eb-497d-bd6b-0e3a174923ee">
-      <Terms xmlns="http://schemas.microsoft.com/office/infopath/2007/PartnerControls"/>
-    </e52db41c680243efb0b30a61ab228ec7>
-    <SAF_RollupImageUrl xmlns="594212a7-a8eb-497d-bd6b-0e3a174923ee" xsi:nil="true"/>
-    <caf53a6a65da4c24b32d62b4b62720b3 xmlns="594212a7-a8eb-497d-bd6b-0e3a174923ee">
-      <Terms xmlns="http://schemas.microsoft.com/office/infopath/2007/PartnerControls"/>
-    </caf53a6a65da4c24b32d62b4b62720b3>
-    <m7fd08401b3947dfa98de00fecb0dae1 xmlns="594212a7-a8eb-497d-bd6b-0e3a174923ee">
-      <Terms xmlns="http://schemas.microsoft.com/office/infopath/2007/PartnerControls"/>
-    </m7fd08401b3947dfa98de00fecb0dae1>
-    <ad37d51a25df4e05a3b157053c5270a3 xmlns="594212a7-a8eb-497d-bd6b-0e3a174923ee">
-      <Terms xmlns="http://schemas.microsoft.com/office/infopath/2007/PartnerControls"/>
-    </ad37d51a25df4e05a3b157053c5270a3>
-    <SAF_DateDeMiseAJour xmlns="594212a7-a8eb-497d-bd6b-0e3a174923ee">2017-12-05T23:00:00+00:00</SAF_DateDeMiseAJour>
-    <a825e358ec1643889847765ed6ff8a73 xmlns="594212a7-a8eb-497d-bd6b-0e3a174923ee">
-      <Terms xmlns="http://schemas.microsoft.com/office/infopath/2007/PartnerControls"/>
-    </a825e358ec1643889847765ed6ff8a73>
-    <SAF_Auteur xmlns="594212a7-a8eb-497d-bd6b-0e3a174923ee" xsi:nil="true"/>
-    <Audience xmlns="http://schemas.microsoft.com/sharepoint/v3">a14e28f2-7f35-472e-920e-eb355f588917;;;;</Audience>
-    <TaxCatchAll xmlns="594212a7-a8eb-497d-bd6b-0e3a174923ee">
-      <Value>13</Value>
-      <Value>4</Value>
-      <Value>2</Value>
-    </TaxCatchAll>
-    <SharePoint_Group_Language xmlns="594212a7-a8eb-497d-bd6b-0e3a174923ee">0</SharePoint_Group_Language>
-    <e2fa6dee792b43efac6bb28cb4245109 xmlns="594212a7-a8eb-497d-bd6b-0e3a174923ee">
-      <Terms xmlns="http://schemas.microsoft.com/office/infopath/2007/PartnerControls">
-        <TermInfo xmlns="http://schemas.microsoft.com/office/infopath/2007/PartnerControls">
-          <TermName xmlns="http://schemas.microsoft.com/office/infopath/2007/PartnerControls">Safran SA</TermName>
-          <TermId xmlns="http://schemas.microsoft.com/office/infopath/2007/PartnerControls">aaa54815-a829-4454-b47a-5471280a13ab</TermId>
-        </TermInfo>
-      </Terms>
-    </e2fa6dee792b43efac6bb28cb4245109>
-    <fd69f967cfe64500a3ea9d72cb3281b0 xmlns="594212a7-a8eb-497d-bd6b-0e3a174923ee">
-      <Terms xmlns="http://schemas.microsoft.com/office/infopath/2007/PartnerControls"/>
-    </fd69f967cfe64500a3ea9d72cb3281b0>
-    <SAF_Descriptif xmlns="594212a7-a8eb-497d-bd6b-0e3a174923ee">MODELE POWERPOINT - SAFRAN</SAF_Descriptif>
-    <TaxKeywordTaxHTField xmlns="594212a7-a8eb-497d-bd6b-0e3a174923ee">
-      <Terms xmlns="http://schemas.microsoft.com/office/infopath/2007/PartnerControls"/>
-    </TaxKeywordTaxHTField>
-    <l0cedefb36e74dc2b968aa0e806ff5e3 xmlns="594212a7-a8eb-497d-bd6b-0e3a174923ee">
-      <Terms xmlns="http://schemas.microsoft.com/office/infopath/2007/PartnerControls"/>
-    </l0cedefb36e74dc2b968aa0e806ff5e3>
-    <SharePoint_Item_Language xmlns="594212a7-a8eb-497d-bd6b-0e3a174923ee">FR</SharePoint_Item_Language>
-  </documentManagement>
-</p:properties>
-</file>
-
-<file path=customXml/item2.xml><?xml version="1.0" encoding="utf-8"?>
-<?mso-contentType ?>
-<FormTemplates xmlns="http://schemas.microsoft.com/sharepoint/v3/contenttype/forms">
-  <Display>DocumentLibraryForm</Display>
-  <Edit>DocumentLibraryForm</Edit>
-  <New>DocumentLibraryForm</New>
-</FormTemplates>
-</file>
-
-<file path=customXml/item3.xml><?xml version="1.0" encoding="utf-8"?>
-<?mso-contentType ?>
-<SharedContentType xmlns="Microsoft.SharePoint.Taxonomy.ContentTypeSync" SourceId="45132351-61c7-4947-8fdd-28b295696121" ContentTypeId="0x010100D21E0D47AF3242459E2F63E44FCC089100777D7FF5B336497A8022BDD96D52F206" PreviousValue="false"/>
-</file>
-
-<file path=customXml/item4.xml><?xml version="1.0" encoding="utf-8"?>
 <ct:contentTypeSchema xmlns:ct="http://schemas.microsoft.com/office/2006/metadata/contentType" xmlns:ma="http://schemas.microsoft.com/office/2006/metadata/properties/metaAttributes" ct:_="" ma:_="" ma:contentTypeName="Insite document" ma:contentTypeID="0x010100D21E0D47AF3242459E2F63E44FCC089100777D7FF5B336497A8022BDD96D52F20600200793A640610C4398BA0220248CC219" ma:contentTypeVersion="22" ma:contentTypeDescription="Create Insite document" ma:contentTypeScope="" ma:versionID="032b97a2f15e5661ca0fa000ac2738a1">
   <xsd:schema xmlns:xsd="http://www.w3.org/2001/XMLSchema" xmlns:xs="http://www.w3.org/2001/XMLSchema" xmlns:p="http://schemas.microsoft.com/office/2006/metadata/properties" xmlns:ns1="http://schemas.microsoft.com/sharepoint/v3" xmlns:ns2="594212a7-a8eb-497d-bd6b-0e3a174923ee" targetNamespace="http://schemas.microsoft.com/office/2006/metadata/properties" ma:root="true" ma:fieldsID="fcc802b47a8da61df372a5b0ec1371ba" ns1:_="" ns2:_="">
     <xsd:import namespace="http://schemas.microsoft.com/sharepoint/v3"/>
@@ -23520,7 +23510,112 @@
 </ct:contentTypeSchema>
 </file>
 
+<file path=customXml/item2.xml><?xml version="1.0" encoding="utf-8"?>
+<p:properties xmlns:p="http://schemas.microsoft.com/office/2006/metadata/properties" xmlns:xsi="http://www.w3.org/2001/XMLSchema-instance" xmlns:pc="http://schemas.microsoft.com/office/infopath/2007/PartnerControls">
+  <documentManagement>
+    <TaxCatchAllLabel xmlns="594212a7-a8eb-497d-bd6b-0e3a174923ee"/>
+    <hbb7c253cca74a7eb37893d2c784478e xmlns="594212a7-a8eb-497d-bd6b-0e3a174923ee">
+      <Terms xmlns="http://schemas.microsoft.com/office/infopath/2007/PartnerControls">
+        <TermInfo xmlns="http://schemas.microsoft.com/office/infopath/2007/PartnerControls">
+          <TermName xmlns="http://schemas.microsoft.com/office/infopath/2007/PartnerControls">Société de rang 1</TermName>
+          <TermId xmlns="http://schemas.microsoft.com/office/infopath/2007/PartnerControls">153bb90e-11c3-427f-ad6a-31f0311df60b</TermId>
+        </TermInfo>
+      </Terms>
+    </hbb7c253cca74a7eb37893d2c784478e>
+    <PublishingRollupImage xmlns="http://schemas.microsoft.com/sharepoint/v3" xsi:nil="true"/>
+    <j0d00d49c94f4a41889fe0a90686fcf3 xmlns="594212a7-a8eb-497d-bd6b-0e3a174923ee">
+      <Terms xmlns="http://schemas.microsoft.com/office/infopath/2007/PartnerControls">
+        <TermInfo xmlns="http://schemas.microsoft.com/office/infopath/2007/PartnerControls">
+          <TermName xmlns="http://schemas.microsoft.com/office/infopath/2007/PartnerControls">Modèle de PowerPoint</TermName>
+          <TermId xmlns="http://schemas.microsoft.com/office/infopath/2007/PartnerControls">80c833d3-038d-45cb-b65f-a8d2234b6314</TermId>
+        </TermInfo>
+      </Terms>
+    </j0d00d49c94f4a41889fe0a90686fcf3>
+    <bf182a5ee3d048a18e411565aa2e2f45 xmlns="594212a7-a8eb-497d-bd6b-0e3a174923ee">
+      <Terms xmlns="http://schemas.microsoft.com/office/infopath/2007/PartnerControls"/>
+    </bf182a5ee3d048a18e411565aa2e2f45>
+    <e52db41c680243efb0b30a61ab228ec7 xmlns="594212a7-a8eb-497d-bd6b-0e3a174923ee">
+      <Terms xmlns="http://schemas.microsoft.com/office/infopath/2007/PartnerControls"/>
+    </e52db41c680243efb0b30a61ab228ec7>
+    <SAF_RollupImageUrl xmlns="594212a7-a8eb-497d-bd6b-0e3a174923ee" xsi:nil="true"/>
+    <caf53a6a65da4c24b32d62b4b62720b3 xmlns="594212a7-a8eb-497d-bd6b-0e3a174923ee">
+      <Terms xmlns="http://schemas.microsoft.com/office/infopath/2007/PartnerControls"/>
+    </caf53a6a65da4c24b32d62b4b62720b3>
+    <m7fd08401b3947dfa98de00fecb0dae1 xmlns="594212a7-a8eb-497d-bd6b-0e3a174923ee">
+      <Terms xmlns="http://schemas.microsoft.com/office/infopath/2007/PartnerControls"/>
+    </m7fd08401b3947dfa98de00fecb0dae1>
+    <ad37d51a25df4e05a3b157053c5270a3 xmlns="594212a7-a8eb-497d-bd6b-0e3a174923ee">
+      <Terms xmlns="http://schemas.microsoft.com/office/infopath/2007/PartnerControls"/>
+    </ad37d51a25df4e05a3b157053c5270a3>
+    <SAF_DateDeMiseAJour xmlns="594212a7-a8eb-497d-bd6b-0e3a174923ee">2017-12-05T23:00:00+00:00</SAF_DateDeMiseAJour>
+    <a825e358ec1643889847765ed6ff8a73 xmlns="594212a7-a8eb-497d-bd6b-0e3a174923ee">
+      <Terms xmlns="http://schemas.microsoft.com/office/infopath/2007/PartnerControls"/>
+    </a825e358ec1643889847765ed6ff8a73>
+    <SAF_Auteur xmlns="594212a7-a8eb-497d-bd6b-0e3a174923ee" xsi:nil="true"/>
+    <Audience xmlns="http://schemas.microsoft.com/sharepoint/v3">a14e28f2-7f35-472e-920e-eb355f588917;;;;</Audience>
+    <TaxCatchAll xmlns="594212a7-a8eb-497d-bd6b-0e3a174923ee">
+      <Value>13</Value>
+      <Value>4</Value>
+      <Value>2</Value>
+    </TaxCatchAll>
+    <SharePoint_Group_Language xmlns="594212a7-a8eb-497d-bd6b-0e3a174923ee">0</SharePoint_Group_Language>
+    <e2fa6dee792b43efac6bb28cb4245109 xmlns="594212a7-a8eb-497d-bd6b-0e3a174923ee">
+      <Terms xmlns="http://schemas.microsoft.com/office/infopath/2007/PartnerControls">
+        <TermInfo xmlns="http://schemas.microsoft.com/office/infopath/2007/PartnerControls">
+          <TermName xmlns="http://schemas.microsoft.com/office/infopath/2007/PartnerControls">Safran SA</TermName>
+          <TermId xmlns="http://schemas.microsoft.com/office/infopath/2007/PartnerControls">aaa54815-a829-4454-b47a-5471280a13ab</TermId>
+        </TermInfo>
+      </Terms>
+    </e2fa6dee792b43efac6bb28cb4245109>
+    <fd69f967cfe64500a3ea9d72cb3281b0 xmlns="594212a7-a8eb-497d-bd6b-0e3a174923ee">
+      <Terms xmlns="http://schemas.microsoft.com/office/infopath/2007/PartnerControls"/>
+    </fd69f967cfe64500a3ea9d72cb3281b0>
+    <SAF_Descriptif xmlns="594212a7-a8eb-497d-bd6b-0e3a174923ee">MODELE POWERPOINT - SAFRAN</SAF_Descriptif>
+    <TaxKeywordTaxHTField xmlns="594212a7-a8eb-497d-bd6b-0e3a174923ee">
+      <Terms xmlns="http://schemas.microsoft.com/office/infopath/2007/PartnerControls"/>
+    </TaxKeywordTaxHTField>
+    <l0cedefb36e74dc2b968aa0e806ff5e3 xmlns="594212a7-a8eb-497d-bd6b-0e3a174923ee">
+      <Terms xmlns="http://schemas.microsoft.com/office/infopath/2007/PartnerControls"/>
+    </l0cedefb36e74dc2b968aa0e806ff5e3>
+    <SharePoint_Item_Language xmlns="594212a7-a8eb-497d-bd6b-0e3a174923ee">FR</SharePoint_Item_Language>
+  </documentManagement>
+</p:properties>
+</file>
+
+<file path=customXml/item3.xml><?xml version="1.0" encoding="utf-8"?>
+<?mso-contentType ?>
+<FormTemplates xmlns="http://schemas.microsoft.com/sharepoint/v3/contenttype/forms">
+  <Display>DocumentLibraryForm</Display>
+  <Edit>DocumentLibraryForm</Edit>
+  <New>DocumentLibraryForm</New>
+</FormTemplates>
+</file>
+
+<file path=customXml/item4.xml><?xml version="1.0" encoding="utf-8"?>
+<?mso-contentType ?>
+<SharedContentType xmlns="Microsoft.SharePoint.Taxonomy.ContentTypeSync" SourceId="45132351-61c7-4947-8fdd-28b295696121" ContentTypeId="0x010100D21E0D47AF3242459E2F63E44FCC089100777D7FF5B336497A8022BDD96D52F206" PreviousValue="false"/>
+</file>
+
 <file path=customXml/itemProps1.xml><?xml version="1.0" encoding="utf-8"?>
+<ds:datastoreItem xmlns:ds="http://schemas.openxmlformats.org/officeDocument/2006/customXml" ds:itemID="{F698CC1E-11F0-453E-939E-E7CFB437D6BB}">
+  <ds:schemaRefs>
+    <ds:schemaRef ds:uri="http://schemas.microsoft.com/office/2006/metadata/contentType"/>
+    <ds:schemaRef ds:uri="http://schemas.microsoft.com/office/2006/metadata/properties/metaAttributes"/>
+    <ds:schemaRef ds:uri="http://www.w3.org/2001/XMLSchema"/>
+    <ds:schemaRef ds:uri="http://schemas.microsoft.com/office/2006/metadata/properties"/>
+    <ds:schemaRef ds:uri="http://schemas.microsoft.com/sharepoint/v3"/>
+    <ds:schemaRef ds:uri="594212a7-a8eb-497d-bd6b-0e3a174923ee"/>
+    <ds:schemaRef ds:uri="http://schemas.microsoft.com/office/2006/documentManagement/types"/>
+    <ds:schemaRef ds:uri="http://schemas.microsoft.com/office/infopath/2007/PartnerControls"/>
+    <ds:schemaRef ds:uri="http://schemas.openxmlformats.org/package/2006/metadata/core-properties"/>
+    <ds:schemaRef ds:uri="http://purl.org/dc/elements/1.1/"/>
+    <ds:schemaRef ds:uri="http://purl.org/dc/terms/"/>
+    <ds:schemaRef ds:uri="http://schemas.microsoft.com/internal/obd"/>
+  </ds:schemaRefs>
+</ds:datastoreItem>
+</file>
+
+<file path=customXml/itemProps2.xml><?xml version="1.0" encoding="utf-8"?>
 <ds:datastoreItem xmlns:ds="http://schemas.openxmlformats.org/officeDocument/2006/customXml" ds:itemID="{D49C4E90-7152-457B-8ABA-0A464531BBF0}">
   <ds:schemaRefs>
     <ds:schemaRef ds:uri="http://schemas.microsoft.com/office/infopath/2007/PartnerControls"/>
@@ -23537,7 +23632,7 @@
 </ds:datastoreItem>
 </file>
 
-<file path=customXml/itemProps2.xml><?xml version="1.0" encoding="utf-8"?>
+<file path=customXml/itemProps3.xml><?xml version="1.0" encoding="utf-8"?>
 <ds:datastoreItem xmlns:ds="http://schemas.openxmlformats.org/officeDocument/2006/customXml" ds:itemID="{0F8E8D54-22DD-435F-B0BC-857E14266D0E}">
   <ds:schemaRefs>
     <ds:schemaRef ds:uri="http://schemas.microsoft.com/sharepoint/v3/contenttype/forms"/>
@@ -23545,29 +23640,10 @@
 </ds:datastoreItem>
 </file>
 
-<file path=customXml/itemProps3.xml><?xml version="1.0" encoding="utf-8"?>
+<file path=customXml/itemProps4.xml><?xml version="1.0" encoding="utf-8"?>
 <ds:datastoreItem xmlns:ds="http://schemas.openxmlformats.org/officeDocument/2006/customXml" ds:itemID="{0A838253-757E-43D6-95F9-1423CFF29EBD}">
   <ds:schemaRefs>
     <ds:schemaRef ds:uri="Microsoft.SharePoint.Taxonomy.ContentTypeSync"/>
   </ds:schemaRefs>
 </ds:datastoreItem>
-</file>
-
-<file path=customXml/itemProps4.xml><?xml version="1.0" encoding="utf-8"?>
-<ds:datastoreItem xmlns:ds="http://schemas.openxmlformats.org/officeDocument/2006/customXml" ds:itemID="{F698CC1E-11F0-453E-939E-E7CFB437D6BB}">
-  <ds:schemaRefs>
-    <ds:schemaRef ds:uri="http://schemas.microsoft.com/office/2006/metadata/contentType"/>
-    <ds:schemaRef ds:uri="http://schemas.microsoft.com/office/2006/metadata/properties/metaAttributes"/>
-    <ds:schemaRef ds:uri="http://www.w3.org/2001/XMLSchema"/>
-    <ds:schemaRef ds:uri="http://schemas.microsoft.com/office/2006/metadata/properties"/>
-    <ds:schemaRef ds:uri="http://schemas.microsoft.com/sharepoint/v3"/>
-    <ds:schemaRef ds:uri="594212a7-a8eb-497d-bd6b-0e3a174923ee"/>
-    <ds:schemaRef ds:uri="http://schemas.microsoft.com/office/2006/documentManagement/types"/>
-    <ds:schemaRef ds:uri="http://schemas.microsoft.com/office/infopath/2007/PartnerControls"/>
-    <ds:schemaRef ds:uri="http://schemas.openxmlformats.org/package/2006/metadata/core-properties"/>
-    <ds:schemaRef ds:uri="http://purl.org/dc/elements/1.1/"/>
-    <ds:schemaRef ds:uri="http://purl.org/dc/terms/"/>
-    <ds:schemaRef ds:uri="http://schemas.microsoft.com/internal/obd"/>
-  </ds:schemaRefs>
-</ds:datastoreItem>
 </file>
--- a/etat_avancement_manuscript_these.pptx
+++ b/etat_avancement_manuscript_these.pptx
@@ -347,7 +347,7 @@
             <a:fld id="{D680E798-53FF-4C51-A981-953463752515}" type="datetimeFigureOut">
               <a:rPr lang="fr-FR" smtClean="0"/>
               <a:pPr/>
-              <a:t>27/04/2021</a:t>
+              <a:t>29/04/2021</a:t>
             </a:fld>
             <a:endParaRPr lang="fr-FR" dirty="0"/>
           </a:p>
@@ -20075,11 +20075,7 @@
           <a:p>
             <a:r>
               <a:rPr lang="fr-FR" sz="700" b="1" dirty="0" smtClean="0"/>
-              <a:t>60 </a:t>
-            </a:r>
-            <a:r>
-              <a:rPr lang="fr-FR" sz="700" b="1" dirty="0" smtClean="0"/>
-              <a:t>%</a:t>
+              <a:t>60 %</a:t>
             </a:r>
             <a:endParaRPr lang="fr-FR" sz="100" dirty="0"/>
           </a:p>
@@ -20526,11 +20522,7 @@
           <a:p>
             <a:r>
               <a:rPr lang="fr-FR" sz="700" b="1" dirty="0" smtClean="0"/>
-              <a:t>25 </a:t>
-            </a:r>
-            <a:r>
-              <a:rPr lang="fr-FR" sz="700" b="1" dirty="0" smtClean="0"/>
-              <a:t>%</a:t>
+              <a:t>25 %</a:t>
             </a:r>
             <a:endParaRPr lang="fr-FR" sz="100" dirty="0"/>
           </a:p>
@@ -21045,7 +21037,7 @@
             <a:r>
               <a:rPr lang="fr-FR" sz="800" dirty="0" smtClean="0">
                 <a:solidFill>
-                  <a:srgbClr val="00B0F0"/>
+                  <a:srgbClr val="00B050"/>
                 </a:solidFill>
               </a:rPr>
               <a:t>  7.1 </a:t>
@@ -21053,7 +21045,7 @@
             <a:r>
               <a:rPr lang="fr-FR" sz="800" dirty="0">
                 <a:solidFill>
-                  <a:srgbClr val="00B0F0"/>
+                  <a:srgbClr val="00B050"/>
                 </a:solidFill>
               </a:rPr>
               <a:t>Introduction . . . . . . . . . . . . . . . . . . . . . . . . . . . . . . . . . . . . . . . . . . . . . . </a:t>
@@ -21061,7 +21053,7 @@
             <a:r>
               <a:rPr lang="fr-FR" sz="800" dirty="0" smtClean="0">
                 <a:solidFill>
-                  <a:srgbClr val="00B0F0"/>
+                  <a:srgbClr val="00B050"/>
                 </a:solidFill>
               </a:rPr>
               <a:t>23</a:t>
@@ -21071,7 +21063,7 @@
             <a:r>
               <a:rPr lang="fr-FR" sz="800" dirty="0" smtClean="0">
                 <a:solidFill>
-                  <a:srgbClr val="00B0F0"/>
+                  <a:srgbClr val="00B050"/>
                 </a:solidFill>
               </a:rPr>
               <a:t>  7.2 </a:t>
@@ -21079,7 +21071,7 @@
             <a:r>
               <a:rPr lang="fr-FR" sz="800" dirty="0" err="1" smtClean="0">
                 <a:solidFill>
-                  <a:srgbClr val="00B0F0"/>
+                  <a:srgbClr val="00B050"/>
                 </a:solidFill>
               </a:rPr>
               <a:t>Experimental</a:t>
@@ -21087,7 +21079,7 @@
             <a:r>
               <a:rPr lang="fr-FR" sz="800" dirty="0" smtClean="0">
                 <a:solidFill>
-                  <a:srgbClr val="00B0F0"/>
+                  <a:srgbClr val="00B050"/>
                 </a:solidFill>
               </a:rPr>
               <a:t> setup . . . . . . . . . . . . . . . . . . . . . . . . . . . . . . . . . . . . . . . . . </a:t>
@@ -21095,7 +21087,7 @@
             <a:r>
               <a:rPr lang="fr-FR" sz="800" dirty="0">
                 <a:solidFill>
-                  <a:srgbClr val="00B0F0"/>
+                  <a:srgbClr val="00B050"/>
                 </a:solidFill>
               </a:rPr>
               <a:t>. 23</a:t>
@@ -21585,11 +21577,7 @@
           <a:p>
             <a:r>
               <a:rPr lang="fr-FR" sz="700" b="1" dirty="0" smtClean="0"/>
-              <a:t>10 </a:t>
-            </a:r>
-            <a:r>
-              <a:rPr lang="fr-FR" sz="700" b="1" dirty="0" smtClean="0"/>
-              <a:t>%</a:t>
+              <a:t>10 %</a:t>
             </a:r>
             <a:endParaRPr lang="fr-FR" sz="100" dirty="0"/>
           </a:p>
@@ -23511,6 +23499,20 @@
 </file>
 
 <file path=customXml/item2.xml><?xml version="1.0" encoding="utf-8"?>
+<?mso-contentType ?>
+<SharedContentType xmlns="Microsoft.SharePoint.Taxonomy.ContentTypeSync" SourceId="45132351-61c7-4947-8fdd-28b295696121" ContentTypeId="0x010100D21E0D47AF3242459E2F63E44FCC089100777D7FF5B336497A8022BDD96D52F206" PreviousValue="false"/>
+</file>
+
+<file path=customXml/item3.xml><?xml version="1.0" encoding="utf-8"?>
+<?mso-contentType ?>
+<FormTemplates xmlns="http://schemas.microsoft.com/sharepoint/v3/contenttype/forms">
+  <Display>DocumentLibraryForm</Display>
+  <Edit>DocumentLibraryForm</Edit>
+  <New>DocumentLibraryForm</New>
+</FormTemplates>
+</file>
+
+<file path=customXml/item4.xml><?xml version="1.0" encoding="utf-8"?>
 <p:properties xmlns:p="http://schemas.microsoft.com/office/2006/metadata/properties" xmlns:xsi="http://www.w3.org/2001/XMLSchema-instance" xmlns:pc="http://schemas.microsoft.com/office/infopath/2007/PartnerControls">
   <documentManagement>
     <TaxCatchAllLabel xmlns="594212a7-a8eb-497d-bd6b-0e3a174923ee"/>
@@ -23582,20 +23584,6 @@
 </p:properties>
 </file>
 
-<file path=customXml/item3.xml><?xml version="1.0" encoding="utf-8"?>
-<?mso-contentType ?>
-<FormTemplates xmlns="http://schemas.microsoft.com/sharepoint/v3/contenttype/forms">
-  <Display>DocumentLibraryForm</Display>
-  <Edit>DocumentLibraryForm</Edit>
-  <New>DocumentLibraryForm</New>
-</FormTemplates>
-</file>
-
-<file path=customXml/item4.xml><?xml version="1.0" encoding="utf-8"?>
-<?mso-contentType ?>
-<SharedContentType xmlns="Microsoft.SharePoint.Taxonomy.ContentTypeSync" SourceId="45132351-61c7-4947-8fdd-28b295696121" ContentTypeId="0x010100D21E0D47AF3242459E2F63E44FCC089100777D7FF5B336497A8022BDD96D52F206" PreviousValue="false"/>
-</file>
-
 <file path=customXml/itemProps1.xml><?xml version="1.0" encoding="utf-8"?>
 <ds:datastoreItem xmlns:ds="http://schemas.openxmlformats.org/officeDocument/2006/customXml" ds:itemID="{F698CC1E-11F0-453E-939E-E7CFB437D6BB}">
   <ds:schemaRefs>
@@ -23616,6 +23604,22 @@
 </file>
 
 <file path=customXml/itemProps2.xml><?xml version="1.0" encoding="utf-8"?>
+<ds:datastoreItem xmlns:ds="http://schemas.openxmlformats.org/officeDocument/2006/customXml" ds:itemID="{0A838253-757E-43D6-95F9-1423CFF29EBD}">
+  <ds:schemaRefs>
+    <ds:schemaRef ds:uri="Microsoft.SharePoint.Taxonomy.ContentTypeSync"/>
+  </ds:schemaRefs>
+</ds:datastoreItem>
+</file>
+
+<file path=customXml/itemProps3.xml><?xml version="1.0" encoding="utf-8"?>
+<ds:datastoreItem xmlns:ds="http://schemas.openxmlformats.org/officeDocument/2006/customXml" ds:itemID="{0F8E8D54-22DD-435F-B0BC-857E14266D0E}">
+  <ds:schemaRefs>
+    <ds:schemaRef ds:uri="http://schemas.microsoft.com/sharepoint/v3/contenttype/forms"/>
+  </ds:schemaRefs>
+</ds:datastoreItem>
+</file>
+
+<file path=customXml/itemProps4.xml><?xml version="1.0" encoding="utf-8"?>
 <ds:datastoreItem xmlns:ds="http://schemas.openxmlformats.org/officeDocument/2006/customXml" ds:itemID="{D49C4E90-7152-457B-8ABA-0A464531BBF0}">
   <ds:schemaRefs>
     <ds:schemaRef ds:uri="http://schemas.microsoft.com/office/infopath/2007/PartnerControls"/>
@@ -23630,20 +23634,4 @@
     <ds:schemaRef ds:uri="http://purl.org/dc/terms/"/>
   </ds:schemaRefs>
 </ds:datastoreItem>
-</file>
-
-<file path=customXml/itemProps3.xml><?xml version="1.0" encoding="utf-8"?>
-<ds:datastoreItem xmlns:ds="http://schemas.openxmlformats.org/officeDocument/2006/customXml" ds:itemID="{0F8E8D54-22DD-435F-B0BC-857E14266D0E}">
-  <ds:schemaRefs>
-    <ds:schemaRef ds:uri="http://schemas.microsoft.com/sharepoint/v3/contenttype/forms"/>
-  </ds:schemaRefs>
-</ds:datastoreItem>
-</file>
-
-<file path=customXml/itemProps4.xml><?xml version="1.0" encoding="utf-8"?>
-<ds:datastoreItem xmlns:ds="http://schemas.openxmlformats.org/officeDocument/2006/customXml" ds:itemID="{0A838253-757E-43D6-95F9-1423CFF29EBD}">
-  <ds:schemaRefs>
-    <ds:schemaRef ds:uri="Microsoft.SharePoint.Taxonomy.ContentTypeSync"/>
-  </ds:schemaRefs>
-</ds:datastoreItem>
 </file>
--- a/etat_avancement_manuscript_these.pptx
+++ b/etat_avancement_manuscript_these.pptx
@@ -347,7 +347,7 @@
             <a:fld id="{D680E798-53FF-4C51-A981-953463752515}" type="datetimeFigureOut">
               <a:rPr lang="fr-FR" smtClean="0"/>
               <a:pPr/>
-              <a:t>29/04/2021</a:t>
+              <a:t>06/05/2021</a:t>
             </a:fld>
             <a:endParaRPr lang="fr-FR" dirty="0"/>
           </a:p>
@@ -18586,7 +18586,7 @@
         <p:spPr>
           <a:xfrm>
             <a:off x="486746" y="1874002"/>
-            <a:ext cx="3740126" cy="2785378"/>
+            <a:ext cx="3934090" cy="2785378"/>
           </a:xfrm>
           <a:prstGeom prst="rect">
             <a:avLst/>
@@ -19014,21 +19014,17 @@
           </a:p>
           <a:p>
             <a:r>
-              <a:rPr lang="fr-FR" sz="700" dirty="0" smtClean="0"/>
-              <a:t>  </a:t>
-            </a:r>
-            <a:r>
               <a:rPr lang="fr-FR" sz="700" dirty="0" smtClean="0">
                 <a:solidFill>
-                  <a:srgbClr val="00B0F0"/>
+                  <a:srgbClr val="00B050"/>
                 </a:solidFill>
               </a:rPr>
-              <a:t>3.1 </a:t>
+              <a:t>  3.1 </a:t>
             </a:r>
             <a:r>
               <a:rPr lang="fr-FR" sz="700" dirty="0">
                 <a:solidFill>
-                  <a:srgbClr val="00B0F0"/>
+                  <a:srgbClr val="00B050"/>
                 </a:solidFill>
               </a:rPr>
               <a:t>Introduction . . . . . . . . . . . . . . . . . . . . . . . . . . . . . . . . . . . . . . . . . . . . . . 6</a:t>
@@ -19036,70 +19032,114 @@
           </a:p>
           <a:p>
             <a:r>
-              <a:rPr lang="fr-FR" sz="700" dirty="0" smtClean="0"/>
-              <a:t>  </a:t>
-            </a:r>
-            <a:r>
               <a:rPr lang="fr-FR" sz="700" dirty="0" smtClean="0">
                 <a:solidFill>
-                  <a:srgbClr val="00B0F0"/>
+                  <a:srgbClr val="00B050"/>
                 </a:solidFill>
               </a:rPr>
-              <a:t>3.2 </a:t>
+              <a:t>  3.2 </a:t>
+            </a:r>
+            <a:r>
+              <a:rPr lang="fr-FR" sz="700" dirty="0" err="1" smtClean="0">
+                <a:solidFill>
+                  <a:srgbClr val="00B050"/>
+                </a:solidFill>
+              </a:rPr>
+              <a:t>Numerical</a:t>
+            </a:r>
+            <a:r>
+              <a:rPr lang="fr-FR" sz="700" dirty="0" smtClean="0">
+                <a:solidFill>
+                  <a:srgbClr val="00B050"/>
+                </a:solidFill>
+              </a:rPr>
+              <a:t> </a:t>
+            </a:r>
+            <a:r>
+              <a:rPr lang="fr-FR" sz="700" dirty="0" err="1" smtClean="0">
+                <a:solidFill>
+                  <a:srgbClr val="00B050"/>
+                </a:solidFill>
+              </a:rPr>
+              <a:t>approaches</a:t>
+            </a:r>
+            <a:r>
+              <a:rPr lang="fr-FR" sz="700" dirty="0" smtClean="0">
+                <a:solidFill>
+                  <a:srgbClr val="00B050"/>
+                </a:solidFill>
+              </a:rPr>
+              <a:t> to model </a:t>
+            </a:r>
+            <a:r>
+              <a:rPr lang="fr-FR" sz="700" dirty="0" err="1" smtClean="0">
+                <a:solidFill>
+                  <a:srgbClr val="00B050"/>
+                </a:solidFill>
+              </a:rPr>
+              <a:t>dispersed</a:t>
+            </a:r>
+            <a:r>
+              <a:rPr lang="fr-FR" sz="700" dirty="0" smtClean="0">
+                <a:solidFill>
+                  <a:srgbClr val="00B050"/>
+                </a:solidFill>
+              </a:rPr>
+              <a:t> phase </a:t>
+            </a:r>
+            <a:r>
+              <a:rPr lang="fr-FR" sz="700" dirty="0" err="1" smtClean="0">
+                <a:solidFill>
+                  <a:srgbClr val="00B050"/>
+                </a:solidFill>
+              </a:rPr>
+              <a:t>flows</a:t>
+            </a:r>
+            <a:r>
+              <a:rPr lang="fr-FR" sz="700" dirty="0" smtClean="0">
+                <a:solidFill>
+                  <a:srgbClr val="00B050"/>
+                </a:solidFill>
+              </a:rPr>
+              <a:t>. </a:t>
             </a:r>
             <a:r>
               <a:rPr lang="fr-FR" sz="700" dirty="0">
                 <a:solidFill>
-                  <a:srgbClr val="00B0F0"/>
+                  <a:srgbClr val="00B050"/>
                 </a:solidFill>
               </a:rPr>
-              <a:t>Lagrangian </a:t>
-            </a:r>
-            <a:r>
-              <a:rPr lang="fr-FR" sz="700" dirty="0" err="1">
-                <a:solidFill>
-                  <a:srgbClr val="00B0F0"/>
+              <a:t>. . . . . . . . . . . . . . . . . . . . . 6</a:t>
+            </a:r>
+          </a:p>
+          <a:p>
+            <a:r>
+              <a:rPr lang="en-US" sz="700" dirty="0" smtClean="0">
+                <a:solidFill>
+                  <a:srgbClr val="00B050"/>
                 </a:solidFill>
               </a:rPr>
-              <a:t>formalisms</a:t>
-            </a:r>
-            <a:r>
-              <a:rPr lang="fr-FR" sz="700" dirty="0">
-                <a:solidFill>
-                  <a:srgbClr val="00B0F0"/>
+              <a:t> 3.3 Lagrangian injection models for multipoint systems. </a:t>
+            </a:r>
+            <a:r>
+              <a:rPr lang="en-US" sz="700" dirty="0">
+                <a:solidFill>
+                  <a:srgbClr val="00B050"/>
                 </a:solidFill>
               </a:rPr>
-              <a:t> for spray transport . . . . . . . . . . . . . . . . . . . . . . . . . . . . . 6</a:t>
-            </a:r>
-          </a:p>
-          <a:p>
+              <a:t>. . . . . . . . . . . . . . . . . . . . . . . . . . </a:t>
+            </a:r>
             <a:r>
               <a:rPr lang="en-US" sz="700" dirty="0" smtClean="0">
                 <a:solidFill>
-                  <a:srgbClr val="00B0F0"/>
-                </a:solidFill>
-              </a:rPr>
-              <a:t> 3.3 </a:t>
-            </a:r>
-            <a:r>
-              <a:rPr lang="en-US" sz="700" dirty="0">
-                <a:solidFill>
-                  <a:srgbClr val="00B0F0"/>
-                </a:solidFill>
-              </a:rPr>
-              <a:t>Models for injection of lagrangian droplets . . . . . . . . . . . . . . . . . . . . . . . . . . . . . </a:t>
-            </a:r>
-            <a:r>
-              <a:rPr lang="en-US" sz="700" dirty="0" smtClean="0">
-                <a:solidFill>
-                  <a:srgbClr val="00B0F0"/>
+                  <a:srgbClr val="00B050"/>
                 </a:solidFill>
               </a:rPr>
               <a:t>7 </a:t>
             </a:r>
             <a:endParaRPr lang="fr-FR" sz="100" dirty="0">
               <a:solidFill>
-                <a:srgbClr val="00B0F0"/>
+                <a:srgbClr val="00B050"/>
               </a:solidFill>
             </a:endParaRPr>
           </a:p>
@@ -20013,7 +20053,7 @@
           <p:spPr>
             <a:xfrm>
               <a:off x="1115615" y="1300690"/>
-              <a:ext cx="1445619" cy="233461"/>
+              <a:ext cx="1445620" cy="233461"/>
             </a:xfrm>
             <a:prstGeom prst="rect">
               <a:avLst/>
@@ -20258,7 +20298,7 @@
         </p:nvSpPr>
         <p:spPr>
           <a:xfrm>
-            <a:off x="333159" y="3680166"/>
+            <a:off x="1091652" y="3680166"/>
             <a:ext cx="389850" cy="200055"/>
           </a:xfrm>
           <a:prstGeom prst="rect">
@@ -20273,8 +20313,12 @@
           <a:lstStyle/>
           <a:p>
             <a:r>
+              <a:rPr lang="fr-FR" sz="700" b="1" dirty="0"/>
+              <a:t>9</a:t>
+            </a:r>
+            <a:r>
               <a:rPr lang="fr-FR" sz="700" b="1" dirty="0" smtClean="0"/>
-              <a:t>20 %</a:t>
+              <a:t>5 %</a:t>
             </a:r>
             <a:endParaRPr lang="fr-FR" sz="100" dirty="0"/>
           </a:p>
@@ -20289,9 +20333,9 @@
         <p:grpSpPr>
           <a:xfrm>
             <a:off x="457120" y="3889104"/>
-            <a:ext cx="1080120" cy="147289"/>
-            <a:chOff x="1115616" y="1300690"/>
-            <a:chExt cx="1584176" cy="216024"/>
+            <a:ext cx="1080121" cy="147289"/>
+            <a:chOff x="1115615" y="1300690"/>
+            <a:chExt cx="1584177" cy="216024"/>
           </a:xfrm>
         </p:grpSpPr>
         <p:sp>
@@ -20350,8 +20394,8 @@
           </p:nvSpPr>
           <p:spPr>
             <a:xfrm>
-              <a:off x="1115616" y="1300690"/>
-              <a:ext cx="389971" cy="216024"/>
+              <a:off x="1115615" y="1300690"/>
+              <a:ext cx="1502426" cy="216024"/>
             </a:xfrm>
             <a:prstGeom prst="rect">
               <a:avLst/>
@@ -23198,6 +23242,20 @@
 </file>
 
 <file path=customXml/item1.xml><?xml version="1.0" encoding="utf-8"?>
+<?mso-contentType ?>
+<FormTemplates xmlns="http://schemas.microsoft.com/sharepoint/v3/contenttype/forms">
+  <Display>DocumentLibraryForm</Display>
+  <Edit>DocumentLibraryForm</Edit>
+  <New>DocumentLibraryForm</New>
+</FormTemplates>
+</file>
+
+<file path=customXml/item2.xml><?xml version="1.0" encoding="utf-8"?>
+<?mso-contentType ?>
+<SharedContentType xmlns="Microsoft.SharePoint.Taxonomy.ContentTypeSync" SourceId="45132351-61c7-4947-8fdd-28b295696121" ContentTypeId="0x010100D21E0D47AF3242459E2F63E44FCC089100777D7FF5B336497A8022BDD96D52F206" PreviousValue="false"/>
+</file>
+
+<file path=customXml/item3.xml><?xml version="1.0" encoding="utf-8"?>
 <ct:contentTypeSchema xmlns:ct="http://schemas.microsoft.com/office/2006/metadata/contentType" xmlns:ma="http://schemas.microsoft.com/office/2006/metadata/properties/metaAttributes" ct:_="" ma:_="" ma:contentTypeName="Insite document" ma:contentTypeID="0x010100D21E0D47AF3242459E2F63E44FCC089100777D7FF5B336497A8022BDD96D52F20600200793A640610C4398BA0220248CC219" ma:contentTypeVersion="22" ma:contentTypeDescription="Create Insite document" ma:contentTypeScope="" ma:versionID="032b97a2f15e5661ca0fa000ac2738a1">
   <xsd:schema xmlns:xsd="http://www.w3.org/2001/XMLSchema" xmlns:xs="http://www.w3.org/2001/XMLSchema" xmlns:p="http://schemas.microsoft.com/office/2006/metadata/properties" xmlns:ns1="http://schemas.microsoft.com/sharepoint/v3" xmlns:ns2="594212a7-a8eb-497d-bd6b-0e3a174923ee" targetNamespace="http://schemas.microsoft.com/office/2006/metadata/properties" ma:root="true" ma:fieldsID="fcc802b47a8da61df372a5b0ec1371ba" ns1:_="" ns2:_="">
     <xsd:import namespace="http://schemas.microsoft.com/sharepoint/v3"/>
@@ -23498,20 +23556,6 @@
 </ct:contentTypeSchema>
 </file>
 
-<file path=customXml/item2.xml><?xml version="1.0" encoding="utf-8"?>
-<?mso-contentType ?>
-<SharedContentType xmlns="Microsoft.SharePoint.Taxonomy.ContentTypeSync" SourceId="45132351-61c7-4947-8fdd-28b295696121" ContentTypeId="0x010100D21E0D47AF3242459E2F63E44FCC089100777D7FF5B336497A8022BDD96D52F206" PreviousValue="false"/>
-</file>
-
-<file path=customXml/item3.xml><?xml version="1.0" encoding="utf-8"?>
-<?mso-contentType ?>
-<FormTemplates xmlns="http://schemas.microsoft.com/sharepoint/v3/contenttype/forms">
-  <Display>DocumentLibraryForm</Display>
-  <Edit>DocumentLibraryForm</Edit>
-  <New>DocumentLibraryForm</New>
-</FormTemplates>
-</file>
-
 <file path=customXml/item4.xml><?xml version="1.0" encoding="utf-8"?>
 <p:properties xmlns:p="http://schemas.microsoft.com/office/2006/metadata/properties" xmlns:xsi="http://www.w3.org/2001/XMLSchema-instance" xmlns:pc="http://schemas.microsoft.com/office/infopath/2007/PartnerControls">
   <documentManagement>
@@ -23585,6 +23629,22 @@
 </file>
 
 <file path=customXml/itemProps1.xml><?xml version="1.0" encoding="utf-8"?>
+<ds:datastoreItem xmlns:ds="http://schemas.openxmlformats.org/officeDocument/2006/customXml" ds:itemID="{0F8E8D54-22DD-435F-B0BC-857E14266D0E}">
+  <ds:schemaRefs>
+    <ds:schemaRef ds:uri="http://schemas.microsoft.com/sharepoint/v3/contenttype/forms"/>
+  </ds:schemaRefs>
+</ds:datastoreItem>
+</file>
+
+<file path=customXml/itemProps2.xml><?xml version="1.0" encoding="utf-8"?>
+<ds:datastoreItem xmlns:ds="http://schemas.openxmlformats.org/officeDocument/2006/customXml" ds:itemID="{0A838253-757E-43D6-95F9-1423CFF29EBD}">
+  <ds:schemaRefs>
+    <ds:schemaRef ds:uri="Microsoft.SharePoint.Taxonomy.ContentTypeSync"/>
+  </ds:schemaRefs>
+</ds:datastoreItem>
+</file>
+
+<file path=customXml/itemProps3.xml><?xml version="1.0" encoding="utf-8"?>
 <ds:datastoreItem xmlns:ds="http://schemas.openxmlformats.org/officeDocument/2006/customXml" ds:itemID="{F698CC1E-11F0-453E-939E-E7CFB437D6BB}">
   <ds:schemaRefs>
     <ds:schemaRef ds:uri="http://schemas.microsoft.com/office/2006/metadata/contentType"/>
@@ -23599,22 +23659,6 @@
     <ds:schemaRef ds:uri="http://purl.org/dc/elements/1.1/"/>
     <ds:schemaRef ds:uri="http://purl.org/dc/terms/"/>
     <ds:schemaRef ds:uri="http://schemas.microsoft.com/internal/obd"/>
-  </ds:schemaRefs>
-</ds:datastoreItem>
-</file>
-
-<file path=customXml/itemProps2.xml><?xml version="1.0" encoding="utf-8"?>
-<ds:datastoreItem xmlns:ds="http://schemas.openxmlformats.org/officeDocument/2006/customXml" ds:itemID="{0A838253-757E-43D6-95F9-1423CFF29EBD}">
-  <ds:schemaRefs>
-    <ds:schemaRef ds:uri="Microsoft.SharePoint.Taxonomy.ContentTypeSync"/>
-  </ds:schemaRefs>
-</ds:datastoreItem>
-</file>
-
-<file path=customXml/itemProps3.xml><?xml version="1.0" encoding="utf-8"?>
-<ds:datastoreItem xmlns:ds="http://schemas.openxmlformats.org/officeDocument/2006/customXml" ds:itemID="{0F8E8D54-22DD-435F-B0BC-857E14266D0E}">
-  <ds:schemaRefs>
-    <ds:schemaRef ds:uri="http://schemas.microsoft.com/sharepoint/v3/contenttype/forms"/>
   </ds:schemaRefs>
 </ds:datastoreItem>
 </file>

--- a/etat_avancement_manuscript_these.pptx
+++ b/etat_avancement_manuscript_these.pptx
@@ -347,7 +347,7 @@
             <a:fld id="{D680E798-53FF-4C51-A981-953463752515}" type="datetimeFigureOut">
               <a:rPr lang="fr-FR" smtClean="0"/>
               <a:pPr/>
-              <a:t>06/05/2021</a:t>
+              <a:t>23/05/2021</a:t>
             </a:fld>
             <a:endParaRPr lang="fr-FR" dirty="0"/>
           </a:p>
@@ -18444,7 +18444,7 @@
         <p:spPr>
           <a:xfrm>
             <a:off x="503238" y="1156125"/>
-            <a:ext cx="3498073" cy="630942"/>
+            <a:ext cx="3542958" cy="738664"/>
           </a:xfrm>
           <a:prstGeom prst="rect">
             <a:avLst/>
@@ -18522,7 +18522,7 @@
             <a:r>
               <a:rPr lang="fr-FR" sz="700" dirty="0" smtClean="0">
                 <a:solidFill>
-                  <a:srgbClr val="00B0F0"/>
+                  <a:srgbClr val="00B050"/>
                 </a:solidFill>
               </a:rPr>
               <a:t>  1.3 </a:t>
@@ -18530,7 +18530,7 @@
             <a:r>
               <a:rPr lang="fr-FR" sz="700" dirty="0">
                 <a:solidFill>
-                  <a:srgbClr val="00B0F0"/>
+                  <a:srgbClr val="00B050"/>
                 </a:solidFill>
               </a:rPr>
               <a:t>Fuel injection </a:t>
@@ -18538,7 +18538,7 @@
             <a:r>
               <a:rPr lang="fr-FR" sz="700" dirty="0" err="1">
                 <a:solidFill>
-                  <a:srgbClr val="00B0F0"/>
+                  <a:srgbClr val="00B050"/>
                 </a:solidFill>
               </a:rPr>
               <a:t>technology</a:t>
@@ -18546,10 +18546,92 @@
             <a:r>
               <a:rPr lang="fr-FR" sz="700" dirty="0">
                 <a:solidFill>
-                  <a:srgbClr val="00B0F0"/>
+                  <a:srgbClr val="00B050"/>
                 </a:solidFill>
               </a:rPr>
-              <a:t> . . . . . . . . . . . . . . . . . . . . . . . . . . . . . . . . . . . . . . . 1</a:t>
+              <a:t> . . . . . . . . . . . . . . . . . . . . . . . . . . . . . . . . . . . . . . . </a:t>
+            </a:r>
+            <a:r>
+              <a:rPr lang="en-US" sz="700" dirty="0">
+                <a:solidFill>
+                  <a:srgbClr val="00B050"/>
+                </a:solidFill>
+              </a:rPr>
+              <a:t>1</a:t>
+            </a:r>
+          </a:p>
+          <a:p>
+            <a:r>
+              <a:rPr lang="fr-FR" sz="700" dirty="0">
+                <a:solidFill>
+                  <a:srgbClr val="92D050"/>
+                </a:solidFill>
+              </a:rPr>
+              <a:t>  </a:t>
+            </a:r>
+            <a:r>
+              <a:rPr lang="fr-FR" sz="700" dirty="0">
+                <a:solidFill>
+                  <a:srgbClr val="00B050"/>
+                </a:solidFill>
+              </a:rPr>
+              <a:t>1.3 </a:t>
+            </a:r>
+            <a:r>
+              <a:rPr lang="fr-FR" sz="700" dirty="0" err="1" smtClean="0">
+                <a:solidFill>
+                  <a:srgbClr val="00B050"/>
+                </a:solidFill>
+              </a:rPr>
+              <a:t>Numerical</a:t>
+            </a:r>
+            <a:r>
+              <a:rPr lang="fr-FR" sz="700" dirty="0" smtClean="0">
+                <a:solidFill>
+                  <a:srgbClr val="00B050"/>
+                </a:solidFill>
+              </a:rPr>
+              <a:t> </a:t>
+            </a:r>
+            <a:r>
+              <a:rPr lang="fr-FR" sz="700" dirty="0" err="1" smtClean="0">
+                <a:solidFill>
+                  <a:srgbClr val="00B050"/>
+                </a:solidFill>
+              </a:rPr>
+              <a:t>modeling</a:t>
+            </a:r>
+            <a:r>
+              <a:rPr lang="fr-FR" sz="700" dirty="0" smtClean="0">
+                <a:solidFill>
+                  <a:srgbClr val="00B050"/>
+                </a:solidFill>
+              </a:rPr>
+              <a:t> of fuel </a:t>
+            </a:r>
+            <a:r>
+              <a:rPr lang="fr-FR" sz="700" dirty="0" err="1" smtClean="0">
+                <a:solidFill>
+                  <a:srgbClr val="00B050"/>
+                </a:solidFill>
+              </a:rPr>
+              <a:t>inejction</a:t>
+            </a:r>
+            <a:r>
+              <a:rPr lang="fr-FR" sz="700" dirty="0" smtClean="0">
+                <a:solidFill>
+                  <a:srgbClr val="00B050"/>
+                </a:solidFill>
+              </a:rPr>
+              <a:t>. </a:t>
+            </a:r>
+            <a:r>
+              <a:rPr lang="fr-FR" sz="700" dirty="0">
+                <a:solidFill>
+                  <a:srgbClr val="00B050"/>
+                </a:solidFill>
+              </a:rPr>
+              <a:t>. . . . . . . . . . . . . . . . . . . . . . . . . . . . . . . . 1</a:t>
             </a:r>
           </a:p>
           <a:p>
@@ -20099,7 +20181,7 @@
         </p:nvSpPr>
         <p:spPr>
           <a:xfrm>
-            <a:off x="503238" y="764397"/>
+            <a:off x="1317469" y="735164"/>
             <a:ext cx="389850" cy="200055"/>
           </a:xfrm>
           <a:prstGeom prst="rect">
@@ -20115,7 +20197,7 @@
           <a:p>
             <a:r>
               <a:rPr lang="fr-FR" sz="700" b="1" dirty="0" smtClean="0"/>
-              <a:t>60 %</a:t>
+              <a:t>80 %</a:t>
             </a:r>
             <a:endParaRPr lang="fr-FR" sz="100" dirty="0"/>
           </a:p>
@@ -20159,10 +20241,10 @@
         </p:nvGrpSpPr>
         <p:grpSpPr>
           <a:xfrm>
-            <a:off x="627199" y="973334"/>
-            <a:ext cx="1080120" cy="164335"/>
+            <a:off x="627199" y="973335"/>
+            <a:ext cx="1080120" cy="147289"/>
             <a:chOff x="1115616" y="1300690"/>
-            <a:chExt cx="1584176" cy="241025"/>
+            <a:chExt cx="1584176" cy="216024"/>
           </a:xfrm>
         </p:grpSpPr>
         <p:sp>
@@ -20222,7 +20304,7 @@
           <p:spPr>
             <a:xfrm>
               <a:off x="1115616" y="1300690"/>
-              <a:ext cx="927568" cy="241025"/>
+              <a:ext cx="1252978" cy="216024"/>
             </a:xfrm>
             <a:prstGeom prst="rect">
               <a:avLst/>

--- a/etat_avancement_manuscript_these.pptx
+++ b/etat_avancement_manuscript_these.pptx
@@ -347,7 +347,7 @@
             <a:fld id="{D680E798-53FF-4C51-A981-953463752515}" type="datetimeFigureOut">
               <a:rPr lang="fr-FR" smtClean="0"/>
               <a:pPr/>
-              <a:t>23/05/2021</a:t>
+              <a:t>01/06/2021</a:t>
             </a:fld>
             <a:endParaRPr lang="fr-FR" dirty="0"/>
           </a:p>
@@ -19227,734 +19227,6 @@
           </a:p>
         </p:txBody>
       </p:sp>
-      <p:sp>
-        <p:nvSpPr>
-          <p:cNvPr id="17" name="ZoneTexte 16"/>
-          <p:cNvSpPr txBox="1"/>
-          <p:nvPr/>
-        </p:nvSpPr>
-        <p:spPr>
-          <a:xfrm>
-            <a:off x="4932040" y="0"/>
-            <a:ext cx="3629520" cy="4832092"/>
-          </a:xfrm>
-          <a:prstGeom prst="rect">
-            <a:avLst/>
-          </a:prstGeom>
-          <a:noFill/>
-        </p:spPr>
-        <p:txBody>
-          <a:bodyPr wrap="none" rtlCol="0">
-            <a:spAutoFit/>
-          </a:bodyPr>
-          <a:lstStyle/>
-          <a:p>
-            <a:r>
-              <a:rPr lang="en-US" sz="700" b="1" dirty="0"/>
-              <a:t>II Building lagrangian injectors from resolved atomization simulations </a:t>
-            </a:r>
-            <a:r>
-              <a:rPr lang="en-US" sz="700" b="1" dirty="0" smtClean="0"/>
-              <a:t>8</a:t>
-            </a:r>
-          </a:p>
-          <a:p>
-            <a:endParaRPr lang="en-US" sz="700" b="1" dirty="0" smtClean="0"/>
-          </a:p>
-          <a:p>
-            <a:endParaRPr lang="en-US" sz="700" b="1" dirty="0"/>
-          </a:p>
-          <a:p>
-            <a:endParaRPr lang="en-US" sz="700" b="1" dirty="0"/>
-          </a:p>
-          <a:p>
-            <a:r>
-              <a:rPr lang="fr-FR" sz="700" b="1" dirty="0"/>
-              <a:t>4 </a:t>
-            </a:r>
-            <a:r>
-              <a:rPr lang="fr-FR" sz="700" b="1" dirty="0" err="1"/>
-              <a:t>Models</a:t>
-            </a:r>
-            <a:r>
-              <a:rPr lang="fr-FR" sz="700" b="1" dirty="0"/>
-              <a:t> for lagrangian injection 9</a:t>
-            </a:r>
-          </a:p>
-          <a:p>
-            <a:r>
-              <a:rPr lang="fr-FR" sz="700" dirty="0" smtClean="0"/>
-              <a:t>  </a:t>
-            </a:r>
-            <a:r>
-              <a:rPr lang="fr-FR" sz="700" dirty="0" smtClean="0">
-                <a:solidFill>
-                  <a:srgbClr val="00B0F0"/>
-                </a:solidFill>
-              </a:rPr>
-              <a:t>4.1 </a:t>
-            </a:r>
-            <a:r>
-              <a:rPr lang="fr-FR" sz="700" dirty="0">
-                <a:solidFill>
-                  <a:srgbClr val="00B0F0"/>
-                </a:solidFill>
-              </a:rPr>
-              <a:t>Introduction . . . . . . . . . . . . . . . . . . . . . . . . . . . . . . . . . . . . . . . . . . . . . . 9</a:t>
-            </a:r>
-          </a:p>
-          <a:p>
-            <a:r>
-              <a:rPr lang="en-US" sz="700" dirty="0" smtClean="0">
-                <a:solidFill>
-                  <a:srgbClr val="00B0F0"/>
-                </a:solidFill>
-              </a:rPr>
-              <a:t>  4.2 </a:t>
-            </a:r>
-            <a:r>
-              <a:rPr lang="en-US" sz="700" dirty="0">
-                <a:solidFill>
-                  <a:srgbClr val="00B0F0"/>
-                </a:solidFill>
-              </a:rPr>
-              <a:t>Description of sprays . . . . . . . . . . . . . . . . . . . . . . . . . . . . . . . . . . . . . . . . . 9</a:t>
-            </a:r>
-          </a:p>
-          <a:p>
-            <a:r>
-              <a:rPr lang="fr-FR" sz="700" dirty="0" smtClean="0">
-                <a:solidFill>
-                  <a:srgbClr val="00B0F0"/>
-                </a:solidFill>
-              </a:rPr>
-              <a:t>  4.3 </a:t>
-            </a:r>
-            <a:r>
-              <a:rPr lang="fr-FR" sz="700" dirty="0" err="1">
-                <a:solidFill>
-                  <a:srgbClr val="00B0F0"/>
-                </a:solidFill>
-              </a:rPr>
-              <a:t>Models</a:t>
-            </a:r>
-            <a:r>
-              <a:rPr lang="fr-FR" sz="700" dirty="0">
-                <a:solidFill>
-                  <a:srgbClr val="00B0F0"/>
-                </a:solidFill>
-              </a:rPr>
-              <a:t> </a:t>
-            </a:r>
-            <a:r>
-              <a:rPr lang="fr-FR" sz="700" dirty="0" err="1">
-                <a:solidFill>
-                  <a:srgbClr val="00B0F0"/>
-                </a:solidFill>
-              </a:rPr>
-              <a:t>flowchart</a:t>
-            </a:r>
-            <a:r>
-              <a:rPr lang="fr-FR" sz="700" dirty="0">
-                <a:solidFill>
-                  <a:srgbClr val="00B0F0"/>
-                </a:solidFill>
-              </a:rPr>
-              <a:t> . . . . . . . . . . . . . . . . . . . . . . . . . . . . . . . . . . . . . . . . . . . 9</a:t>
-            </a:r>
-          </a:p>
-          <a:p>
-            <a:r>
-              <a:rPr lang="fr-FR" sz="700" dirty="0" smtClean="0">
-                <a:solidFill>
-                  <a:srgbClr val="00B0F0"/>
-                </a:solidFill>
-              </a:rPr>
-              <a:t>  4.4 </a:t>
-            </a:r>
-            <a:r>
-              <a:rPr lang="fr-FR" sz="700" dirty="0">
-                <a:solidFill>
-                  <a:srgbClr val="00B0F0"/>
-                </a:solidFill>
-              </a:rPr>
-              <a:t>Building </a:t>
-            </a:r>
-            <a:r>
-              <a:rPr lang="fr-FR" sz="700" dirty="0" err="1">
-                <a:solidFill>
-                  <a:srgbClr val="00B0F0"/>
-                </a:solidFill>
-              </a:rPr>
-              <a:t>injectors</a:t>
-            </a:r>
-            <a:r>
-              <a:rPr lang="fr-FR" sz="700" dirty="0">
-                <a:solidFill>
-                  <a:srgbClr val="00B0F0"/>
-                </a:solidFill>
-              </a:rPr>
-              <a:t> . . . . . . . . . . . . . . . . . . . . . . . . . . . . . . . . . . . . . . . . . . . 10</a:t>
-            </a:r>
-          </a:p>
-          <a:p>
-            <a:r>
-              <a:rPr lang="fr-FR" sz="700" dirty="0" smtClean="0">
-                <a:solidFill>
-                  <a:srgbClr val="00B0F0"/>
-                </a:solidFill>
-              </a:rPr>
-              <a:t>    </a:t>
-            </a:r>
-            <a:r>
-              <a:rPr lang="fr-FR" sz="700" dirty="0" smtClean="0">
-                <a:solidFill>
-                  <a:srgbClr val="00B050"/>
-                </a:solidFill>
-              </a:rPr>
-              <a:t>4.4.1 </a:t>
-            </a:r>
-            <a:r>
-              <a:rPr lang="fr-FR" sz="700" dirty="0">
-                <a:solidFill>
-                  <a:srgbClr val="00B050"/>
-                </a:solidFill>
-              </a:rPr>
-              <a:t>Spray </a:t>
-            </a:r>
-            <a:r>
-              <a:rPr lang="fr-FR" sz="700" dirty="0" err="1">
-                <a:solidFill>
-                  <a:srgbClr val="00B050"/>
-                </a:solidFill>
-              </a:rPr>
-              <a:t>sampling</a:t>
-            </a:r>
-            <a:r>
-              <a:rPr lang="fr-FR" sz="700" dirty="0">
-                <a:solidFill>
-                  <a:srgbClr val="00B050"/>
-                </a:solidFill>
-              </a:rPr>
-              <a:t> . . . . . . . . . . . . . . . . . . . . . . . . . . . . . . . . . . . . . . . . 10</a:t>
-            </a:r>
-          </a:p>
-          <a:p>
-            <a:r>
-              <a:rPr lang="fr-FR" sz="700" dirty="0" smtClean="0">
-                <a:solidFill>
-                  <a:srgbClr val="FF0000"/>
-                </a:solidFill>
-              </a:rPr>
-              <a:t>    4.4.2 </a:t>
-            </a:r>
-            <a:r>
-              <a:rPr lang="fr-FR" sz="700" dirty="0">
-                <a:solidFill>
-                  <a:srgbClr val="FF0000"/>
-                </a:solidFill>
-              </a:rPr>
-              <a:t>Spray convergence . . . . . . . . . . . . . . . . . . . . . . . . . . . . . . . . . . . . . . 10</a:t>
-            </a:r>
-          </a:p>
-          <a:p>
-            <a:r>
-              <a:rPr lang="en-US" sz="700" dirty="0" smtClean="0"/>
-              <a:t>    4.4.3 </a:t>
-            </a:r>
-            <a:r>
-              <a:rPr lang="en-US" sz="700" dirty="0"/>
-              <a:t>Spatial discretization of sprays . . . . . . . . . . . . . . . . . . . . . . . . . . . . . . . 11</a:t>
-            </a:r>
-          </a:p>
-          <a:p>
-            <a:r>
-              <a:rPr lang="fr-FR" sz="700" dirty="0" smtClean="0"/>
-              <a:t>    4.4.4 </a:t>
-            </a:r>
-            <a:r>
-              <a:rPr lang="fr-FR" sz="700" dirty="0" err="1"/>
-              <a:t>Injectors</a:t>
-            </a:r>
-            <a:r>
-              <a:rPr lang="fr-FR" sz="700" dirty="0"/>
-              <a:t> </a:t>
-            </a:r>
-            <a:r>
-              <a:rPr lang="fr-FR" sz="700" dirty="0" err="1"/>
-              <a:t>definition</a:t>
-            </a:r>
-            <a:r>
-              <a:rPr lang="fr-FR" sz="700" dirty="0"/>
-              <a:t> . . . . . . . . . . . . . . . . . . . . . . . . . . . . . . . . . . . . . . 11</a:t>
-            </a:r>
-          </a:p>
-          <a:p>
-            <a:r>
-              <a:rPr lang="fr-FR" sz="700" dirty="0" smtClean="0"/>
-              <a:t>  4.5 </a:t>
-            </a:r>
-            <a:r>
-              <a:rPr lang="fr-FR" sz="700" dirty="0"/>
-              <a:t>Dense </a:t>
-            </a:r>
-            <a:r>
-              <a:rPr lang="fr-FR" sz="700" dirty="0" err="1"/>
-              <a:t>core</a:t>
-            </a:r>
-            <a:r>
-              <a:rPr lang="fr-FR" sz="700" dirty="0"/>
-              <a:t> </a:t>
-            </a:r>
-            <a:r>
-              <a:rPr lang="fr-FR" sz="700" dirty="0" err="1"/>
-              <a:t>blockage</a:t>
-            </a:r>
-            <a:r>
-              <a:rPr lang="fr-FR" sz="700" dirty="0"/>
-              <a:t> </a:t>
-            </a:r>
-            <a:r>
-              <a:rPr lang="fr-FR" sz="700" dirty="0" err="1"/>
-              <a:t>effect</a:t>
-            </a:r>
-            <a:r>
-              <a:rPr lang="fr-FR" sz="700" dirty="0"/>
-              <a:t> </a:t>
-            </a:r>
-            <a:r>
-              <a:rPr lang="fr-FR" sz="700" dirty="0" err="1"/>
-              <a:t>modeling</a:t>
-            </a:r>
-            <a:r>
-              <a:rPr lang="fr-FR" sz="700" dirty="0"/>
-              <a:t> . . . . . . . . . . . . . . . . . . . . . . . . . . . . . . . . 12</a:t>
-            </a:r>
-          </a:p>
-          <a:p>
-            <a:r>
-              <a:rPr lang="en-US" sz="700" dirty="0" smtClean="0"/>
-              <a:t>    </a:t>
-            </a:r>
-            <a:r>
-              <a:rPr lang="en-US" sz="700" dirty="0" smtClean="0">
-                <a:solidFill>
-                  <a:srgbClr val="00B0F0"/>
-                </a:solidFill>
-              </a:rPr>
-              <a:t>4.5.1 </a:t>
-            </a:r>
-            <a:r>
-              <a:rPr lang="en-US" sz="700" dirty="0">
-                <a:solidFill>
-                  <a:srgbClr val="00B0F0"/>
-                </a:solidFill>
-              </a:rPr>
-              <a:t>Actuator Line Method . . . . . . . . . . . . . . . . . . . . . . . . . . . . . . . . . . . . 12</a:t>
-            </a:r>
-          </a:p>
-          <a:p>
-            <a:r>
-              <a:rPr lang="en-US" sz="700" dirty="0" smtClean="0"/>
-              <a:t>    4.5.2 </a:t>
-            </a:r>
-            <a:r>
-              <a:rPr lang="en-US" sz="700" dirty="0"/>
-              <a:t>Dense core representation as an actuator . . . . . . . . . . . . . . . . . . . . . . . . . . 12</a:t>
-            </a:r>
-          </a:p>
-          <a:p>
-            <a:r>
-              <a:rPr lang="fr-FR" sz="700" dirty="0" smtClean="0"/>
-              <a:t>    4.5.3 </a:t>
-            </a:r>
-            <a:r>
-              <a:rPr lang="fr-FR" sz="700" dirty="0"/>
-              <a:t>Forces </a:t>
-            </a:r>
-            <a:r>
-              <a:rPr lang="fr-FR" sz="700" dirty="0" err="1"/>
-              <a:t>determination</a:t>
-            </a:r>
-            <a:r>
-              <a:rPr lang="fr-FR" sz="700" dirty="0"/>
-              <a:t> . . . . . . . . . . . . . . . . . . . . . . . . . . . . . . . . . . . . . </a:t>
-            </a:r>
-            <a:r>
-              <a:rPr lang="fr-FR" sz="700" dirty="0" smtClean="0"/>
-              <a:t>12</a:t>
-            </a:r>
-            <a:endParaRPr lang="fr-FR" sz="700" dirty="0"/>
-          </a:p>
-          <a:p>
-            <a:r>
-              <a:rPr lang="en-US" sz="700" dirty="0" smtClean="0"/>
-              <a:t>  </a:t>
-            </a:r>
-            <a:r>
-              <a:rPr lang="en-US" sz="700" dirty="0" smtClean="0">
-                <a:solidFill>
-                  <a:srgbClr val="00B050"/>
-                </a:solidFill>
-              </a:rPr>
-              <a:t>4.6 </a:t>
-            </a:r>
-            <a:r>
-              <a:rPr lang="en-US" sz="700" dirty="0">
-                <a:solidFill>
-                  <a:srgbClr val="00B050"/>
-                </a:solidFill>
-              </a:rPr>
-              <a:t>Secondary atomization modeling . . . . . . . . . . . . . . . . . . . . . . . . . . . . . . . . . . 12</a:t>
-            </a:r>
-          </a:p>
-          <a:p>
-            <a:r>
-              <a:rPr lang="en-US" sz="700" dirty="0" smtClean="0">
-                <a:solidFill>
-                  <a:srgbClr val="00B050"/>
-                </a:solidFill>
-              </a:rPr>
-              <a:t>    4.6.1 </a:t>
-            </a:r>
-            <a:r>
-              <a:rPr lang="en-US" sz="700" dirty="0">
-                <a:solidFill>
-                  <a:srgbClr val="00B050"/>
-                </a:solidFill>
-              </a:rPr>
-              <a:t>Taylor Analogy Breakup . . . . . . . . . . . . . . . . . . . . . . . . . . . . . . . . . . . 12</a:t>
-            </a:r>
-          </a:p>
-          <a:p>
-            <a:r>
-              <a:rPr lang="fr-FR" sz="700" dirty="0" smtClean="0">
-                <a:solidFill>
-                  <a:srgbClr val="00B050"/>
-                </a:solidFill>
-              </a:rPr>
-              <a:t>    4.6.2 </a:t>
-            </a:r>
-            <a:r>
-              <a:rPr lang="fr-FR" sz="700" dirty="0" err="1">
-                <a:solidFill>
-                  <a:srgbClr val="00B050"/>
-                </a:solidFill>
-              </a:rPr>
-              <a:t>Enhanced</a:t>
-            </a:r>
-            <a:r>
-              <a:rPr lang="fr-FR" sz="700" dirty="0">
-                <a:solidFill>
-                  <a:srgbClr val="00B050"/>
-                </a:solidFill>
-              </a:rPr>
-              <a:t> TAB model . . . . . . . . . . . . . . . . . . . . . . . . . . . . . . . . . . . . 15</a:t>
-            </a:r>
-          </a:p>
-          <a:p>
-            <a:r>
-              <a:rPr lang="fr-FR" sz="700" dirty="0" smtClean="0">
-                <a:solidFill>
-                  <a:srgbClr val="00B050"/>
-                </a:solidFill>
-              </a:rPr>
-              <a:t>    4.6.3 </a:t>
-            </a:r>
-            <a:r>
-              <a:rPr lang="fr-FR" sz="700" dirty="0" err="1">
-                <a:solidFill>
-                  <a:srgbClr val="00B050"/>
-                </a:solidFill>
-              </a:rPr>
-              <a:t>Gorokhovski</a:t>
-            </a:r>
-            <a:r>
-              <a:rPr lang="fr-FR" sz="700" dirty="0">
-                <a:solidFill>
-                  <a:srgbClr val="00B050"/>
-                </a:solidFill>
-              </a:rPr>
-              <a:t> </a:t>
-            </a:r>
-            <a:r>
-              <a:rPr lang="fr-FR" sz="700" dirty="0" err="1">
-                <a:solidFill>
-                  <a:srgbClr val="00B050"/>
-                </a:solidFill>
-              </a:rPr>
-              <a:t>stochastic</a:t>
-            </a:r>
-            <a:r>
-              <a:rPr lang="fr-FR" sz="700" dirty="0">
-                <a:solidFill>
-                  <a:srgbClr val="00B050"/>
-                </a:solidFill>
-              </a:rPr>
-              <a:t> model . . . . . . . . . . . . . . . . . . . . . . . . . . . . . . . . </a:t>
-            </a:r>
-            <a:r>
-              <a:rPr lang="fr-FR" sz="700" dirty="0" smtClean="0">
-                <a:solidFill>
-                  <a:srgbClr val="00B050"/>
-                </a:solidFill>
-              </a:rPr>
-              <a:t>15</a:t>
-            </a:r>
-          </a:p>
-          <a:p>
-            <a:r>
-              <a:rPr lang="fr-FR" sz="700" dirty="0" smtClean="0"/>
-              <a:t>  4.7 </a:t>
-            </a:r>
-            <a:r>
-              <a:rPr lang="fr-FR" sz="700" dirty="0" err="1"/>
-              <a:t>Subgrid</a:t>
-            </a:r>
-            <a:r>
-              <a:rPr lang="fr-FR" sz="700" dirty="0"/>
-              <a:t> </a:t>
-            </a:r>
-            <a:r>
-              <a:rPr lang="fr-FR" sz="700" dirty="0" err="1"/>
-              <a:t>models</a:t>
-            </a:r>
-            <a:r>
-              <a:rPr lang="fr-FR" sz="700" dirty="0"/>
-              <a:t> for turbulent dispersion . . . . . . . . . . . . . . . . . . . . . . . . . . . . . . 17</a:t>
-            </a:r>
-          </a:p>
-          <a:p>
-            <a:r>
-              <a:rPr lang="fr-FR" sz="700" dirty="0" smtClean="0"/>
-              <a:t>  4.8 </a:t>
-            </a:r>
-            <a:r>
-              <a:rPr lang="fr-FR" sz="700" dirty="0"/>
-              <a:t>Conclusions . . . . . . . . . . . . . . . . . . . . . . . . . . . . . . . . . . . . . . . . . . . . . . </a:t>
-            </a:r>
-            <a:r>
-              <a:rPr lang="fr-FR" sz="700" dirty="0" smtClean="0"/>
-              <a:t>18</a:t>
-            </a:r>
-          </a:p>
-          <a:p>
-            <a:endParaRPr lang="fr-FR" sz="700" dirty="0" smtClean="0"/>
-          </a:p>
-          <a:p>
-            <a:endParaRPr lang="fr-FR" sz="700" dirty="0" smtClean="0"/>
-          </a:p>
-          <a:p>
-            <a:endParaRPr lang="fr-FR" sz="700" dirty="0"/>
-          </a:p>
-          <a:p>
-            <a:endParaRPr lang="fr-FR" sz="700" dirty="0"/>
-          </a:p>
-          <a:p>
-            <a:r>
-              <a:rPr lang="en-US" sz="700" b="1" dirty="0"/>
-              <a:t>5 Learning data from a resolved liquid jet in crossflow 19</a:t>
-            </a:r>
-          </a:p>
-          <a:p>
-            <a:r>
-              <a:rPr lang="fr-FR" sz="700" dirty="0"/>
-              <a:t>5.1 Introduction . . . . . . . . . . . . . . . . . . . . . . . . . . . . . . . . . . . . . . . . . . . . . . 20</a:t>
-            </a:r>
-          </a:p>
-          <a:p>
-            <a:r>
-              <a:rPr lang="en-US" sz="700" dirty="0"/>
-              <a:t>5.2 Experimental test case . . . . . . . . . . . . . . . . . . . . . . . . . . . . . . . . . . . . . . . . 20</a:t>
-            </a:r>
-          </a:p>
-          <a:p>
-            <a:r>
-              <a:rPr lang="fr-FR" sz="700" dirty="0"/>
-              <a:t>5.3 </a:t>
-            </a:r>
-            <a:r>
-              <a:rPr lang="fr-FR" sz="700" dirty="0" err="1"/>
-              <a:t>Computational</a:t>
-            </a:r>
-            <a:r>
-              <a:rPr lang="fr-FR" sz="700" dirty="0"/>
-              <a:t> setup . . . . . . . . . . . . . . . . . . . . . . . . . . . . . . . . . . . . . . . . . 20</a:t>
-            </a:r>
-          </a:p>
-          <a:p>
-            <a:r>
-              <a:rPr lang="fr-FR" sz="700" dirty="0" smtClean="0"/>
-              <a:t>5.4 </a:t>
-            </a:r>
-            <a:r>
-              <a:rPr lang="fr-FR" sz="700" dirty="0" err="1"/>
-              <a:t>Results</a:t>
-            </a:r>
-            <a:r>
-              <a:rPr lang="fr-FR" sz="700" dirty="0"/>
-              <a:t> . . . . . . . . . . . . . . . . . . . . . . . . . . . . . . . . . . . . . . . . . . . . . . . . . 20</a:t>
-            </a:r>
-          </a:p>
-          <a:p>
-            <a:r>
-              <a:rPr lang="en-US" sz="700" dirty="0" smtClean="0"/>
-              <a:t>  5.4.1 </a:t>
-            </a:r>
-            <a:r>
-              <a:rPr lang="en-US" sz="700" dirty="0"/>
-              <a:t>Validation with experimental trajectory . . . . . . . . . . . . . . . . . . . . . . . . . . 20</a:t>
-            </a:r>
-          </a:p>
-          <a:p>
-            <a:r>
-              <a:rPr lang="en-US" sz="700" dirty="0" smtClean="0"/>
-              <a:t>  5.4.2 </a:t>
-            </a:r>
-            <a:r>
-              <a:rPr lang="en-US" sz="700" dirty="0"/>
-              <a:t>Jet topology and breakup . . . . . . . . . . . . . . . . . . . . . . . . . . . . . . . . . . 20</a:t>
-            </a:r>
-          </a:p>
-          <a:p>
-            <a:r>
-              <a:rPr lang="en-US" sz="700" dirty="0" smtClean="0"/>
-              <a:t>    5.4.2.1 </a:t>
-            </a:r>
-            <a:r>
-              <a:rPr lang="en-US" sz="700" dirty="0"/>
-              <a:t>Effect of mesh . . . . . . . . . . . . . . . . . . . . . . . . . . . . . . . . . . . 20</a:t>
-            </a:r>
-          </a:p>
-          <a:p>
-            <a:r>
-              <a:rPr lang="en-US" sz="700" dirty="0" smtClean="0"/>
-              <a:t>    5.4.2.2 </a:t>
-            </a:r>
-            <a:r>
-              <a:rPr lang="en-US" sz="700" dirty="0"/>
-              <a:t>Effect of operating point . . . . . . . . . . . . . . . . . . . . . . . . . . . . . 20</a:t>
-            </a:r>
-          </a:p>
-          <a:p>
-            <a:r>
-              <a:rPr lang="fr-FR" sz="700" dirty="0" smtClean="0"/>
-              <a:t>  5.4.3 </a:t>
-            </a:r>
-            <a:r>
-              <a:rPr lang="fr-FR" sz="700" dirty="0"/>
-              <a:t>Spray </a:t>
-            </a:r>
-            <a:r>
-              <a:rPr lang="fr-FR" sz="700" dirty="0" err="1"/>
-              <a:t>characterization</a:t>
-            </a:r>
-            <a:r>
-              <a:rPr lang="fr-FR" sz="700" dirty="0"/>
-              <a:t> . . . . . . . . . . . . . . . . . . . . . . . . . . . . . . . . . . . . 20</a:t>
-            </a:r>
-          </a:p>
-          <a:p>
-            <a:r>
-              <a:rPr lang="fr-FR" sz="700" dirty="0" smtClean="0"/>
-              <a:t>    5.4.3.1 </a:t>
-            </a:r>
-            <a:r>
-              <a:rPr lang="fr-FR" sz="700" dirty="0" err="1"/>
-              <a:t>Sampling</a:t>
-            </a:r>
-            <a:r>
-              <a:rPr lang="fr-FR" sz="700" dirty="0"/>
-              <a:t> </a:t>
-            </a:r>
-            <a:r>
-              <a:rPr lang="fr-FR" sz="700" dirty="0" err="1"/>
-              <a:t>procedure</a:t>
-            </a:r>
-            <a:r>
-              <a:rPr lang="fr-FR" sz="700" dirty="0"/>
-              <a:t> for </a:t>
-            </a:r>
-            <a:r>
-              <a:rPr lang="fr-FR" sz="700" dirty="0" err="1"/>
-              <a:t>droplets</a:t>
-            </a:r>
-            <a:r>
-              <a:rPr lang="fr-FR" sz="700" dirty="0"/>
-              <a:t> . . . . . . . . . . . . . . . . . . . . . . . . . 20</a:t>
-            </a:r>
-          </a:p>
-          <a:p>
-            <a:r>
-              <a:rPr lang="fr-FR" sz="700" dirty="0" smtClean="0"/>
-              <a:t>    5.4.3.2 </a:t>
-            </a:r>
-            <a:r>
-              <a:rPr lang="fr-FR" sz="700" dirty="0" err="1"/>
-              <a:t>Droplets</a:t>
-            </a:r>
-            <a:r>
-              <a:rPr lang="fr-FR" sz="700" dirty="0"/>
-              <a:t> size distributions . . . . . . . . . . . . . . . . . . . . . . . . . . . . 20</a:t>
-            </a:r>
-          </a:p>
-          <a:p>
-            <a:r>
-              <a:rPr lang="en-US" sz="700" dirty="0" smtClean="0"/>
-              <a:t>    5.4.3.3 </a:t>
-            </a:r>
-            <a:r>
-              <a:rPr lang="en-US" sz="700" dirty="0"/>
-              <a:t>Direct measurement of fluxes (interior boundaries) . . . . . . . . . . . . . . . 20</a:t>
-            </a:r>
-          </a:p>
-          <a:p>
-            <a:r>
-              <a:rPr lang="en-US" sz="700" dirty="0" smtClean="0"/>
-              <a:t>  5.4.4 </a:t>
-            </a:r>
-            <a:r>
-              <a:rPr lang="en-US" sz="700" dirty="0"/>
-              <a:t>Mass conservation in ACLS . . . . . . . . . . . . . . . . . . . . . . . . . . . . . . . . . 20</a:t>
-            </a:r>
-          </a:p>
-          <a:p>
-            <a:r>
-              <a:rPr lang="fr-FR" sz="700" dirty="0" smtClean="0"/>
-              <a:t>  5.4.5 </a:t>
-            </a:r>
-            <a:r>
-              <a:rPr lang="fr-FR" sz="700" dirty="0" err="1"/>
-              <a:t>Computational</a:t>
-            </a:r>
-            <a:r>
-              <a:rPr lang="fr-FR" sz="700" dirty="0"/>
-              <a:t> performances . . . . . . . . . . . . . . . . . . . . . . . . . . . . . . . . 20</a:t>
-            </a:r>
-          </a:p>
-          <a:p>
-            <a:r>
-              <a:rPr lang="en-US" sz="700" dirty="0" smtClean="0"/>
-              <a:t>  5.4.6 </a:t>
-            </a:r>
-            <a:r>
-              <a:rPr lang="en-US" sz="700" dirty="0"/>
-              <a:t>Spatial discretization of sprays . . . . . . . . . . . . . . . . . . . . . . . . . . . . . . . 20</a:t>
-            </a:r>
-          </a:p>
-          <a:p>
-            <a:r>
-              <a:rPr lang="fr-FR" sz="700" dirty="0"/>
-              <a:t>5.5 Conclusions . . . . . . . . . . . . . . . . . . . . . . . . . . . . . . . . . . . . . . . . . . . . . . </a:t>
-            </a:r>
-            <a:r>
-              <a:rPr lang="fr-FR" sz="700" dirty="0" smtClean="0"/>
-              <a:t>20</a:t>
-            </a:r>
-            <a:endParaRPr lang="fr-FR" sz="700" dirty="0"/>
-          </a:p>
-        </p:txBody>
-      </p:sp>
       <p:grpSp>
         <p:nvGrpSpPr>
           <p:cNvPr id="19" name="Groupe 18"/>
@@ -20197,7 +19469,7 @@
           <a:p>
             <a:r>
               <a:rPr lang="fr-FR" sz="700" b="1" dirty="0" smtClean="0"/>
-              <a:t>80 %</a:t>
+              <a:t>90 %</a:t>
             </a:r>
             <a:endParaRPr lang="fr-FR" sz="100" dirty="0"/>
           </a:p>
@@ -20241,10 +19513,10 @@
         </p:nvGrpSpPr>
         <p:grpSpPr>
           <a:xfrm>
-            <a:off x="627199" y="973335"/>
-            <a:ext cx="1080120" cy="147289"/>
+            <a:off x="627199" y="973336"/>
+            <a:ext cx="1080120" cy="156898"/>
             <a:chOff x="1115616" y="1300690"/>
-            <a:chExt cx="1584176" cy="216024"/>
+            <a:chExt cx="1584176" cy="230117"/>
           </a:xfrm>
         </p:grpSpPr>
         <p:sp>
@@ -20303,8 +19575,8 @@
           </p:nvSpPr>
           <p:spPr>
             <a:xfrm>
-              <a:off x="1115616" y="1300690"/>
-              <a:ext cx="1252978" cy="216024"/>
+              <a:off x="1115617" y="1300690"/>
+              <a:ext cx="1334728" cy="230117"/>
             </a:xfrm>
             <a:prstGeom prst="rect">
               <a:avLst/>
@@ -20524,9 +19796,9 @@
         <p:grpSpPr>
           <a:xfrm>
             <a:off x="5038401" y="287117"/>
-            <a:ext cx="1099320" cy="147289"/>
-            <a:chOff x="1087456" y="1300690"/>
-            <a:chExt cx="1612336" cy="216024"/>
+            <a:ext cx="1099321" cy="155196"/>
+            <a:chOff x="1087455" y="1300690"/>
+            <a:chExt cx="1612337" cy="227621"/>
           </a:xfrm>
         </p:grpSpPr>
         <p:sp>
@@ -20585,8 +19857,8 @@
           </p:nvSpPr>
           <p:spPr>
             <a:xfrm>
-              <a:off x="1087456" y="1300690"/>
-              <a:ext cx="302591" cy="216024"/>
+              <a:off x="1087455" y="1300690"/>
+              <a:ext cx="477674" cy="227621"/>
             </a:xfrm>
             <a:prstGeom prst="rect">
               <a:avLst/>
@@ -20647,8 +19919,12 @@
           <a:lstStyle/>
           <a:p>
             <a:r>
+              <a:rPr lang="fr-FR" sz="700" b="1" dirty="0"/>
+              <a:t>3</a:t>
+            </a:r>
+            <a:r>
               <a:rPr lang="fr-FR" sz="700" b="1" dirty="0" smtClean="0"/>
-              <a:t>25 %</a:t>
+              <a:t>5 %</a:t>
             </a:r>
             <a:endParaRPr lang="fr-FR" sz="100" dirty="0"/>
           </a:p>
@@ -20662,7 +19938,7 @@
         </p:nvSpPr>
         <p:spPr>
           <a:xfrm>
-            <a:off x="4759317" y="2521901"/>
+            <a:off x="4864732" y="2571750"/>
             <a:ext cx="340158" cy="200055"/>
           </a:xfrm>
           <a:prstGeom prst="rect">
@@ -20677,8 +19953,12 @@
           <a:lstStyle/>
           <a:p>
             <a:r>
+              <a:rPr lang="fr-FR" sz="700" b="1" dirty="0"/>
+              <a:t>5</a:t>
+            </a:r>
+            <a:r>
               <a:rPr lang="fr-FR" sz="700" b="1" dirty="0" smtClean="0"/>
-              <a:t>0 %</a:t>
+              <a:t> %</a:t>
             </a:r>
             <a:endParaRPr lang="fr-FR" sz="100" dirty="0"/>
           </a:p>
@@ -20692,7 +19972,7 @@
         </p:nvGrpSpPr>
         <p:grpSpPr>
           <a:xfrm>
-            <a:off x="4898299" y="2708415"/>
+            <a:off x="5003714" y="2758264"/>
             <a:ext cx="1080120" cy="147289"/>
             <a:chOff x="1115616" y="1300690"/>
             <a:chExt cx="1584176" cy="216024"/>
@@ -20755,7 +20035,7 @@
           <p:spPr>
             <a:xfrm>
               <a:off x="1115616" y="1300690"/>
-              <a:ext cx="67055" cy="216024"/>
+              <a:ext cx="155099" cy="216024"/>
             </a:xfrm>
             <a:prstGeom prst="rect">
               <a:avLst/>
@@ -20823,6 +20103,902 @@
           </a:p>
         </p:txBody>
       </p:sp>
+      <p:sp>
+        <p:nvSpPr>
+          <p:cNvPr id="44" name="ZoneTexte 43"/>
+          <p:cNvSpPr txBox="1"/>
+          <p:nvPr/>
+        </p:nvSpPr>
+        <p:spPr>
+          <a:xfrm>
+            <a:off x="5410600" y="25822"/>
+            <a:ext cx="3629520" cy="5801588"/>
+          </a:xfrm>
+          <a:prstGeom prst="rect">
+            <a:avLst/>
+          </a:prstGeom>
+          <a:noFill/>
+        </p:spPr>
+        <p:txBody>
+          <a:bodyPr wrap="none" rtlCol="0">
+            <a:spAutoFit/>
+          </a:bodyPr>
+          <a:lstStyle/>
+          <a:p>
+            <a:r>
+              <a:rPr lang="en-US" sz="700" b="1" dirty="0"/>
+              <a:t>II Building lagrangian injectors from resolved atomization simulations </a:t>
+            </a:r>
+            <a:r>
+              <a:rPr lang="en-US" sz="700" b="1" dirty="0" smtClean="0"/>
+              <a:t>8</a:t>
+            </a:r>
+          </a:p>
+          <a:p>
+            <a:endParaRPr lang="en-US" sz="700" b="1" dirty="0" smtClean="0"/>
+          </a:p>
+          <a:p>
+            <a:endParaRPr lang="en-US" sz="700" b="1" dirty="0"/>
+          </a:p>
+          <a:p>
+            <a:endParaRPr lang="en-US" sz="700" b="1" dirty="0"/>
+          </a:p>
+          <a:p>
+            <a:r>
+              <a:rPr lang="fr-FR" sz="700" b="1" dirty="0"/>
+              <a:t>4 </a:t>
+            </a:r>
+            <a:r>
+              <a:rPr lang="fr-FR" sz="700" b="1" dirty="0" err="1"/>
+              <a:t>Models</a:t>
+            </a:r>
+            <a:r>
+              <a:rPr lang="fr-FR" sz="700" b="1" dirty="0"/>
+              <a:t> for lagrangian injection 9</a:t>
+            </a:r>
+          </a:p>
+          <a:p>
+            <a:r>
+              <a:rPr lang="fr-FR" sz="700" dirty="0" smtClean="0"/>
+              <a:t>  </a:t>
+            </a:r>
+            <a:r>
+              <a:rPr lang="fr-FR" sz="700" dirty="0" smtClean="0">
+                <a:solidFill>
+                  <a:srgbClr val="00B0F0"/>
+                </a:solidFill>
+              </a:rPr>
+              <a:t>4.1 </a:t>
+            </a:r>
+            <a:r>
+              <a:rPr lang="fr-FR" sz="700" dirty="0">
+                <a:solidFill>
+                  <a:srgbClr val="00B0F0"/>
+                </a:solidFill>
+              </a:rPr>
+              <a:t>Introduction . . . . . . . . . . . . . . . . . . . . . . . . . . . . . . . . . . . . . . . . . . . . . . 9</a:t>
+            </a:r>
+          </a:p>
+          <a:p>
+            <a:r>
+              <a:rPr lang="en-US" sz="700" dirty="0" smtClean="0">
+                <a:solidFill>
+                  <a:srgbClr val="00B0F0"/>
+                </a:solidFill>
+              </a:rPr>
+              <a:t>  4.2 </a:t>
+            </a:r>
+            <a:r>
+              <a:rPr lang="en-US" sz="700" dirty="0">
+                <a:solidFill>
+                  <a:srgbClr val="00B0F0"/>
+                </a:solidFill>
+              </a:rPr>
+              <a:t>Description of sprays . . . . . . . . . . . . . . . . . . . . . . . . . . . . . . . . . . . . . . . . . 9</a:t>
+            </a:r>
+          </a:p>
+          <a:p>
+            <a:r>
+              <a:rPr lang="fr-FR" sz="700" dirty="0" smtClean="0">
+                <a:solidFill>
+                  <a:srgbClr val="00B0F0"/>
+                </a:solidFill>
+              </a:rPr>
+              <a:t>  4.3 </a:t>
+            </a:r>
+            <a:r>
+              <a:rPr lang="fr-FR" sz="700" dirty="0" err="1">
+                <a:solidFill>
+                  <a:srgbClr val="00B0F0"/>
+                </a:solidFill>
+              </a:rPr>
+              <a:t>Models</a:t>
+            </a:r>
+            <a:r>
+              <a:rPr lang="fr-FR" sz="700" dirty="0">
+                <a:solidFill>
+                  <a:srgbClr val="00B0F0"/>
+                </a:solidFill>
+              </a:rPr>
+              <a:t> </a:t>
+            </a:r>
+            <a:r>
+              <a:rPr lang="fr-FR" sz="700" dirty="0" err="1">
+                <a:solidFill>
+                  <a:srgbClr val="00B0F0"/>
+                </a:solidFill>
+              </a:rPr>
+              <a:t>flowchart</a:t>
+            </a:r>
+            <a:r>
+              <a:rPr lang="fr-FR" sz="700" dirty="0">
+                <a:solidFill>
+                  <a:srgbClr val="00B0F0"/>
+                </a:solidFill>
+              </a:rPr>
+              <a:t> . . . . . . . . . . . . . . . . . . . . . . . . . . . . . . . . . . . . . . . . . . . 9</a:t>
+            </a:r>
+          </a:p>
+          <a:p>
+            <a:r>
+              <a:rPr lang="fr-FR" sz="700" dirty="0" smtClean="0">
+                <a:solidFill>
+                  <a:srgbClr val="00B0F0"/>
+                </a:solidFill>
+              </a:rPr>
+              <a:t>  4.4 </a:t>
+            </a:r>
+            <a:r>
+              <a:rPr lang="fr-FR" sz="700" dirty="0">
+                <a:solidFill>
+                  <a:srgbClr val="00B0F0"/>
+                </a:solidFill>
+              </a:rPr>
+              <a:t>Building </a:t>
+            </a:r>
+            <a:r>
+              <a:rPr lang="fr-FR" sz="700" dirty="0" err="1">
+                <a:solidFill>
+                  <a:srgbClr val="00B0F0"/>
+                </a:solidFill>
+              </a:rPr>
+              <a:t>injectors</a:t>
+            </a:r>
+            <a:r>
+              <a:rPr lang="fr-FR" sz="700" dirty="0">
+                <a:solidFill>
+                  <a:srgbClr val="00B0F0"/>
+                </a:solidFill>
+              </a:rPr>
+              <a:t> . . . . . . . . . . . . . . . . . . . . . . . . . . . . . . . . . . . . . . . . . . . 10</a:t>
+            </a:r>
+          </a:p>
+          <a:p>
+            <a:r>
+              <a:rPr lang="fr-FR" sz="700" dirty="0" smtClean="0">
+                <a:solidFill>
+                  <a:srgbClr val="00B0F0"/>
+                </a:solidFill>
+              </a:rPr>
+              <a:t>    </a:t>
+            </a:r>
+            <a:r>
+              <a:rPr lang="fr-FR" sz="700" dirty="0" smtClean="0">
+                <a:solidFill>
+                  <a:srgbClr val="00B050"/>
+                </a:solidFill>
+              </a:rPr>
+              <a:t>4.4.1 </a:t>
+            </a:r>
+            <a:r>
+              <a:rPr lang="fr-FR" sz="700" dirty="0">
+                <a:solidFill>
+                  <a:srgbClr val="00B050"/>
+                </a:solidFill>
+              </a:rPr>
+              <a:t>Spray </a:t>
+            </a:r>
+            <a:r>
+              <a:rPr lang="fr-FR" sz="700" dirty="0" err="1">
+                <a:solidFill>
+                  <a:srgbClr val="00B050"/>
+                </a:solidFill>
+              </a:rPr>
+              <a:t>sampling</a:t>
+            </a:r>
+            <a:r>
+              <a:rPr lang="fr-FR" sz="700" dirty="0">
+                <a:solidFill>
+                  <a:srgbClr val="00B050"/>
+                </a:solidFill>
+              </a:rPr>
+              <a:t> . . . . . . . . . . . . . . . . . . . . . . . . . . . . . . . . . . . . . . . . 10</a:t>
+            </a:r>
+          </a:p>
+          <a:p>
+            <a:r>
+              <a:rPr lang="fr-FR" sz="700" dirty="0" smtClean="0">
+                <a:solidFill>
+                  <a:srgbClr val="FF0000"/>
+                </a:solidFill>
+              </a:rPr>
+              <a:t>    4.4.2 </a:t>
+            </a:r>
+            <a:r>
+              <a:rPr lang="fr-FR" sz="700" dirty="0">
+                <a:solidFill>
+                  <a:srgbClr val="FF0000"/>
+                </a:solidFill>
+              </a:rPr>
+              <a:t>Spray convergence . . . . . . . . . . . . . . . . . . . . . . . . . . . . . . . . . . . . . . 10</a:t>
+            </a:r>
+          </a:p>
+          <a:p>
+            <a:r>
+              <a:rPr lang="en-US" sz="700" dirty="0" smtClean="0"/>
+              <a:t>    4.4.3 </a:t>
+            </a:r>
+            <a:r>
+              <a:rPr lang="en-US" sz="700" dirty="0"/>
+              <a:t>Spatial discretization of sprays . . . . . . . . . . . . . . . . . . . . . . . . . . . . . . . 11</a:t>
+            </a:r>
+          </a:p>
+          <a:p>
+            <a:r>
+              <a:rPr lang="fr-FR" sz="700" dirty="0" smtClean="0"/>
+              <a:t>    4.4.4 </a:t>
+            </a:r>
+            <a:r>
+              <a:rPr lang="fr-FR" sz="700" dirty="0" err="1"/>
+              <a:t>Injectors</a:t>
+            </a:r>
+            <a:r>
+              <a:rPr lang="fr-FR" sz="700" dirty="0"/>
+              <a:t> </a:t>
+            </a:r>
+            <a:r>
+              <a:rPr lang="fr-FR" sz="700" dirty="0" err="1"/>
+              <a:t>definition</a:t>
+            </a:r>
+            <a:r>
+              <a:rPr lang="fr-FR" sz="700" dirty="0"/>
+              <a:t> . . . . . . . . . . . . . . . . . . . . . . . . . . . . . . . . . . . . . . 11</a:t>
+            </a:r>
+          </a:p>
+          <a:p>
+            <a:r>
+              <a:rPr lang="fr-FR" sz="700" dirty="0" smtClean="0">
+                <a:solidFill>
+                  <a:schemeClr val="accent1">
+                    <a:lumMod val="40000"/>
+                    <a:lumOff val="60000"/>
+                  </a:schemeClr>
+                </a:solidFill>
+              </a:rPr>
+              <a:t>  4.5 </a:t>
+            </a:r>
+            <a:r>
+              <a:rPr lang="fr-FR" sz="700" dirty="0">
+                <a:solidFill>
+                  <a:schemeClr val="accent1">
+                    <a:lumMod val="40000"/>
+                    <a:lumOff val="60000"/>
+                  </a:schemeClr>
+                </a:solidFill>
+              </a:rPr>
+              <a:t>Dense </a:t>
+            </a:r>
+            <a:r>
+              <a:rPr lang="fr-FR" sz="700" dirty="0" err="1">
+                <a:solidFill>
+                  <a:schemeClr val="accent1">
+                    <a:lumMod val="40000"/>
+                    <a:lumOff val="60000"/>
+                  </a:schemeClr>
+                </a:solidFill>
+              </a:rPr>
+              <a:t>core</a:t>
+            </a:r>
+            <a:r>
+              <a:rPr lang="fr-FR" sz="700" dirty="0">
+                <a:solidFill>
+                  <a:schemeClr val="accent1">
+                    <a:lumMod val="40000"/>
+                    <a:lumOff val="60000"/>
+                  </a:schemeClr>
+                </a:solidFill>
+              </a:rPr>
+              <a:t> </a:t>
+            </a:r>
+            <a:r>
+              <a:rPr lang="fr-FR" sz="700" dirty="0" err="1">
+                <a:solidFill>
+                  <a:schemeClr val="accent1">
+                    <a:lumMod val="40000"/>
+                    <a:lumOff val="60000"/>
+                  </a:schemeClr>
+                </a:solidFill>
+              </a:rPr>
+              <a:t>blockage</a:t>
+            </a:r>
+            <a:r>
+              <a:rPr lang="fr-FR" sz="700" dirty="0">
+                <a:solidFill>
+                  <a:schemeClr val="accent1">
+                    <a:lumMod val="40000"/>
+                    <a:lumOff val="60000"/>
+                  </a:schemeClr>
+                </a:solidFill>
+              </a:rPr>
+              <a:t> </a:t>
+            </a:r>
+            <a:r>
+              <a:rPr lang="fr-FR" sz="700" dirty="0" err="1">
+                <a:solidFill>
+                  <a:schemeClr val="accent1">
+                    <a:lumMod val="40000"/>
+                    <a:lumOff val="60000"/>
+                  </a:schemeClr>
+                </a:solidFill>
+              </a:rPr>
+              <a:t>effect</a:t>
+            </a:r>
+            <a:r>
+              <a:rPr lang="fr-FR" sz="700" dirty="0">
+                <a:solidFill>
+                  <a:schemeClr val="accent1">
+                    <a:lumMod val="40000"/>
+                    <a:lumOff val="60000"/>
+                  </a:schemeClr>
+                </a:solidFill>
+              </a:rPr>
+              <a:t> </a:t>
+            </a:r>
+            <a:r>
+              <a:rPr lang="fr-FR" sz="700" dirty="0" err="1">
+                <a:solidFill>
+                  <a:schemeClr val="accent1">
+                    <a:lumMod val="40000"/>
+                    <a:lumOff val="60000"/>
+                  </a:schemeClr>
+                </a:solidFill>
+              </a:rPr>
+              <a:t>modeling</a:t>
+            </a:r>
+            <a:r>
+              <a:rPr lang="fr-FR" sz="700" dirty="0">
+                <a:solidFill>
+                  <a:schemeClr val="accent1">
+                    <a:lumMod val="40000"/>
+                    <a:lumOff val="60000"/>
+                  </a:schemeClr>
+                </a:solidFill>
+              </a:rPr>
+              <a:t> . . . . . . . . . . . . . . . . . . . . . . . . . . . . . . . . 12</a:t>
+            </a:r>
+          </a:p>
+          <a:p>
+            <a:r>
+              <a:rPr lang="en-US" sz="700" dirty="0" smtClean="0"/>
+              <a:t>    </a:t>
+            </a:r>
+            <a:r>
+              <a:rPr lang="en-US" sz="700" dirty="0" smtClean="0">
+                <a:solidFill>
+                  <a:srgbClr val="00B0F0"/>
+                </a:solidFill>
+              </a:rPr>
+              <a:t>4.5.1 </a:t>
+            </a:r>
+            <a:r>
+              <a:rPr lang="en-US" sz="700" dirty="0">
+                <a:solidFill>
+                  <a:srgbClr val="00B0F0"/>
+                </a:solidFill>
+              </a:rPr>
+              <a:t>Actuator Line Method . . . . . . . . . . . . . . . . . . . . . . . . . . . . . . . . . . . . 12</a:t>
+            </a:r>
+          </a:p>
+          <a:p>
+            <a:r>
+              <a:rPr lang="en-US" sz="700" dirty="0" smtClean="0"/>
+              <a:t>    4.5.2 </a:t>
+            </a:r>
+            <a:r>
+              <a:rPr lang="en-US" sz="700" dirty="0"/>
+              <a:t>Dense core representation as an actuator . . . . . . . . . . . . . . . . . . . . . . . . . . 12</a:t>
+            </a:r>
+          </a:p>
+          <a:p>
+            <a:r>
+              <a:rPr lang="fr-FR" sz="700" dirty="0" smtClean="0"/>
+              <a:t>    4.5.3 </a:t>
+            </a:r>
+            <a:r>
+              <a:rPr lang="fr-FR" sz="700" dirty="0"/>
+              <a:t>Forces </a:t>
+            </a:r>
+            <a:r>
+              <a:rPr lang="fr-FR" sz="700" dirty="0" err="1"/>
+              <a:t>determination</a:t>
+            </a:r>
+            <a:r>
+              <a:rPr lang="fr-FR" sz="700" dirty="0"/>
+              <a:t> . . . . . . . . . . . . . . . . . . . . . . . . . . . . . . . . . . . . . </a:t>
+            </a:r>
+            <a:r>
+              <a:rPr lang="fr-FR" sz="700" dirty="0" smtClean="0"/>
+              <a:t>12</a:t>
+            </a:r>
+            <a:endParaRPr lang="fr-FR" sz="700" dirty="0"/>
+          </a:p>
+          <a:p>
+            <a:r>
+              <a:rPr lang="en-US" sz="700" dirty="0" smtClean="0"/>
+              <a:t>  </a:t>
+            </a:r>
+            <a:r>
+              <a:rPr lang="en-US" sz="700" dirty="0" smtClean="0">
+                <a:solidFill>
+                  <a:srgbClr val="00B050"/>
+                </a:solidFill>
+              </a:rPr>
+              <a:t>4.6 </a:t>
+            </a:r>
+            <a:r>
+              <a:rPr lang="en-US" sz="700" dirty="0">
+                <a:solidFill>
+                  <a:srgbClr val="00B050"/>
+                </a:solidFill>
+              </a:rPr>
+              <a:t>Secondary atomization modeling . . . . . . . . . . . . . . . . . . . . . . . . . . . . . . . . . . 12</a:t>
+            </a:r>
+          </a:p>
+          <a:p>
+            <a:r>
+              <a:rPr lang="en-US" sz="700" dirty="0" smtClean="0">
+                <a:solidFill>
+                  <a:srgbClr val="00B050"/>
+                </a:solidFill>
+              </a:rPr>
+              <a:t>    4.6.1 </a:t>
+            </a:r>
+            <a:r>
+              <a:rPr lang="en-US" sz="700" dirty="0">
+                <a:solidFill>
+                  <a:srgbClr val="00B050"/>
+                </a:solidFill>
+              </a:rPr>
+              <a:t>Taylor Analogy Breakup . . . . . . . . . . . . . . . . . . . . . . . . . . . . . . . . . . . 12</a:t>
+            </a:r>
+          </a:p>
+          <a:p>
+            <a:r>
+              <a:rPr lang="fr-FR" sz="700" dirty="0" smtClean="0">
+                <a:solidFill>
+                  <a:srgbClr val="00B050"/>
+                </a:solidFill>
+              </a:rPr>
+              <a:t>    4.6.2 </a:t>
+            </a:r>
+            <a:r>
+              <a:rPr lang="fr-FR" sz="700" dirty="0" err="1">
+                <a:solidFill>
+                  <a:srgbClr val="00B050"/>
+                </a:solidFill>
+              </a:rPr>
+              <a:t>Enhanced</a:t>
+            </a:r>
+            <a:r>
+              <a:rPr lang="fr-FR" sz="700" dirty="0">
+                <a:solidFill>
+                  <a:srgbClr val="00B050"/>
+                </a:solidFill>
+              </a:rPr>
+              <a:t> TAB model . . . . . . . . . . . . . . . . . . . . . . . . . . . . . . . . . . . . 15</a:t>
+            </a:r>
+          </a:p>
+          <a:p>
+            <a:r>
+              <a:rPr lang="fr-FR" sz="700" dirty="0" smtClean="0">
+                <a:solidFill>
+                  <a:srgbClr val="00B050"/>
+                </a:solidFill>
+              </a:rPr>
+              <a:t>    4.6.3 </a:t>
+            </a:r>
+            <a:r>
+              <a:rPr lang="fr-FR" sz="700" dirty="0" err="1">
+                <a:solidFill>
+                  <a:srgbClr val="00B050"/>
+                </a:solidFill>
+              </a:rPr>
+              <a:t>Gorokhovski</a:t>
+            </a:r>
+            <a:r>
+              <a:rPr lang="fr-FR" sz="700" dirty="0">
+                <a:solidFill>
+                  <a:srgbClr val="00B050"/>
+                </a:solidFill>
+              </a:rPr>
+              <a:t> </a:t>
+            </a:r>
+            <a:r>
+              <a:rPr lang="fr-FR" sz="700" dirty="0" err="1">
+                <a:solidFill>
+                  <a:srgbClr val="00B050"/>
+                </a:solidFill>
+              </a:rPr>
+              <a:t>stochastic</a:t>
+            </a:r>
+            <a:r>
+              <a:rPr lang="fr-FR" sz="700" dirty="0">
+                <a:solidFill>
+                  <a:srgbClr val="00B050"/>
+                </a:solidFill>
+              </a:rPr>
+              <a:t> model . . . . . . . . . . . . . . . . . . . . . . . . . . . . . . . . </a:t>
+            </a:r>
+            <a:r>
+              <a:rPr lang="fr-FR" sz="700" dirty="0" smtClean="0">
+                <a:solidFill>
+                  <a:srgbClr val="00B050"/>
+                </a:solidFill>
+              </a:rPr>
+              <a:t>15</a:t>
+            </a:r>
+          </a:p>
+          <a:p>
+            <a:r>
+              <a:rPr lang="fr-FR" sz="700" strike="sngStrike" dirty="0" smtClean="0"/>
+              <a:t>  4.7 </a:t>
+            </a:r>
+            <a:r>
+              <a:rPr lang="fr-FR" sz="700" strike="sngStrike" dirty="0" err="1"/>
+              <a:t>Subgrid</a:t>
+            </a:r>
+            <a:r>
+              <a:rPr lang="fr-FR" sz="700" strike="sngStrike" dirty="0"/>
+              <a:t> </a:t>
+            </a:r>
+            <a:r>
+              <a:rPr lang="fr-FR" sz="700" strike="sngStrike" dirty="0" err="1"/>
+              <a:t>models</a:t>
+            </a:r>
+            <a:r>
+              <a:rPr lang="fr-FR" sz="700" strike="sngStrike" dirty="0"/>
+              <a:t> for turbulent dispersion . . . . . . . . . . . . . . . . . . . . . . . . . . . . . . 17</a:t>
+            </a:r>
+          </a:p>
+          <a:p>
+            <a:r>
+              <a:rPr lang="fr-FR" sz="700" dirty="0" smtClean="0"/>
+              <a:t>  4.8 </a:t>
+            </a:r>
+            <a:r>
+              <a:rPr lang="fr-FR" sz="700" dirty="0"/>
+              <a:t>Conclusions . . . . . . . . . . . . . . . . . . . . . . . . . . . . . . . . . . . . . . . . . . . . . . </a:t>
+            </a:r>
+            <a:r>
+              <a:rPr lang="fr-FR" sz="700" dirty="0" smtClean="0"/>
+              <a:t>18</a:t>
+            </a:r>
+          </a:p>
+          <a:p>
+            <a:endParaRPr lang="fr-FR" sz="700" dirty="0" smtClean="0"/>
+          </a:p>
+          <a:p>
+            <a:endParaRPr lang="fr-FR" sz="700" dirty="0" smtClean="0"/>
+          </a:p>
+          <a:p>
+            <a:endParaRPr lang="fr-FR" sz="700" dirty="0"/>
+          </a:p>
+          <a:p>
+            <a:endParaRPr lang="fr-FR" sz="700" dirty="0"/>
+          </a:p>
+          <a:p>
+            <a:r>
+              <a:rPr lang="en-US" sz="700" b="1" dirty="0"/>
+              <a:t>5 Learning data from a resolved liquid jet in crossflow 62</a:t>
+            </a:r>
+          </a:p>
+          <a:p>
+            <a:r>
+              <a:rPr lang="fr-FR" sz="700" dirty="0">
+                <a:solidFill>
+                  <a:srgbClr val="00B0F0"/>
+                </a:solidFill>
+              </a:rPr>
+              <a:t>5.1 Introduction . . . . . . . . . . . . . . . . . . . . . . . . . . . . . . . . . . . . . . . . . . . . . . 63</a:t>
+            </a:r>
+          </a:p>
+          <a:p>
+            <a:r>
+              <a:rPr lang="en-US" sz="700" dirty="0">
+                <a:solidFill>
+                  <a:srgbClr val="00B050"/>
+                </a:solidFill>
+              </a:rPr>
+              <a:t>5.2 Experimental test case . . . . . . . . . . . . . . . . . . . . . . . . . . . . . . . . . . . . . . . . 63</a:t>
+            </a:r>
+          </a:p>
+          <a:p>
+            <a:r>
+              <a:rPr lang="fr-FR" sz="700" dirty="0">
+                <a:solidFill>
+                  <a:srgbClr val="00B0F0"/>
+                </a:solidFill>
+              </a:rPr>
+              <a:t>5.3 </a:t>
+            </a:r>
+            <a:r>
+              <a:rPr lang="fr-FR" sz="700" dirty="0" err="1">
+                <a:solidFill>
+                  <a:srgbClr val="00B0F0"/>
+                </a:solidFill>
+              </a:rPr>
+              <a:t>Computational</a:t>
+            </a:r>
+            <a:r>
+              <a:rPr lang="fr-FR" sz="700" dirty="0">
+                <a:solidFill>
+                  <a:srgbClr val="00B0F0"/>
+                </a:solidFill>
+              </a:rPr>
+              <a:t> setup . . . . . . . . . . . . . . . . . . . . . . . . . . . . . . . . . . . . . . . . . 64</a:t>
+            </a:r>
+          </a:p>
+          <a:p>
+            <a:r>
+              <a:rPr lang="en-US" sz="700" dirty="0"/>
+              <a:t>5.4 Tools and methodologies . . . . . . . . . . . . . . . . . . . . . . . . . . . . . . . . . . . . . . . 65</a:t>
+            </a:r>
+          </a:p>
+          <a:p>
+            <a:r>
+              <a:rPr lang="en-US" sz="700" dirty="0" smtClean="0"/>
+              <a:t>  5.4.1 </a:t>
+            </a:r>
+            <a:r>
+              <a:rPr lang="en-US" sz="700" dirty="0"/>
+              <a:t>Spray sampling in resolved simulations . . . . . . . . . . . . . . . . . . . . . . . . . . . 65</a:t>
+            </a:r>
+          </a:p>
+          <a:p>
+            <a:r>
+              <a:rPr lang="en-US" sz="700" dirty="0" smtClean="0"/>
+              <a:t>  5.4.2 </a:t>
+            </a:r>
+            <a:r>
+              <a:rPr lang="en-US" sz="700" dirty="0"/>
+              <a:t>Numerical computation of jet trajectory . . . . . . . . . . . . . . . . . . . . . . . . . . 65</a:t>
+            </a:r>
+          </a:p>
+          <a:p>
+            <a:r>
+              <a:rPr lang="en-US" sz="700" dirty="0" smtClean="0"/>
+              <a:t>  5.4.3 </a:t>
+            </a:r>
+            <a:r>
+              <a:rPr lang="en-US" sz="700" dirty="0"/>
+              <a:t>Direct measurement of liquid fluxes . . . . . . . . . . . . . . . . . . . . . . . . . . . . 66</a:t>
+            </a:r>
+          </a:p>
+          <a:p>
+            <a:r>
+              <a:rPr lang="fr-FR" sz="700" dirty="0"/>
+              <a:t>5.5 </a:t>
+            </a:r>
+            <a:r>
+              <a:rPr lang="fr-FR" sz="700" dirty="0" err="1"/>
+              <a:t>Results</a:t>
+            </a:r>
+            <a:r>
+              <a:rPr lang="fr-FR" sz="700" dirty="0"/>
+              <a:t> . . . . . . . . . . . . . . . . . . . . . . . . . . . . . . . . . . . . . . . . . . . . . . . . . 67</a:t>
+            </a:r>
+          </a:p>
+          <a:p>
+            <a:r>
+              <a:rPr lang="en-US" sz="700" dirty="0" smtClean="0"/>
+              <a:t>  5.5.1 </a:t>
+            </a:r>
+            <a:r>
+              <a:rPr lang="en-US" sz="700" dirty="0"/>
+              <a:t>Jet topology and breakup . . . . . . . . . . . . . . . . . . . . . . . . . . . . . . . . . . 67</a:t>
+            </a:r>
+          </a:p>
+          <a:p>
+            <a:r>
+              <a:rPr lang="en-US" sz="700" dirty="0" smtClean="0"/>
+              <a:t>    5.5.1.1 </a:t>
+            </a:r>
+            <a:r>
+              <a:rPr lang="en-US" sz="700" dirty="0"/>
+              <a:t>Effect of mesh . . . . . . . . . . . . . . . . . . . . . . . . . . . . . . . . . . . 67</a:t>
+            </a:r>
+          </a:p>
+          <a:p>
+            <a:r>
+              <a:rPr lang="en-US" sz="700" dirty="0" smtClean="0"/>
+              <a:t>    5.5.1.2 </a:t>
+            </a:r>
+            <a:r>
+              <a:rPr lang="en-US" sz="700" dirty="0"/>
+              <a:t>Effect of operating point . . . . . . . . . . . . . . . . . . . . . . . . . . . . . 67</a:t>
+            </a:r>
+          </a:p>
+          <a:p>
+            <a:r>
+              <a:rPr lang="en-US" sz="700" dirty="0" smtClean="0"/>
+              <a:t>  5.5.2 </a:t>
+            </a:r>
+            <a:r>
+              <a:rPr lang="en-US" sz="700" dirty="0"/>
+              <a:t>Validation with experimental trajectory . . . . . . . . . . . . . . . . . . . . . . . . . . 67</a:t>
+            </a:r>
+          </a:p>
+          <a:p>
+            <a:r>
+              <a:rPr lang="fr-FR" sz="700" dirty="0" smtClean="0"/>
+              <a:t>  5.5.3 </a:t>
+            </a:r>
+            <a:r>
+              <a:rPr lang="fr-FR" sz="700" dirty="0"/>
+              <a:t>Spray </a:t>
+            </a:r>
+            <a:r>
+              <a:rPr lang="fr-FR" sz="700" dirty="0" err="1"/>
+              <a:t>characterization</a:t>
+            </a:r>
+            <a:r>
+              <a:rPr lang="fr-FR" sz="700" dirty="0"/>
+              <a:t> . . . . . . . . . . . . . . . . . . . . . . . . . . . . . . . . . . . . 67</a:t>
+            </a:r>
+          </a:p>
+          <a:p>
+            <a:r>
+              <a:rPr lang="en-US" sz="700" dirty="0" smtClean="0"/>
+              <a:t>  5.5.4 </a:t>
+            </a:r>
+            <a:r>
+              <a:rPr lang="en-US" sz="700" dirty="0"/>
+              <a:t>Measurement of mass flow rates . . . . . . . . . . . . . . . . . . . . . . . . . . . . . . . 67</a:t>
+            </a:r>
+          </a:p>
+          <a:p>
+            <a:r>
+              <a:rPr lang="en-US" sz="700" dirty="0" smtClean="0"/>
+              <a:t>  5.5.5 </a:t>
+            </a:r>
+            <a:r>
+              <a:rPr lang="en-US" sz="700" dirty="0"/>
+              <a:t>Mass conservation in ACLS . . . . . . . . . . . . . . . . . . . . . . . . . . . . . . . . . 67</a:t>
+            </a:r>
+          </a:p>
+          <a:p>
+            <a:r>
+              <a:rPr lang="fr-FR" sz="700" dirty="0" smtClean="0"/>
+              <a:t>    5.5.5.1 </a:t>
+            </a:r>
+            <a:r>
+              <a:rPr lang="fr-FR" sz="700" dirty="0" err="1"/>
+              <a:t>Droplets</a:t>
+            </a:r>
+            <a:r>
+              <a:rPr lang="fr-FR" sz="700" dirty="0"/>
+              <a:t> size distributions . . . . . . . . . . . . . . . . . . . . . . . . . . . . 67</a:t>
+            </a:r>
+          </a:p>
+          <a:p>
+            <a:r>
+              <a:rPr lang="en-US" sz="700" dirty="0" smtClean="0"/>
+              <a:t>    5.5.5.2 </a:t>
+            </a:r>
+            <a:r>
+              <a:rPr lang="en-US" sz="700" dirty="0"/>
+              <a:t>Definition of characteristic times . . . . . . . . . . . . . . . . . . . . . . . . . 67</a:t>
+            </a:r>
+          </a:p>
+          <a:p>
+            <a:r>
+              <a:rPr lang="en-US" sz="700" dirty="0" smtClean="0"/>
+              <a:t>  5.5.6 </a:t>
+            </a:r>
+            <a:r>
+              <a:rPr lang="en-US" sz="700" dirty="0"/>
+              <a:t>Gaseous field and dense core characterization . . . . . . . . . . . . . . . . . . . . . . . 67</a:t>
+            </a:r>
+          </a:p>
+          <a:p>
+            <a:r>
+              <a:rPr lang="fr-FR" sz="700" dirty="0" smtClean="0"/>
+              <a:t>  5.5.7 </a:t>
+            </a:r>
+            <a:r>
+              <a:rPr lang="fr-FR" sz="700" dirty="0" err="1"/>
+              <a:t>Frequential</a:t>
+            </a:r>
+            <a:r>
+              <a:rPr lang="fr-FR" sz="700" dirty="0"/>
+              <a:t> </a:t>
+            </a:r>
+            <a:r>
+              <a:rPr lang="fr-FR" sz="700" dirty="0" err="1"/>
+              <a:t>analysis</a:t>
+            </a:r>
+            <a:r>
+              <a:rPr lang="fr-FR" sz="700" dirty="0"/>
+              <a:t> . . . . . . . . . . . . . . . . . . . . . . . . . . . . . . . . . . . . . 67</a:t>
+            </a:r>
+          </a:p>
+          <a:p>
+            <a:r>
+              <a:rPr lang="fr-FR" sz="700" dirty="0" smtClean="0"/>
+              <a:t>  5.5.8 </a:t>
+            </a:r>
+            <a:r>
+              <a:rPr lang="fr-FR" sz="700" dirty="0" err="1"/>
+              <a:t>Computational</a:t>
+            </a:r>
+            <a:r>
+              <a:rPr lang="fr-FR" sz="700" dirty="0"/>
+              <a:t> performances . . . . . . . . . . . . . . . . . . . . . . . . . . . . . . . . 69</a:t>
+            </a:r>
+          </a:p>
+          <a:p>
+            <a:r>
+              <a:rPr lang="en-US" sz="700" dirty="0" smtClean="0"/>
+              <a:t>  5.5.9 </a:t>
+            </a:r>
+            <a:r>
+              <a:rPr lang="en-US" sz="700" dirty="0"/>
+              <a:t>Spatial discretization of sprays . . . . . . . . . . . . . . . . . . . . . . . . . . . . . . . 69</a:t>
+            </a:r>
+          </a:p>
+          <a:p>
+            <a:r>
+              <a:rPr lang="fr-FR" sz="700" dirty="0"/>
+              <a:t>5.6 Learning </a:t>
+            </a:r>
+            <a:r>
+              <a:rPr lang="fr-FR" sz="700" dirty="0" err="1"/>
+              <a:t>injectors</a:t>
+            </a:r>
+            <a:r>
+              <a:rPr lang="fr-FR" sz="700" dirty="0"/>
+              <a:t> . . . . . . . . . . . . . . . . . . . . . . . . . . . . . . . . . . . . . . . . . . 69</a:t>
+            </a:r>
+          </a:p>
+          <a:p>
+            <a:r>
+              <a:rPr lang="en-US" sz="700" dirty="0" smtClean="0"/>
+              <a:t>  5.6.1 </a:t>
+            </a:r>
+            <a:r>
+              <a:rPr lang="en-US" sz="700" dirty="0"/>
+              <a:t>Operating point at high We . . . . . . . . . . . . . . . . . . . . . . . . . . . . . . . . . 69</a:t>
+            </a:r>
+          </a:p>
+          <a:p>
+            <a:r>
+              <a:rPr lang="en-US" sz="700" dirty="0" smtClean="0"/>
+              <a:t>  5.6.2 </a:t>
+            </a:r>
+            <a:r>
+              <a:rPr lang="en-US" sz="700" dirty="0"/>
+              <a:t>Operating point at low We . . . . . . . . . . . . . . . . . . . . . . . . . . . . . . . . . 69</a:t>
+            </a:r>
+          </a:p>
+          <a:p>
+            <a:r>
+              <a:rPr lang="fr-FR" sz="700" dirty="0"/>
+              <a:t>5.7 Conclusions . . . . . . . . . . . . . . . . . . . . . . . . . . . . . . . . . . . . . . . . . . . . . . 69</a:t>
+            </a:r>
+            <a:endParaRPr lang="fr-FR" sz="700" dirty="0"/>
+          </a:p>
+        </p:txBody>
+      </p:sp>
     </p:spTree>
     <p:extLst>
       <p:ext uri="{BB962C8B-B14F-4D97-AF65-F5344CB8AC3E}">
@@ -21354,24 +21530,63 @@
           <a:p>
             <a:r>
               <a:rPr lang="fr-FR" sz="800" dirty="0" smtClean="0"/>
-              <a:t>  8.1 </a:t>
-            </a:r>
-            <a:r>
-              <a:rPr lang="fr-FR" sz="800" dirty="0"/>
+              <a:t>  </a:t>
+            </a:r>
+            <a:r>
+              <a:rPr lang="fr-FR" sz="800" dirty="0" smtClean="0">
+                <a:solidFill>
+                  <a:schemeClr val="accent1">
+                    <a:lumMod val="40000"/>
+                    <a:lumOff val="60000"/>
+                  </a:schemeClr>
+                </a:solidFill>
+              </a:rPr>
+              <a:t>8.1 </a:t>
+            </a:r>
+            <a:r>
+              <a:rPr lang="fr-FR" sz="800" dirty="0">
+                <a:solidFill>
+                  <a:schemeClr val="accent1">
+                    <a:lumMod val="40000"/>
+                    <a:lumOff val="60000"/>
+                  </a:schemeClr>
+                </a:solidFill>
+              </a:rPr>
               <a:t>Introduction . . . . . . . . . . . . . . . . . . . . . . . . . . . . . . . . . . . . . . . . . . . . . . 24</a:t>
             </a:r>
           </a:p>
           <a:p>
             <a:r>
-              <a:rPr lang="fr-FR" sz="800" dirty="0" smtClean="0"/>
+              <a:rPr lang="fr-FR" sz="800" dirty="0" smtClean="0">
+                <a:solidFill>
+                  <a:schemeClr val="accent1">
+                    <a:lumMod val="40000"/>
+                    <a:lumOff val="60000"/>
+                  </a:schemeClr>
+                </a:solidFill>
+              </a:rPr>
               <a:t>  8.2 </a:t>
             </a:r>
             <a:r>
-              <a:rPr lang="fr-FR" sz="800" dirty="0" err="1"/>
+              <a:rPr lang="fr-FR" sz="800" dirty="0" err="1">
+                <a:solidFill>
+                  <a:schemeClr val="accent1">
+                    <a:lumMod val="40000"/>
+                    <a:lumOff val="60000"/>
+                  </a:schemeClr>
+                </a:solidFill>
+              </a:rPr>
               <a:t>Numerical</a:t>
             </a:r>
             <a:r>
-              <a:rPr lang="fr-FR" sz="800" dirty="0"/>
+              <a:rPr lang="fr-FR" sz="800" dirty="0">
+                <a:solidFill>
+                  <a:schemeClr val="accent1">
+                    <a:lumMod val="40000"/>
+                    <a:lumOff val="60000"/>
+                  </a:schemeClr>
+                </a:solidFill>
+              </a:rPr>
               <a:t> setup . . . . . . . . . . . . . . . . . . . . . . . . . . . . . . . . . . . . . . . . . . . 24</a:t>
             </a:r>
           </a:p>
@@ -21703,7 +21918,7 @@
           <a:p>
             <a:r>
               <a:rPr lang="fr-FR" sz="700" b="1" dirty="0" smtClean="0"/>
-              <a:t>10 %</a:t>
+              <a:t>15 %</a:t>
             </a:r>
             <a:endParaRPr lang="fr-FR" sz="100" dirty="0"/>
           </a:p>
@@ -21780,7 +21995,7 @@
           <p:spPr>
             <a:xfrm>
               <a:off x="1115616" y="1300690"/>
-              <a:ext cx="123995" cy="216024"/>
+              <a:ext cx="176346" cy="216024"/>
             </a:xfrm>
             <a:prstGeom prst="rect">
               <a:avLst/>
@@ -21826,7 +22041,7 @@
         </p:nvSpPr>
         <p:spPr>
           <a:xfrm>
-            <a:off x="4644008" y="343568"/>
+            <a:off x="4689953" y="343569"/>
             <a:ext cx="340158" cy="200055"/>
           </a:xfrm>
           <a:prstGeom prst="rect">
@@ -21842,7 +22057,7 @@
           <a:p>
             <a:r>
               <a:rPr lang="fr-FR" sz="700" b="1" dirty="0" smtClean="0"/>
-              <a:t>0 %</a:t>
+              <a:t>5 %</a:t>
             </a:r>
             <a:endParaRPr lang="fr-FR" sz="100" dirty="0"/>
           </a:p>
@@ -21856,10 +22071,10 @@
         </p:nvGrpSpPr>
         <p:grpSpPr>
           <a:xfrm>
-            <a:off x="4767969" y="552506"/>
-            <a:ext cx="1080120" cy="147289"/>
+            <a:off x="4767969" y="552507"/>
+            <a:ext cx="1080120" cy="189847"/>
             <a:chOff x="1115616" y="1300690"/>
-            <a:chExt cx="1584176" cy="216024"/>
+            <a:chExt cx="1584176" cy="278442"/>
           </a:xfrm>
         </p:grpSpPr>
         <p:sp>
@@ -21919,7 +22134,7 @@
           <p:spPr>
             <a:xfrm>
               <a:off x="1115616" y="1300690"/>
-              <a:ext cx="67055" cy="216024"/>
+              <a:ext cx="135026" cy="278442"/>
             </a:xfrm>
             <a:prstGeom prst="rect">
               <a:avLst/>
@@ -23325,6 +23540,11 @@
 
 <file path=customXml/item1.xml><?xml version="1.0" encoding="utf-8"?>
 <?mso-contentType ?>
+<SharedContentType xmlns="Microsoft.SharePoint.Taxonomy.ContentTypeSync" SourceId="45132351-61c7-4947-8fdd-28b295696121" ContentTypeId="0x010100D21E0D47AF3242459E2F63E44FCC089100777D7FF5B336497A8022BDD96D52F206" PreviousValue="false"/>
+</file>
+
+<file path=customXml/item2.xml><?xml version="1.0" encoding="utf-8"?>
+<?mso-contentType ?>
 <FormTemplates xmlns="http://schemas.microsoft.com/sharepoint/v3/contenttype/forms">
   <Display>DocumentLibraryForm</Display>
   <Edit>DocumentLibraryForm</Edit>
@@ -23332,12 +23552,79 @@
 </FormTemplates>
 </file>
 
-<file path=customXml/item2.xml><?xml version="1.0" encoding="utf-8"?>
-<?mso-contentType ?>
-<SharedContentType xmlns="Microsoft.SharePoint.Taxonomy.ContentTypeSync" SourceId="45132351-61c7-4947-8fdd-28b295696121" ContentTypeId="0x010100D21E0D47AF3242459E2F63E44FCC089100777D7FF5B336497A8022BDD96D52F206" PreviousValue="false"/>
+<file path=customXml/item3.xml><?xml version="1.0" encoding="utf-8"?>
+<p:properties xmlns:p="http://schemas.microsoft.com/office/2006/metadata/properties" xmlns:xsi="http://www.w3.org/2001/XMLSchema-instance" xmlns:pc="http://schemas.microsoft.com/office/infopath/2007/PartnerControls">
+  <documentManagement>
+    <TaxCatchAllLabel xmlns="594212a7-a8eb-497d-bd6b-0e3a174923ee"/>
+    <hbb7c253cca74a7eb37893d2c784478e xmlns="594212a7-a8eb-497d-bd6b-0e3a174923ee">
+      <Terms xmlns="http://schemas.microsoft.com/office/infopath/2007/PartnerControls">
+        <TermInfo xmlns="http://schemas.microsoft.com/office/infopath/2007/PartnerControls">
+          <TermName xmlns="http://schemas.microsoft.com/office/infopath/2007/PartnerControls">Société de rang 1</TermName>
+          <TermId xmlns="http://schemas.microsoft.com/office/infopath/2007/PartnerControls">153bb90e-11c3-427f-ad6a-31f0311df60b</TermId>
+        </TermInfo>
+      </Terms>
+    </hbb7c253cca74a7eb37893d2c784478e>
+    <PublishingRollupImage xmlns="http://schemas.microsoft.com/sharepoint/v3" xsi:nil="true"/>
+    <j0d00d49c94f4a41889fe0a90686fcf3 xmlns="594212a7-a8eb-497d-bd6b-0e3a174923ee">
+      <Terms xmlns="http://schemas.microsoft.com/office/infopath/2007/PartnerControls">
+        <TermInfo xmlns="http://schemas.microsoft.com/office/infopath/2007/PartnerControls">
+          <TermName xmlns="http://schemas.microsoft.com/office/infopath/2007/PartnerControls">Modèle de PowerPoint</TermName>
+          <TermId xmlns="http://schemas.microsoft.com/office/infopath/2007/PartnerControls">80c833d3-038d-45cb-b65f-a8d2234b6314</TermId>
+        </TermInfo>
+      </Terms>
+    </j0d00d49c94f4a41889fe0a90686fcf3>
+    <bf182a5ee3d048a18e411565aa2e2f45 xmlns="594212a7-a8eb-497d-bd6b-0e3a174923ee">
+      <Terms xmlns="http://schemas.microsoft.com/office/infopath/2007/PartnerControls"/>
+    </bf182a5ee3d048a18e411565aa2e2f45>
+    <e52db41c680243efb0b30a61ab228ec7 xmlns="594212a7-a8eb-497d-bd6b-0e3a174923ee">
+      <Terms xmlns="http://schemas.microsoft.com/office/infopath/2007/PartnerControls"/>
+    </e52db41c680243efb0b30a61ab228ec7>
+    <SAF_RollupImageUrl xmlns="594212a7-a8eb-497d-bd6b-0e3a174923ee" xsi:nil="true"/>
+    <caf53a6a65da4c24b32d62b4b62720b3 xmlns="594212a7-a8eb-497d-bd6b-0e3a174923ee">
+      <Terms xmlns="http://schemas.microsoft.com/office/infopath/2007/PartnerControls"/>
+    </caf53a6a65da4c24b32d62b4b62720b3>
+    <m7fd08401b3947dfa98de00fecb0dae1 xmlns="594212a7-a8eb-497d-bd6b-0e3a174923ee">
+      <Terms xmlns="http://schemas.microsoft.com/office/infopath/2007/PartnerControls"/>
+    </m7fd08401b3947dfa98de00fecb0dae1>
+    <ad37d51a25df4e05a3b157053c5270a3 xmlns="594212a7-a8eb-497d-bd6b-0e3a174923ee">
+      <Terms xmlns="http://schemas.microsoft.com/office/infopath/2007/PartnerControls"/>
+    </ad37d51a25df4e05a3b157053c5270a3>
+    <SAF_DateDeMiseAJour xmlns="594212a7-a8eb-497d-bd6b-0e3a174923ee">2017-12-05T23:00:00+00:00</SAF_DateDeMiseAJour>
+    <a825e358ec1643889847765ed6ff8a73 xmlns="594212a7-a8eb-497d-bd6b-0e3a174923ee">
+      <Terms xmlns="http://schemas.microsoft.com/office/infopath/2007/PartnerControls"/>
+    </a825e358ec1643889847765ed6ff8a73>
+    <SAF_Auteur xmlns="594212a7-a8eb-497d-bd6b-0e3a174923ee" xsi:nil="true"/>
+    <Audience xmlns="http://schemas.microsoft.com/sharepoint/v3">a14e28f2-7f35-472e-920e-eb355f588917;;;;</Audience>
+    <TaxCatchAll xmlns="594212a7-a8eb-497d-bd6b-0e3a174923ee">
+      <Value>13</Value>
+      <Value>4</Value>
+      <Value>2</Value>
+    </TaxCatchAll>
+    <SharePoint_Group_Language xmlns="594212a7-a8eb-497d-bd6b-0e3a174923ee">0</SharePoint_Group_Language>
+    <e2fa6dee792b43efac6bb28cb4245109 xmlns="594212a7-a8eb-497d-bd6b-0e3a174923ee">
+      <Terms xmlns="http://schemas.microsoft.com/office/infopath/2007/PartnerControls">
+        <TermInfo xmlns="http://schemas.microsoft.com/office/infopath/2007/PartnerControls">
+          <TermName xmlns="http://schemas.microsoft.com/office/infopath/2007/PartnerControls">Safran SA</TermName>
+          <TermId xmlns="http://schemas.microsoft.com/office/infopath/2007/PartnerControls">aaa54815-a829-4454-b47a-5471280a13ab</TermId>
+        </TermInfo>
+      </Terms>
+    </e2fa6dee792b43efac6bb28cb4245109>
+    <fd69f967cfe64500a3ea9d72cb3281b0 xmlns="594212a7-a8eb-497d-bd6b-0e3a174923ee">
+      <Terms xmlns="http://schemas.microsoft.com/office/infopath/2007/PartnerControls"/>
+    </fd69f967cfe64500a3ea9d72cb3281b0>
+    <SAF_Descriptif xmlns="594212a7-a8eb-497d-bd6b-0e3a174923ee">MODELE POWERPOINT - SAFRAN</SAF_Descriptif>
+    <TaxKeywordTaxHTField xmlns="594212a7-a8eb-497d-bd6b-0e3a174923ee">
+      <Terms xmlns="http://schemas.microsoft.com/office/infopath/2007/PartnerControls"/>
+    </TaxKeywordTaxHTField>
+    <l0cedefb36e74dc2b968aa0e806ff5e3 xmlns="594212a7-a8eb-497d-bd6b-0e3a174923ee">
+      <Terms xmlns="http://schemas.microsoft.com/office/infopath/2007/PartnerControls"/>
+    </l0cedefb36e74dc2b968aa0e806ff5e3>
+    <SharePoint_Item_Language xmlns="594212a7-a8eb-497d-bd6b-0e3a174923ee">FR</SharePoint_Item_Language>
+  </documentManagement>
+</p:properties>
 </file>
 
-<file path=customXml/item3.xml><?xml version="1.0" encoding="utf-8"?>
+<file path=customXml/item4.xml><?xml version="1.0" encoding="utf-8"?>
 <ct:contentTypeSchema xmlns:ct="http://schemas.microsoft.com/office/2006/metadata/contentType" xmlns:ma="http://schemas.microsoft.com/office/2006/metadata/properties/metaAttributes" ct:_="" ma:_="" ma:contentTypeName="Insite document" ma:contentTypeID="0x010100D21E0D47AF3242459E2F63E44FCC089100777D7FF5B336497A8022BDD96D52F20600200793A640610C4398BA0220248CC219" ma:contentTypeVersion="22" ma:contentTypeDescription="Create Insite document" ma:contentTypeScope="" ma:versionID="032b97a2f15e5661ca0fa000ac2738a1">
   <xsd:schema xmlns:xsd="http://www.w3.org/2001/XMLSchema" xmlns:xs="http://www.w3.org/2001/XMLSchema" xmlns:p="http://schemas.microsoft.com/office/2006/metadata/properties" xmlns:ns1="http://schemas.microsoft.com/sharepoint/v3" xmlns:ns2="594212a7-a8eb-497d-bd6b-0e3a174923ee" targetNamespace="http://schemas.microsoft.com/office/2006/metadata/properties" ma:root="true" ma:fieldsID="fcc802b47a8da61df372a5b0ec1371ba" ns1:_="" ns2:_="">
     <xsd:import namespace="http://schemas.microsoft.com/sharepoint/v3"/>
@@ -23638,79 +23925,15 @@
 </ct:contentTypeSchema>
 </file>
 
-<file path=customXml/item4.xml><?xml version="1.0" encoding="utf-8"?>
-<p:properties xmlns:p="http://schemas.microsoft.com/office/2006/metadata/properties" xmlns:xsi="http://www.w3.org/2001/XMLSchema-instance" xmlns:pc="http://schemas.microsoft.com/office/infopath/2007/PartnerControls">
-  <documentManagement>
-    <TaxCatchAllLabel xmlns="594212a7-a8eb-497d-bd6b-0e3a174923ee"/>
-    <hbb7c253cca74a7eb37893d2c784478e xmlns="594212a7-a8eb-497d-bd6b-0e3a174923ee">
-      <Terms xmlns="http://schemas.microsoft.com/office/infopath/2007/PartnerControls">
-        <TermInfo xmlns="http://schemas.microsoft.com/office/infopath/2007/PartnerControls">
-          <TermName xmlns="http://schemas.microsoft.com/office/infopath/2007/PartnerControls">Société de rang 1</TermName>
-          <TermId xmlns="http://schemas.microsoft.com/office/infopath/2007/PartnerControls">153bb90e-11c3-427f-ad6a-31f0311df60b</TermId>
-        </TermInfo>
-      </Terms>
-    </hbb7c253cca74a7eb37893d2c784478e>
-    <PublishingRollupImage xmlns="http://schemas.microsoft.com/sharepoint/v3" xsi:nil="true"/>
-    <j0d00d49c94f4a41889fe0a90686fcf3 xmlns="594212a7-a8eb-497d-bd6b-0e3a174923ee">
-      <Terms xmlns="http://schemas.microsoft.com/office/infopath/2007/PartnerControls">
-        <TermInfo xmlns="http://schemas.microsoft.com/office/infopath/2007/PartnerControls">
-          <TermName xmlns="http://schemas.microsoft.com/office/infopath/2007/PartnerControls">Modèle de PowerPoint</TermName>
-          <TermId xmlns="http://schemas.microsoft.com/office/infopath/2007/PartnerControls">80c833d3-038d-45cb-b65f-a8d2234b6314</TermId>
-        </TermInfo>
-      </Terms>
-    </j0d00d49c94f4a41889fe0a90686fcf3>
-    <bf182a5ee3d048a18e411565aa2e2f45 xmlns="594212a7-a8eb-497d-bd6b-0e3a174923ee">
-      <Terms xmlns="http://schemas.microsoft.com/office/infopath/2007/PartnerControls"/>
-    </bf182a5ee3d048a18e411565aa2e2f45>
-    <e52db41c680243efb0b30a61ab228ec7 xmlns="594212a7-a8eb-497d-bd6b-0e3a174923ee">
-      <Terms xmlns="http://schemas.microsoft.com/office/infopath/2007/PartnerControls"/>
-    </e52db41c680243efb0b30a61ab228ec7>
-    <SAF_RollupImageUrl xmlns="594212a7-a8eb-497d-bd6b-0e3a174923ee" xsi:nil="true"/>
-    <caf53a6a65da4c24b32d62b4b62720b3 xmlns="594212a7-a8eb-497d-bd6b-0e3a174923ee">
-      <Terms xmlns="http://schemas.microsoft.com/office/infopath/2007/PartnerControls"/>
-    </caf53a6a65da4c24b32d62b4b62720b3>
-    <m7fd08401b3947dfa98de00fecb0dae1 xmlns="594212a7-a8eb-497d-bd6b-0e3a174923ee">
-      <Terms xmlns="http://schemas.microsoft.com/office/infopath/2007/PartnerControls"/>
-    </m7fd08401b3947dfa98de00fecb0dae1>
-    <ad37d51a25df4e05a3b157053c5270a3 xmlns="594212a7-a8eb-497d-bd6b-0e3a174923ee">
-      <Terms xmlns="http://schemas.microsoft.com/office/infopath/2007/PartnerControls"/>
-    </ad37d51a25df4e05a3b157053c5270a3>
-    <SAF_DateDeMiseAJour xmlns="594212a7-a8eb-497d-bd6b-0e3a174923ee">2017-12-05T23:00:00+00:00</SAF_DateDeMiseAJour>
-    <a825e358ec1643889847765ed6ff8a73 xmlns="594212a7-a8eb-497d-bd6b-0e3a174923ee">
-      <Terms xmlns="http://schemas.microsoft.com/office/infopath/2007/PartnerControls"/>
-    </a825e358ec1643889847765ed6ff8a73>
-    <SAF_Auteur xmlns="594212a7-a8eb-497d-bd6b-0e3a174923ee" xsi:nil="true"/>
-    <Audience xmlns="http://schemas.microsoft.com/sharepoint/v3">a14e28f2-7f35-472e-920e-eb355f588917;;;;</Audience>
-    <TaxCatchAll xmlns="594212a7-a8eb-497d-bd6b-0e3a174923ee">
-      <Value>13</Value>
-      <Value>4</Value>
-      <Value>2</Value>
-    </TaxCatchAll>
-    <SharePoint_Group_Language xmlns="594212a7-a8eb-497d-bd6b-0e3a174923ee">0</SharePoint_Group_Language>
-    <e2fa6dee792b43efac6bb28cb4245109 xmlns="594212a7-a8eb-497d-bd6b-0e3a174923ee">
-      <Terms xmlns="http://schemas.microsoft.com/office/infopath/2007/PartnerControls">
-        <TermInfo xmlns="http://schemas.microsoft.com/office/infopath/2007/PartnerControls">
-          <TermName xmlns="http://schemas.microsoft.com/office/infopath/2007/PartnerControls">Safran SA</TermName>
-          <TermId xmlns="http://schemas.microsoft.com/office/infopath/2007/PartnerControls">aaa54815-a829-4454-b47a-5471280a13ab</TermId>
-        </TermInfo>
-      </Terms>
-    </e2fa6dee792b43efac6bb28cb4245109>
-    <fd69f967cfe64500a3ea9d72cb3281b0 xmlns="594212a7-a8eb-497d-bd6b-0e3a174923ee">
-      <Terms xmlns="http://schemas.microsoft.com/office/infopath/2007/PartnerControls"/>
-    </fd69f967cfe64500a3ea9d72cb3281b0>
-    <SAF_Descriptif xmlns="594212a7-a8eb-497d-bd6b-0e3a174923ee">MODELE POWERPOINT - SAFRAN</SAF_Descriptif>
-    <TaxKeywordTaxHTField xmlns="594212a7-a8eb-497d-bd6b-0e3a174923ee">
-      <Terms xmlns="http://schemas.microsoft.com/office/infopath/2007/PartnerControls"/>
-    </TaxKeywordTaxHTField>
-    <l0cedefb36e74dc2b968aa0e806ff5e3 xmlns="594212a7-a8eb-497d-bd6b-0e3a174923ee">
-      <Terms xmlns="http://schemas.microsoft.com/office/infopath/2007/PartnerControls"/>
-    </l0cedefb36e74dc2b968aa0e806ff5e3>
-    <SharePoint_Item_Language xmlns="594212a7-a8eb-497d-bd6b-0e3a174923ee">FR</SharePoint_Item_Language>
-  </documentManagement>
-</p:properties>
+<file path=customXml/itemProps1.xml><?xml version="1.0" encoding="utf-8"?>
+<ds:datastoreItem xmlns:ds="http://schemas.openxmlformats.org/officeDocument/2006/customXml" ds:itemID="{0A838253-757E-43D6-95F9-1423CFF29EBD}">
+  <ds:schemaRefs>
+    <ds:schemaRef ds:uri="Microsoft.SharePoint.Taxonomy.ContentTypeSync"/>
+  </ds:schemaRefs>
+</ds:datastoreItem>
 </file>
 
-<file path=customXml/itemProps1.xml><?xml version="1.0" encoding="utf-8"?>
+<file path=customXml/itemProps2.xml><?xml version="1.0" encoding="utf-8"?>
 <ds:datastoreItem xmlns:ds="http://schemas.openxmlformats.org/officeDocument/2006/customXml" ds:itemID="{0F8E8D54-22DD-435F-B0BC-857E14266D0E}">
   <ds:schemaRefs>
     <ds:schemaRef ds:uri="http://schemas.microsoft.com/sharepoint/v3/contenttype/forms"/>
@@ -23718,15 +23941,24 @@
 </ds:datastoreItem>
 </file>
 
-<file path=customXml/itemProps2.xml><?xml version="1.0" encoding="utf-8"?>
-<ds:datastoreItem xmlns:ds="http://schemas.openxmlformats.org/officeDocument/2006/customXml" ds:itemID="{0A838253-757E-43D6-95F9-1423CFF29EBD}">
+<file path=customXml/itemProps3.xml><?xml version="1.0" encoding="utf-8"?>
+<ds:datastoreItem xmlns:ds="http://schemas.openxmlformats.org/officeDocument/2006/customXml" ds:itemID="{D49C4E90-7152-457B-8ABA-0A464531BBF0}">
   <ds:schemaRefs>
-    <ds:schemaRef ds:uri="Microsoft.SharePoint.Taxonomy.ContentTypeSync"/>
+    <ds:schemaRef ds:uri="http://schemas.microsoft.com/office/infopath/2007/PartnerControls"/>
+    <ds:schemaRef ds:uri="http://purl.org/dc/elements/1.1/"/>
+    <ds:schemaRef ds:uri="http://schemas.microsoft.com/sharepoint/v3"/>
+    <ds:schemaRef ds:uri="http://schemas.microsoft.com/office/2006/documentManagement/types"/>
+    <ds:schemaRef ds:uri="594212a7-a8eb-497d-bd6b-0e3a174923ee"/>
+    <ds:schemaRef ds:uri="http://purl.org/dc/dcmitype/"/>
+    <ds:schemaRef ds:uri="http://schemas.openxmlformats.org/package/2006/metadata/core-properties"/>
+    <ds:schemaRef ds:uri="http://schemas.microsoft.com/office/2006/metadata/properties"/>
+    <ds:schemaRef ds:uri="http://www.w3.org/XML/1998/namespace"/>
+    <ds:schemaRef ds:uri="http://purl.org/dc/terms/"/>
   </ds:schemaRefs>
 </ds:datastoreItem>
 </file>
 
-<file path=customXml/itemProps3.xml><?xml version="1.0" encoding="utf-8"?>
+<file path=customXml/itemProps4.xml><?xml version="1.0" encoding="utf-8"?>
 <ds:datastoreItem xmlns:ds="http://schemas.openxmlformats.org/officeDocument/2006/customXml" ds:itemID="{F698CC1E-11F0-453E-939E-E7CFB437D6BB}">
   <ds:schemaRefs>
     <ds:schemaRef ds:uri="http://schemas.microsoft.com/office/2006/metadata/contentType"/>
@@ -23743,21 +23975,4 @@
     <ds:schemaRef ds:uri="http://schemas.microsoft.com/internal/obd"/>
   </ds:schemaRefs>
 </ds:datastoreItem>
-</file>
-
-<file path=customXml/itemProps4.xml><?xml version="1.0" encoding="utf-8"?>
-<ds:datastoreItem xmlns:ds="http://schemas.openxmlformats.org/officeDocument/2006/customXml" ds:itemID="{D49C4E90-7152-457B-8ABA-0A464531BBF0}">
-  <ds:schemaRefs>
-    <ds:schemaRef ds:uri="http://schemas.microsoft.com/office/infopath/2007/PartnerControls"/>
-    <ds:schemaRef ds:uri="http://purl.org/dc/elements/1.1/"/>
-    <ds:schemaRef ds:uri="http://schemas.microsoft.com/sharepoint/v3"/>
-    <ds:schemaRef ds:uri="http://schemas.microsoft.com/office/2006/documentManagement/types"/>
-    <ds:schemaRef ds:uri="594212a7-a8eb-497d-bd6b-0e3a174923ee"/>
-    <ds:schemaRef ds:uri="http://purl.org/dc/dcmitype/"/>
-    <ds:schemaRef ds:uri="http://schemas.openxmlformats.org/package/2006/metadata/core-properties"/>
-    <ds:schemaRef ds:uri="http://schemas.microsoft.com/office/2006/metadata/properties"/>
-    <ds:schemaRef ds:uri="http://www.w3.org/XML/1998/namespace"/>
-    <ds:schemaRef ds:uri="http://purl.org/dc/terms/"/>
-  </ds:schemaRefs>
-</ds:datastoreItem>
 </file>
--- a/etat_avancement_manuscript_these.pptx
+++ b/etat_avancement_manuscript_these.pptx
@@ -347,7 +347,7 @@
             <a:fld id="{D680E798-53FF-4C51-A981-953463752515}" type="datetimeFigureOut">
               <a:rPr lang="fr-FR" smtClean="0"/>
               <a:pPr/>
-              <a:t>01/06/2021</a:t>
+              <a:t>11/08/2021</a:t>
             </a:fld>
             <a:endParaRPr lang="fr-FR" dirty="0"/>
           </a:p>
@@ -18638,7 +18638,7 @@
             <a:r>
               <a:rPr lang="en-US" sz="700" dirty="0" smtClean="0">
                 <a:solidFill>
-                  <a:srgbClr val="00B0F0"/>
+                  <a:srgbClr val="00B050"/>
                 </a:solidFill>
               </a:rPr>
               <a:t>  1.4 </a:t>
@@ -18646,14 +18646,14 @@
             <a:r>
               <a:rPr lang="en-US" sz="700" dirty="0">
                 <a:solidFill>
-                  <a:srgbClr val="00B0F0"/>
+                  <a:srgbClr val="00B050"/>
                 </a:solidFill>
               </a:rPr>
               <a:t>Objective and thesis outline . . . . . . . . . . . . . . . . . . . . . . . . . . . . . . . . . . . . . 1</a:t>
             </a:r>
             <a:endParaRPr lang="fr-FR" sz="700" dirty="0">
               <a:solidFill>
-                <a:srgbClr val="00B0F0"/>
+                <a:srgbClr val="00B050"/>
               </a:solidFill>
             </a:endParaRPr>
           </a:p>
@@ -19469,7 +19469,11 @@
           <a:p>
             <a:r>
               <a:rPr lang="fr-FR" sz="700" b="1" dirty="0" smtClean="0"/>
-              <a:t>90 %</a:t>
+              <a:t>95 </a:t>
+            </a:r>
+            <a:r>
+              <a:rPr lang="fr-FR" sz="700" b="1" dirty="0" smtClean="0"/>
+              <a:t>%</a:t>
             </a:r>
             <a:endParaRPr lang="fr-FR" sz="100" dirty="0"/>
           </a:p>
@@ -19796,9 +19800,9 @@
         <p:grpSpPr>
           <a:xfrm>
             <a:off x="5038401" y="287117"/>
-            <a:ext cx="1099321" cy="155196"/>
+            <a:ext cx="1099321" cy="147289"/>
             <a:chOff x="1087455" y="1300690"/>
-            <a:chExt cx="1612337" cy="227621"/>
+            <a:chExt cx="1612337" cy="216024"/>
           </a:xfrm>
         </p:grpSpPr>
         <p:sp>
@@ -19858,7 +19862,7 @@
           <p:spPr>
             <a:xfrm>
               <a:off x="1087455" y="1300690"/>
-              <a:ext cx="477674" cy="227621"/>
+              <a:ext cx="976398" cy="216024"/>
             </a:xfrm>
             <a:prstGeom prst="rect">
               <a:avLst/>
@@ -19920,7 +19924,7 @@
           <a:p>
             <a:r>
               <a:rPr lang="fr-FR" sz="700" b="1" dirty="0"/>
-              <a:t>3</a:t>
+              <a:t>6</a:t>
             </a:r>
             <a:r>
               <a:rPr lang="fr-FR" sz="700" b="1" dirty="0" smtClean="0"/>
@@ -19938,8 +19942,8 @@
         </p:nvSpPr>
         <p:spPr>
           <a:xfrm>
-            <a:off x="4864732" y="2571750"/>
-            <a:ext cx="340158" cy="200055"/>
+            <a:off x="5057602" y="2545012"/>
+            <a:ext cx="389850" cy="200055"/>
           </a:xfrm>
           <a:prstGeom prst="rect">
             <a:avLst/>
@@ -19953,12 +19957,16 @@
           <a:lstStyle/>
           <a:p>
             <a:r>
-              <a:rPr lang="fr-FR" sz="700" b="1" dirty="0"/>
-              <a:t>5</a:t>
-            </a:r>
-            <a:r>
               <a:rPr lang="fr-FR" sz="700" b="1" dirty="0" smtClean="0"/>
-              <a:t> %</a:t>
+              <a:t>30</a:t>
+            </a:r>
+            <a:r>
+              <a:rPr lang="fr-FR" sz="700" b="1" dirty="0" smtClean="0"/>
+              <a:t> </a:t>
+            </a:r>
+            <a:r>
+              <a:rPr lang="fr-FR" sz="700" b="1" dirty="0" smtClean="0"/>
+              <a:t>%</a:t>
             </a:r>
             <a:endParaRPr lang="fr-FR" sz="100" dirty="0"/>
           </a:p>
@@ -19972,10 +19980,10 @@
         </p:nvGrpSpPr>
         <p:grpSpPr>
           <a:xfrm>
-            <a:off x="5003714" y="2758264"/>
-            <a:ext cx="1080120" cy="147289"/>
-            <a:chOff x="1115616" y="1300690"/>
-            <a:chExt cx="1584176" cy="216024"/>
+            <a:off x="5003714" y="2758262"/>
+            <a:ext cx="1080121" cy="147291"/>
+            <a:chOff x="1115615" y="1300687"/>
+            <a:chExt cx="1584177" cy="216027"/>
           </a:xfrm>
         </p:grpSpPr>
         <p:sp>
@@ -20034,8 +20042,8 @@
           </p:nvSpPr>
           <p:spPr>
             <a:xfrm>
-              <a:off x="1115616" y="1300690"/>
-              <a:ext cx="155099" cy="216024"/>
+              <a:off x="1115615" y="1300687"/>
+              <a:ext cx="422660" cy="216027"/>
             </a:xfrm>
             <a:prstGeom prst="rect">
               <a:avLst/>
@@ -20319,7 +20327,7 @@
             <a:r>
               <a:rPr lang="fr-FR" sz="700" dirty="0" smtClean="0">
                 <a:solidFill>
-                  <a:srgbClr val="FF0000"/>
+                  <a:srgbClr val="00B050"/>
                 </a:solidFill>
               </a:rPr>
               <a:t>    4.4.2 </a:t>
@@ -20327,7 +20335,7 @@
             <a:r>
               <a:rPr lang="fr-FR" sz="700" dirty="0">
                 <a:solidFill>
-                  <a:srgbClr val="FF0000"/>
+                  <a:srgbClr val="00B050"/>
                 </a:solidFill>
               </a:rPr>
               <a:t>Spray convergence . . . . . . . . . . . . . . . . . . . . . . . . . . . . . . . . . . . . . . 10</a:t>
@@ -20369,10 +20377,7 @@
             <a:r>
               <a:rPr lang="fr-FR" sz="700" dirty="0" smtClean="0">
                 <a:solidFill>
-                  <a:schemeClr val="accent1">
-                    <a:lumMod val="40000"/>
-                    <a:lumOff val="60000"/>
-                  </a:schemeClr>
+                  <a:srgbClr val="00B050"/>
                 </a:solidFill>
               </a:rPr>
               <a:t>  4.5 </a:t>
@@ -20380,10 +20385,7 @@
             <a:r>
               <a:rPr lang="fr-FR" sz="700" dirty="0">
                 <a:solidFill>
-                  <a:schemeClr val="accent1">
-                    <a:lumMod val="40000"/>
-                    <a:lumOff val="60000"/>
-                  </a:schemeClr>
+                  <a:srgbClr val="00B050"/>
                 </a:solidFill>
               </a:rPr>
               <a:t>Dense </a:t>
@@ -20391,10 +20393,7 @@
             <a:r>
               <a:rPr lang="fr-FR" sz="700" dirty="0" err="1">
                 <a:solidFill>
-                  <a:schemeClr val="accent1">
-                    <a:lumMod val="40000"/>
-                    <a:lumOff val="60000"/>
-                  </a:schemeClr>
+                  <a:srgbClr val="00B050"/>
                 </a:solidFill>
               </a:rPr>
               <a:t>core</a:t>
@@ -20402,10 +20401,7 @@
             <a:r>
               <a:rPr lang="fr-FR" sz="700" dirty="0">
                 <a:solidFill>
-                  <a:schemeClr val="accent1">
-                    <a:lumMod val="40000"/>
-                    <a:lumOff val="60000"/>
-                  </a:schemeClr>
+                  <a:srgbClr val="00B050"/>
                 </a:solidFill>
               </a:rPr>
               <a:t> </a:t>
@@ -20413,10 +20409,7 @@
             <a:r>
               <a:rPr lang="fr-FR" sz="700" dirty="0" err="1">
                 <a:solidFill>
-                  <a:schemeClr val="accent1">
-                    <a:lumMod val="40000"/>
-                    <a:lumOff val="60000"/>
-                  </a:schemeClr>
+                  <a:srgbClr val="00B050"/>
                 </a:solidFill>
               </a:rPr>
               <a:t>blockage</a:t>
@@ -20424,10 +20417,7 @@
             <a:r>
               <a:rPr lang="fr-FR" sz="700" dirty="0">
                 <a:solidFill>
-                  <a:schemeClr val="accent1">
-                    <a:lumMod val="40000"/>
-                    <a:lumOff val="60000"/>
-                  </a:schemeClr>
+                  <a:srgbClr val="00B050"/>
                 </a:solidFill>
               </a:rPr>
               <a:t> </a:t>
@@ -20435,10 +20425,7 @@
             <a:r>
               <a:rPr lang="fr-FR" sz="700" dirty="0" err="1">
                 <a:solidFill>
-                  <a:schemeClr val="accent1">
-                    <a:lumMod val="40000"/>
-                    <a:lumOff val="60000"/>
-                  </a:schemeClr>
+                  <a:srgbClr val="00B050"/>
                 </a:solidFill>
               </a:rPr>
               <a:t>effect</a:t>
@@ -20446,10 +20433,7 @@
             <a:r>
               <a:rPr lang="fr-FR" sz="700" dirty="0">
                 <a:solidFill>
-                  <a:schemeClr val="accent1">
-                    <a:lumMod val="40000"/>
-                    <a:lumOff val="60000"/>
-                  </a:schemeClr>
+                  <a:srgbClr val="00B050"/>
                 </a:solidFill>
               </a:rPr>
               <a:t> </a:t>
@@ -20457,10 +20441,7 @@
             <a:r>
               <a:rPr lang="fr-FR" sz="700" dirty="0" err="1">
                 <a:solidFill>
-                  <a:schemeClr val="accent1">
-                    <a:lumMod val="40000"/>
-                    <a:lumOff val="60000"/>
-                  </a:schemeClr>
+                  <a:srgbClr val="00B050"/>
                 </a:solidFill>
               </a:rPr>
               <a:t>modeling</a:t>
@@ -20468,10 +20449,7 @@
             <a:r>
               <a:rPr lang="fr-FR" sz="700" dirty="0">
                 <a:solidFill>
-                  <a:schemeClr val="accent1">
-                    <a:lumMod val="40000"/>
-                    <a:lumOff val="60000"/>
-                  </a:schemeClr>
+                  <a:srgbClr val="00B050"/>
                 </a:solidFill>
               </a:rPr>
               <a:t> . . . . . . . . . . . . . . . . . . . . . . . . . . . . . . . . 12</a:t>
@@ -20479,21 +20457,17 @@
           </a:p>
           <a:p>
             <a:r>
-              <a:rPr lang="en-US" sz="700" dirty="0" smtClean="0"/>
-              <a:t>    </a:t>
-            </a:r>
-            <a:r>
               <a:rPr lang="en-US" sz="700" dirty="0" smtClean="0">
                 <a:solidFill>
-                  <a:srgbClr val="00B0F0"/>
+                  <a:srgbClr val="00B050"/>
                 </a:solidFill>
               </a:rPr>
-              <a:t>4.5.1 </a:t>
+              <a:t>    4.5.1 </a:t>
             </a:r>
             <a:r>
               <a:rPr lang="en-US" sz="700" dirty="0">
                 <a:solidFill>
-                  <a:srgbClr val="00B0F0"/>
+                  <a:srgbClr val="00B050"/>
                 </a:solidFill>
               </a:rPr>
               <a:t>Actuator Line Method . . . . . . . . . . . . . . . . . . . . . . . . . . . . . . . . . . . . 12</a:t>
@@ -20501,49 +20475,77 @@
           </a:p>
           <a:p>
             <a:r>
-              <a:rPr lang="en-US" sz="700" dirty="0" smtClean="0"/>
+              <a:rPr lang="en-US" sz="700" dirty="0" smtClean="0">
+                <a:solidFill>
+                  <a:srgbClr val="00B050"/>
+                </a:solidFill>
+              </a:rPr>
               <a:t>    4.5.2 </a:t>
             </a:r>
             <a:r>
-              <a:rPr lang="en-US" sz="700" dirty="0"/>
+              <a:rPr lang="en-US" sz="700" dirty="0">
+                <a:solidFill>
+                  <a:srgbClr val="00B050"/>
+                </a:solidFill>
+              </a:rPr>
               <a:t>Dense core representation as an actuator . . . . . . . . . . . . . . . . . . . . . . . . . . 12</a:t>
             </a:r>
           </a:p>
           <a:p>
             <a:r>
-              <a:rPr lang="fr-FR" sz="700" dirty="0" smtClean="0"/>
+              <a:rPr lang="fr-FR" sz="700" dirty="0" smtClean="0">
+                <a:solidFill>
+                  <a:srgbClr val="00B050"/>
+                </a:solidFill>
+              </a:rPr>
               <a:t>    4.5.3 </a:t>
             </a:r>
             <a:r>
-              <a:rPr lang="fr-FR" sz="700" dirty="0"/>
+              <a:rPr lang="fr-FR" sz="700" dirty="0">
+                <a:solidFill>
+                  <a:srgbClr val="00B050"/>
+                </a:solidFill>
+              </a:rPr>
               <a:t>Forces </a:t>
             </a:r>
             <a:r>
-              <a:rPr lang="fr-FR" sz="700" dirty="0" err="1"/>
+              <a:rPr lang="fr-FR" sz="700" dirty="0" err="1">
+                <a:solidFill>
+                  <a:srgbClr val="00B050"/>
+                </a:solidFill>
+              </a:rPr>
               <a:t>determination</a:t>
             </a:r>
             <a:r>
-              <a:rPr lang="fr-FR" sz="700" dirty="0"/>
+              <a:rPr lang="fr-FR" sz="700" dirty="0">
+                <a:solidFill>
+                  <a:srgbClr val="00B050"/>
+                </a:solidFill>
+              </a:rPr>
               <a:t> . . . . . . . . . . . . . . . . . . . . . . . . . . . . . . . . . . . . . </a:t>
             </a:r>
             <a:r>
-              <a:rPr lang="fr-FR" sz="700" dirty="0" smtClean="0"/>
+              <a:rPr lang="fr-FR" sz="700" dirty="0" smtClean="0">
+                <a:solidFill>
+                  <a:srgbClr val="00B050"/>
+                </a:solidFill>
+              </a:rPr>
               <a:t>12</a:t>
             </a:r>
-            <a:endParaRPr lang="fr-FR" sz="700" dirty="0"/>
-          </a:p>
-          <a:p>
-            <a:r>
-              <a:rPr lang="en-US" sz="700" dirty="0" smtClean="0"/>
-              <a:t>  </a:t>
-            </a:r>
+            <a:endParaRPr lang="fr-FR" sz="700" dirty="0">
+              <a:solidFill>
+                <a:srgbClr val="00B050"/>
+              </a:solidFill>
+            </a:endParaRPr>
+          </a:p>
+          <a:p>
             <a:r>
               <a:rPr lang="en-US" sz="700" dirty="0" smtClean="0">
                 <a:solidFill>
                   <a:srgbClr val="00B050"/>
                 </a:solidFill>
               </a:rPr>
-              <a:t>4.6 </a:t>
+              <a:t>  4.6 </a:t>
             </a:r>
             <a:r>
               <a:rPr lang="en-US" sz="700" dirty="0">
@@ -20706,7 +20708,7 @@
             <a:r>
               <a:rPr lang="fr-FR" sz="700" dirty="0">
                 <a:solidFill>
-                  <a:srgbClr val="00B0F0"/>
+                  <a:srgbClr val="00B050"/>
                 </a:solidFill>
               </a:rPr>
               <a:t>5.1 Introduction . . . . . . . . . . . . . . . . . . . . . . . . . . . . . . . . . . . . . . . . . . . . . . 63</a:t>
@@ -20726,7 +20728,7 @@
             <a:r>
               <a:rPr lang="fr-FR" sz="700" dirty="0">
                 <a:solidFill>
-                  <a:srgbClr val="00B0F0"/>
+                  <a:srgbClr val="00B050"/>
                 </a:solidFill>
               </a:rPr>
               <a:t>5.3 </a:t>
@@ -20734,7 +20736,7 @@
             <a:r>
               <a:rPr lang="fr-FR" sz="700" dirty="0" err="1">
                 <a:solidFill>
-                  <a:srgbClr val="00B0F0"/>
+                  <a:srgbClr val="00B050"/>
                 </a:solidFill>
               </a:rPr>
               <a:t>Computational</a:t>
@@ -20742,7 +20744,7 @@
             <a:r>
               <a:rPr lang="fr-FR" sz="700" dirty="0">
                 <a:solidFill>
-                  <a:srgbClr val="00B0F0"/>
+                  <a:srgbClr val="00B050"/>
                 </a:solidFill>
               </a:rPr>
               <a:t> setup . . . . . . . . . . . . . . . . . . . . . . . . . . . . . . . . . . . . . . . . . 64</a:t>
@@ -20750,37 +20752,65 @@
           </a:p>
           <a:p>
             <a:r>
-              <a:rPr lang="en-US" sz="700" dirty="0"/>
+              <a:rPr lang="en-US" sz="700" dirty="0">
+                <a:solidFill>
+                  <a:srgbClr val="00B050"/>
+                </a:solidFill>
+              </a:rPr>
               <a:t>5.4 Tools and methodologies . . . . . . . . . . . . . . . . . . . . . . . . . . . . . . . . . . . . . . . 65</a:t>
             </a:r>
           </a:p>
           <a:p>
             <a:r>
-              <a:rPr lang="en-US" sz="700" dirty="0" smtClean="0"/>
+              <a:rPr lang="en-US" sz="700" dirty="0" smtClean="0">
+                <a:solidFill>
+                  <a:srgbClr val="00B050"/>
+                </a:solidFill>
+              </a:rPr>
               <a:t>  5.4.1 </a:t>
             </a:r>
             <a:r>
-              <a:rPr lang="en-US" sz="700" dirty="0"/>
+              <a:rPr lang="en-US" sz="700" dirty="0">
+                <a:solidFill>
+                  <a:srgbClr val="00B050"/>
+                </a:solidFill>
+              </a:rPr>
               <a:t>Spray sampling in resolved simulations . . . . . . . . . . . . . . . . . . . . . . . . . . . 65</a:t>
             </a:r>
           </a:p>
           <a:p>
             <a:r>
-              <a:rPr lang="en-US" sz="700" dirty="0" smtClean="0"/>
+              <a:rPr lang="en-US" sz="700" dirty="0" smtClean="0">
+                <a:solidFill>
+                  <a:srgbClr val="00B050"/>
+                </a:solidFill>
+              </a:rPr>
               <a:t>  5.4.2 </a:t>
             </a:r>
             <a:r>
-              <a:rPr lang="en-US" sz="700" dirty="0"/>
+              <a:rPr lang="en-US" sz="700" dirty="0">
+                <a:solidFill>
+                  <a:srgbClr val="00B050"/>
+                </a:solidFill>
+              </a:rPr>
               <a:t>Numerical computation of jet trajectory . . . . . . . . . . . . . . . . . . . . . . . . . . 65</a:t>
             </a:r>
           </a:p>
           <a:p>
             <a:r>
-              <a:rPr lang="en-US" sz="700" dirty="0" smtClean="0"/>
+              <a:rPr lang="en-US" sz="700" dirty="0" smtClean="0">
+                <a:solidFill>
+                  <a:srgbClr val="00B050"/>
+                </a:solidFill>
+              </a:rPr>
               <a:t>  5.4.3 </a:t>
             </a:r>
             <a:r>
-              <a:rPr lang="en-US" sz="700" dirty="0"/>
+              <a:rPr lang="en-US" sz="700" dirty="0">
+                <a:solidFill>
+                  <a:srgbClr val="00B050"/>
+                </a:solidFill>
+              </a:rPr>
               <a:t>Direct measurement of liquid fluxes . . . . . . . . . . . . . . . . . . . . . . . . . . . . 66</a:t>
             </a:r>
           </a:p>
@@ -20995,7 +21025,6 @@
               <a:rPr lang="fr-FR" sz="700" dirty="0"/>
               <a:t>5.7 Conclusions . . . . . . . . . . . . . . . . . . . . . . . . . . . . . . . . . . . . . . . . . . . . . . 69</a:t>
             </a:r>
-            <a:endParaRPr lang="fr-FR" sz="700" dirty="0"/>
           </a:p>
         </p:txBody>
       </p:sp>
@@ -21327,11 +21356,19 @@
           </a:p>
           <a:p>
             <a:r>
-              <a:rPr lang="en-US" sz="800" b="1" dirty="0" smtClean="0"/>
+              <a:rPr lang="en-US" sz="800" b="1" dirty="0" smtClean="0">
+                <a:solidFill>
+                  <a:srgbClr val="FF0000"/>
+                </a:solidFill>
+              </a:rPr>
               <a:t>7 </a:t>
             </a:r>
             <a:r>
-              <a:rPr lang="en-US" sz="800" b="1" dirty="0"/>
+              <a:rPr lang="en-US" sz="800" b="1" dirty="0">
+                <a:solidFill>
+                  <a:srgbClr val="FF0000"/>
+                </a:solidFill>
+              </a:rPr>
               <a:t>Gaseous flow in BIMER multipoint injector 23</a:t>
             </a:r>
           </a:p>
@@ -21397,13 +21434,17 @@
           </a:p>
           <a:p>
             <a:r>
-              <a:rPr lang="fr-FR" sz="800" dirty="0"/>
+              <a:rPr lang="fr-FR" sz="800" dirty="0">
+                <a:solidFill>
+                  <a:srgbClr val="00B050"/>
+                </a:solidFill>
+              </a:rPr>
               <a:t>  </a:t>
             </a:r>
             <a:r>
               <a:rPr lang="fr-FR" sz="800" dirty="0" smtClean="0">
                 <a:solidFill>
-                  <a:srgbClr val="00B0F0"/>
+                  <a:srgbClr val="00B050"/>
                 </a:solidFill>
               </a:rPr>
               <a:t>7.3 </a:t>
@@ -21411,7 +21452,7 @@
             <a:r>
               <a:rPr lang="fr-FR" sz="800" dirty="0" err="1" smtClean="0">
                 <a:solidFill>
-                  <a:srgbClr val="00B0F0"/>
+                  <a:srgbClr val="00B050"/>
                 </a:solidFill>
               </a:rPr>
               <a:t>Choice</a:t>
@@ -21419,7 +21460,7 @@
             <a:r>
               <a:rPr lang="fr-FR" sz="800" dirty="0" smtClean="0">
                 <a:solidFill>
-                  <a:srgbClr val="00B0F0"/>
+                  <a:srgbClr val="00B050"/>
                 </a:solidFill>
               </a:rPr>
               <a:t> of operating conditions. </a:t>
@@ -21427,7 +21468,7 @@
             <a:r>
               <a:rPr lang="fr-FR" sz="800" dirty="0">
                 <a:solidFill>
-                  <a:srgbClr val="00B0F0"/>
+                  <a:srgbClr val="00B050"/>
                 </a:solidFill>
               </a:rPr>
               <a:t>. . . . . . . . . . . . . . . . . . . . . . . . . . . . . . . . . . . . . . . . . </a:t>
@@ -21435,7 +21476,7 @@
             <a:r>
               <a:rPr lang="fr-FR" sz="800" dirty="0" smtClean="0">
                 <a:solidFill>
-                  <a:srgbClr val="00B0F0"/>
+                  <a:srgbClr val="00B050"/>
                 </a:solidFill>
               </a:rPr>
               <a:t>23</a:t>
@@ -21445,7 +21486,7 @@
             <a:r>
               <a:rPr lang="fr-FR" sz="800" dirty="0" smtClean="0">
                 <a:solidFill>
-                  <a:srgbClr val="00B0F0"/>
+                  <a:srgbClr val="00B050"/>
                 </a:solidFill>
               </a:rPr>
               <a:t>  7.4 </a:t>
@@ -21453,7 +21494,7 @@
             <a:r>
               <a:rPr lang="fr-FR" sz="800" dirty="0" err="1" smtClean="0">
                 <a:solidFill>
-                  <a:srgbClr val="00B0F0"/>
+                  <a:srgbClr val="00B050"/>
                 </a:solidFill>
               </a:rPr>
               <a:t>Numerical</a:t>
@@ -21461,7 +21502,7 @@
             <a:r>
               <a:rPr lang="fr-FR" sz="800" dirty="0" smtClean="0">
                 <a:solidFill>
-                  <a:srgbClr val="00B0F0"/>
+                  <a:srgbClr val="00B050"/>
                 </a:solidFill>
               </a:rPr>
               <a:t> setup . . . . . . . . . . . . . . . . . . . . . . . . . . . . . . . . . . . . . . . . . . . 23</a:t>
@@ -21471,7 +21512,7 @@
             <a:r>
               <a:rPr lang="en-US" sz="800" dirty="0" smtClean="0">
                 <a:solidFill>
-                  <a:srgbClr val="00B0F0"/>
+                  <a:srgbClr val="00B050"/>
                 </a:solidFill>
               </a:rPr>
               <a:t>  7.5 Validation of gaseous field . . . . . . . . . . . . . . . . . . . . . . . . . . . . . . . . . . . . . . 23</a:t>
@@ -21479,17 +21520,29 @@
           </a:p>
           <a:p>
             <a:r>
-              <a:rPr lang="fr-FR" sz="800" dirty="0" smtClean="0"/>
+              <a:rPr lang="fr-FR" sz="800" dirty="0" smtClean="0">
+                <a:solidFill>
+                  <a:srgbClr val="00B050"/>
+                </a:solidFill>
+              </a:rPr>
               <a:t>  7.6 Application conditions . . . . . . . . . . . . . . . . . . . . . . . . . . . . . . . . . . . . . . . . 23</a:t>
             </a:r>
           </a:p>
           <a:p>
             <a:r>
-              <a:rPr lang="fr-FR" sz="800" dirty="0" smtClean="0"/>
+              <a:rPr lang="fr-FR" sz="800" dirty="0" smtClean="0">
+                <a:solidFill>
+                  <a:srgbClr val="00B050"/>
+                </a:solidFill>
+              </a:rPr>
               <a:t>  7.7 Conclusion </a:t>
             </a:r>
             <a:r>
-              <a:rPr lang="fr-FR" sz="800" dirty="0"/>
+              <a:rPr lang="fr-FR" sz="800" dirty="0">
+                <a:solidFill>
+                  <a:srgbClr val="00B050"/>
+                </a:solidFill>
+              </a:rPr>
               <a:t>. . . . . . . . . . . . . . . . . . . . . . . . . . . . . . . . . . . . . . . . . . . . . . 23</a:t>
             </a:r>
           </a:p>
@@ -21917,8 +21970,12 @@
           <a:lstStyle/>
           <a:p>
             <a:r>
+              <a:rPr lang="fr-FR" sz="700" b="1" dirty="0"/>
+              <a:t>9</a:t>
+            </a:r>
+            <a:r>
               <a:rPr lang="fr-FR" sz="700" b="1" dirty="0" smtClean="0"/>
-              <a:t>15 %</a:t>
+              <a:t>5 %</a:t>
             </a:r>
             <a:endParaRPr lang="fr-FR" sz="100" dirty="0"/>
           </a:p>
@@ -21932,10 +21989,10 @@
         </p:nvGrpSpPr>
         <p:grpSpPr>
           <a:xfrm>
-            <a:off x="383002" y="2580196"/>
-            <a:ext cx="1080120" cy="147289"/>
+            <a:off x="383002" y="2580198"/>
+            <a:ext cx="1080120" cy="156172"/>
             <a:chOff x="1115616" y="1300690"/>
-            <a:chExt cx="1584176" cy="216024"/>
+            <a:chExt cx="1584176" cy="229052"/>
           </a:xfrm>
         </p:grpSpPr>
         <p:sp>
@@ -21995,7 +22052,7 @@
           <p:spPr>
             <a:xfrm>
               <a:off x="1115616" y="1300690"/>
-              <a:ext cx="176346" cy="216024"/>
+              <a:ext cx="1496947" cy="229052"/>
             </a:xfrm>
             <a:prstGeom prst="rect">
               <a:avLst/>
@@ -23540,11 +23597,6 @@
 
 <file path=customXml/item1.xml><?xml version="1.0" encoding="utf-8"?>
 <?mso-contentType ?>
-<SharedContentType xmlns="Microsoft.SharePoint.Taxonomy.ContentTypeSync" SourceId="45132351-61c7-4947-8fdd-28b295696121" ContentTypeId="0x010100D21E0D47AF3242459E2F63E44FCC089100777D7FF5B336497A8022BDD96D52F206" PreviousValue="false"/>
-</file>
-
-<file path=customXml/item2.xml><?xml version="1.0" encoding="utf-8"?>
-<?mso-contentType ?>
 <FormTemplates xmlns="http://schemas.microsoft.com/sharepoint/v3/contenttype/forms">
   <Display>DocumentLibraryForm</Display>
   <Edit>DocumentLibraryForm</Edit>
@@ -23552,7 +23604,7 @@
 </FormTemplates>
 </file>
 
-<file path=customXml/item3.xml><?xml version="1.0" encoding="utf-8"?>
+<file path=customXml/item2.xml><?xml version="1.0" encoding="utf-8"?>
 <p:properties xmlns:p="http://schemas.microsoft.com/office/2006/metadata/properties" xmlns:xsi="http://www.w3.org/2001/XMLSchema-instance" xmlns:pc="http://schemas.microsoft.com/office/infopath/2007/PartnerControls">
   <documentManagement>
     <TaxCatchAllLabel xmlns="594212a7-a8eb-497d-bd6b-0e3a174923ee"/>
@@ -23624,7 +23676,7 @@
 </p:properties>
 </file>
 
-<file path=customXml/item4.xml><?xml version="1.0" encoding="utf-8"?>
+<file path=customXml/item3.xml><?xml version="1.0" encoding="utf-8"?>
 <ct:contentTypeSchema xmlns:ct="http://schemas.microsoft.com/office/2006/metadata/contentType" xmlns:ma="http://schemas.microsoft.com/office/2006/metadata/properties/metaAttributes" ct:_="" ma:_="" ma:contentTypeName="Insite document" ma:contentTypeID="0x010100D21E0D47AF3242459E2F63E44FCC089100777D7FF5B336497A8022BDD96D52F20600200793A640610C4398BA0220248CC219" ma:contentTypeVersion="22" ma:contentTypeDescription="Create Insite document" ma:contentTypeScope="" ma:versionID="032b97a2f15e5661ca0fa000ac2738a1">
   <xsd:schema xmlns:xsd="http://www.w3.org/2001/XMLSchema" xmlns:xs="http://www.w3.org/2001/XMLSchema" xmlns:p="http://schemas.microsoft.com/office/2006/metadata/properties" xmlns:ns1="http://schemas.microsoft.com/sharepoint/v3" xmlns:ns2="594212a7-a8eb-497d-bd6b-0e3a174923ee" targetNamespace="http://schemas.microsoft.com/office/2006/metadata/properties" ma:root="true" ma:fieldsID="fcc802b47a8da61df372a5b0ec1371ba" ns1:_="" ns2:_="">
     <xsd:import namespace="http://schemas.microsoft.com/sharepoint/v3"/>
@@ -23925,15 +23977,12 @@
 </ct:contentTypeSchema>
 </file>
 
-<file path=customXml/itemProps1.xml><?xml version="1.0" encoding="utf-8"?>
-<ds:datastoreItem xmlns:ds="http://schemas.openxmlformats.org/officeDocument/2006/customXml" ds:itemID="{0A838253-757E-43D6-95F9-1423CFF29EBD}">
-  <ds:schemaRefs>
-    <ds:schemaRef ds:uri="Microsoft.SharePoint.Taxonomy.ContentTypeSync"/>
-  </ds:schemaRefs>
-</ds:datastoreItem>
+<file path=customXml/item4.xml><?xml version="1.0" encoding="utf-8"?>
+<?mso-contentType ?>
+<SharedContentType xmlns="Microsoft.SharePoint.Taxonomy.ContentTypeSync" SourceId="45132351-61c7-4947-8fdd-28b295696121" ContentTypeId="0x010100D21E0D47AF3242459E2F63E44FCC089100777D7FF5B336497A8022BDD96D52F206" PreviousValue="false"/>
 </file>
 
-<file path=customXml/itemProps2.xml><?xml version="1.0" encoding="utf-8"?>
+<file path=customXml/itemProps1.xml><?xml version="1.0" encoding="utf-8"?>
 <ds:datastoreItem xmlns:ds="http://schemas.openxmlformats.org/officeDocument/2006/customXml" ds:itemID="{0F8E8D54-22DD-435F-B0BC-857E14266D0E}">
   <ds:schemaRefs>
     <ds:schemaRef ds:uri="http://schemas.microsoft.com/sharepoint/v3/contenttype/forms"/>
@@ -23941,7 +23990,7 @@
 </ds:datastoreItem>
 </file>
 
-<file path=customXml/itemProps3.xml><?xml version="1.0" encoding="utf-8"?>
+<file path=customXml/itemProps2.xml><?xml version="1.0" encoding="utf-8"?>
 <ds:datastoreItem xmlns:ds="http://schemas.openxmlformats.org/officeDocument/2006/customXml" ds:itemID="{D49C4E90-7152-457B-8ABA-0A464531BBF0}">
   <ds:schemaRefs>
     <ds:schemaRef ds:uri="http://schemas.microsoft.com/office/infopath/2007/PartnerControls"/>
@@ -23958,7 +24007,7 @@
 </ds:datastoreItem>
 </file>
 
-<file path=customXml/itemProps4.xml><?xml version="1.0" encoding="utf-8"?>
+<file path=customXml/itemProps3.xml><?xml version="1.0" encoding="utf-8"?>
 <ds:datastoreItem xmlns:ds="http://schemas.openxmlformats.org/officeDocument/2006/customXml" ds:itemID="{F698CC1E-11F0-453E-939E-E7CFB437D6BB}">
   <ds:schemaRefs>
     <ds:schemaRef ds:uri="http://schemas.microsoft.com/office/2006/metadata/contentType"/>
@@ -23975,4 +24024,12 @@
     <ds:schemaRef ds:uri="http://schemas.microsoft.com/internal/obd"/>
   </ds:schemaRefs>
 </ds:datastoreItem>
+</file>
+
+<file path=customXml/itemProps4.xml><?xml version="1.0" encoding="utf-8"?>
+<ds:datastoreItem xmlns:ds="http://schemas.openxmlformats.org/officeDocument/2006/customXml" ds:itemID="{0A838253-757E-43D6-95F9-1423CFF29EBD}">
+  <ds:schemaRefs>
+    <ds:schemaRef ds:uri="Microsoft.SharePoint.Taxonomy.ContentTypeSync"/>
+  </ds:schemaRefs>
+</ds:datastoreItem>
 </file>